--- a/materials/slides/ch03-React基础语法（二）.pptx
+++ b/materials/slides/ch03-React基础语法（二）.pptx
@@ -5163,11 +5163,7 @@
             <a:pPr marL="591820" lvl="1"/>
             <a:r>
               <a:rPr lang="zh-CN" altLang="en-US" dirty="0" smtClean="0"/>
-              <a:t> </a:t>
-            </a:r>
-            <a:r>
-              <a:rPr lang="zh-CN" altLang="en-US" dirty="0" smtClean="0"/>
-              <a:t>使用 </a:t>
+              <a:t> 使用 </a:t>
             </a:r>
             <a:r>
               <a:rPr lang="en-US" altLang="zh-CN" dirty="0" err="1" smtClean="0"/>
@@ -10912,7 +10908,7 @@
   <a:extraClrSchemeLst/>
   <a:extLst>
     <a:ext uri="{05A4C25C-085E-4340-85A3-A5531E510DB2}">
-      <thm15:themeFamily xmlns="" xmlns:thm15="http://schemas.microsoft.com/office/thememl/2012/main" name="Office Theme" id="{62F939B6-93AF-4DB8-9C6B-D6C7DFDC589F}" vid="{4A3C46E8-61CC-4603-A589-7422A47A8E4A}"/>
+      <thm15:themeFamily xmlns:thm15="http://schemas.microsoft.com/office/thememl/2012/main" xmlns="" name="Office Theme" id="{62F939B6-93AF-4DB8-9C6B-D6C7DFDC589F}" vid="{4A3C46E8-61CC-4603-A589-7422A47A8E4A}"/>
     </a:ext>
   </a:extLst>
 </a:theme>
@@ -11200,7 +11196,7 @@
   <a:extraClrSchemeLst/>
   <a:extLst>
     <a:ext uri="{05A4C25C-085E-4340-85A3-A5531E510DB2}">
-      <thm15:themeFamily xmlns="" xmlns:thm15="http://schemas.microsoft.com/office/thememl/2012/main" name="Office Theme" id="{62F939B6-93AF-4DB8-9C6B-D6C7DFDC589F}" vid="{4A3C46E8-61CC-4603-A589-7422A47A8E4A}"/>
+      <thm15:themeFamily xmlns:thm15="http://schemas.microsoft.com/office/thememl/2012/main" xmlns="" name="Office Theme" id="{62F939B6-93AF-4DB8-9C6B-D6C7DFDC589F}" vid="{4A3C46E8-61CC-4603-A589-7422A47A8E4A}"/>
     </a:ext>
   </a:extLst>
 </a:theme>

--- a/materials/slides/ch03-React基础语法（二）.pptx
+++ b/materials/slides/ch03-React基础语法（二）.pptx
@@ -9,19 +9,19 @@
   </p:notesMasterIdLst>
   <p:sldIdLst>
     <p:sldId id="773" r:id="rId2"/>
-    <p:sldId id="832" r:id="rId3"/>
-    <p:sldId id="879" r:id="rId4"/>
-    <p:sldId id="938" r:id="rId5"/>
-    <p:sldId id="939" r:id="rId6"/>
-    <p:sldId id="940" r:id="rId7"/>
-    <p:sldId id="941" r:id="rId8"/>
-    <p:sldId id="943" r:id="rId9"/>
-    <p:sldId id="942" r:id="rId10"/>
-    <p:sldId id="946" r:id="rId11"/>
-    <p:sldId id="945" r:id="rId12"/>
-    <p:sldId id="944" r:id="rId13"/>
-    <p:sldId id="947" r:id="rId14"/>
-    <p:sldId id="948" r:id="rId15"/>
+    <p:sldId id="939" r:id="rId3"/>
+    <p:sldId id="940" r:id="rId4"/>
+    <p:sldId id="941" r:id="rId5"/>
+    <p:sldId id="943" r:id="rId6"/>
+    <p:sldId id="942" r:id="rId7"/>
+    <p:sldId id="946" r:id="rId8"/>
+    <p:sldId id="945" r:id="rId9"/>
+    <p:sldId id="944" r:id="rId10"/>
+    <p:sldId id="947" r:id="rId11"/>
+    <p:sldId id="948" r:id="rId12"/>
+    <p:sldId id="832" r:id="rId13"/>
+    <p:sldId id="879" r:id="rId14"/>
+    <p:sldId id="938" r:id="rId15"/>
     <p:sldId id="937" r:id="rId16"/>
   </p:sldIdLst>
   <p:sldSz cx="12192000" cy="6858000"/>
@@ -151,6 +151,27 @@
       </a:defRPr>
     </a:lvl9pPr>
   </p:defaultTextStyle>
+  <p:extLst>
+    <p:ext uri="{EFAFB233-063F-42B5-8137-9DF3F51BA10A}">
+      <p15:sldGuideLst xmlns:p15="http://schemas.microsoft.com/office/powerpoint/2012/main">
+        <p15:guide id="1" orient="horz">
+          <p15:clr>
+            <a:srgbClr val="A4A3A4"/>
+          </p15:clr>
+        </p15:guide>
+        <p15:guide id="2">
+          <p15:clr>
+            <a:srgbClr val="A4A3A4"/>
+          </p15:clr>
+        </p15:guide>
+        <p15:guide id="3" pos="7499">
+          <p15:clr>
+            <a:srgbClr val="A4A3A4"/>
+          </p15:clr>
+        </p15:guide>
+      </p15:sldGuideLst>
+    </p:ext>
+  </p:extLst>
 </p:presentation>
 </file>
 
@@ -338,35 +359,35 @@
           <a:p>
             <a:pPr lvl="0"/>
             <a:r>
-              <a:rPr lang="zh-CN" altLang="zh-CN" noProof="0" smtClean="0"/>
+              <a:rPr lang="zh-CN" altLang="zh-CN" noProof="0"/>
               <a:t>                                                   </a:t>
             </a:r>
           </a:p>
           <a:p>
             <a:pPr lvl="1"/>
             <a:r>
-              <a:rPr lang="zh-CN" altLang="zh-CN" noProof="0" smtClean="0"/>
+              <a:rPr lang="zh-CN" altLang="zh-CN" noProof="0"/>
               <a:t>               </a:t>
             </a:r>
           </a:p>
           <a:p>
             <a:pPr lvl="2"/>
             <a:r>
-              <a:rPr lang="zh-CN" altLang="zh-CN" noProof="0" smtClean="0"/>
+              <a:rPr lang="zh-CN" altLang="zh-CN" noProof="0"/>
               <a:t>                </a:t>
             </a:r>
           </a:p>
           <a:p>
             <a:pPr lvl="3"/>
             <a:r>
-              <a:rPr lang="zh-CN" altLang="zh-CN" noProof="0" smtClean="0"/>
+              <a:rPr lang="zh-CN" altLang="zh-CN" noProof="0"/>
               <a:t>                </a:t>
             </a:r>
           </a:p>
           <a:p>
             <a:pPr lvl="4"/>
             <a:r>
-              <a:rPr lang="zh-CN" altLang="zh-CN" noProof="0" smtClean="0"/>
+              <a:rPr lang="zh-CN" altLang="zh-CN" noProof="0"/>
               <a:t>                </a:t>
             </a:r>
           </a:p>
@@ -659,7 +680,7 @@
           <a:bodyPr/>
           <a:lstStyle/>
           <a:p>
-            <a:endParaRPr lang="zh-CN" altLang="en-US" smtClean="0"/>
+            <a:endParaRPr lang="zh-CN" altLang="en-US"/>
           </a:p>
         </p:txBody>
       </p:sp>
@@ -826,6 +847,93 @@
 </file>
 
 <file path=ppt/notesSlides/notesSlide10.xml><?xml version="1.0" encoding="utf-8"?>
+<p:notes xmlns:a="http://schemas.openxmlformats.org/drawingml/2006/main" xmlns:r="http://schemas.openxmlformats.org/officeDocument/2006/relationships" xmlns:p="http://schemas.openxmlformats.org/presentationml/2006/main">
+  <p:cSld>
+    <p:spTree>
+      <p:nvGrpSpPr>
+        <p:cNvPr id="1" name=""/>
+        <p:cNvGrpSpPr/>
+        <p:nvPr/>
+      </p:nvGrpSpPr>
+      <p:grpSpPr>
+        <a:xfrm>
+          <a:off x="0" y="0"/>
+          <a:ext cx="0" cy="0"/>
+          <a:chOff x="0" y="0"/>
+          <a:chExt cx="0" cy="0"/>
+        </a:xfrm>
+      </p:grpSpPr>
+      <p:sp>
+        <p:nvSpPr>
+          <p:cNvPr id="2" name="幻灯片图像占位符 1"/>
+          <p:cNvSpPr>
+            <a:spLocks noGrp="1" noRot="1" noChangeAspect="1"/>
+          </p:cNvSpPr>
+          <p:nvPr>
+            <p:ph type="sldImg"/>
+          </p:nvPr>
+        </p:nvSpPr>
+        <p:spPr/>
+      </p:sp>
+      <p:sp>
+        <p:nvSpPr>
+          <p:cNvPr id="3" name="备注占位符 2"/>
+          <p:cNvSpPr>
+            <a:spLocks noGrp="1"/>
+          </p:cNvSpPr>
+          <p:nvPr>
+            <p:ph type="body" idx="1"/>
+          </p:nvPr>
+        </p:nvSpPr>
+        <p:spPr/>
+        <p:txBody>
+          <a:bodyPr/>
+          <a:lstStyle/>
+          <a:p>
+            <a:endParaRPr lang="zh-CN" altLang="en-US" dirty="0"/>
+          </a:p>
+        </p:txBody>
+      </p:sp>
+      <p:sp>
+        <p:nvSpPr>
+          <p:cNvPr id="4" name="灯片编号占位符 3"/>
+          <p:cNvSpPr>
+            <a:spLocks noGrp="1"/>
+          </p:cNvSpPr>
+          <p:nvPr>
+            <p:ph type="sldNum" sz="quarter" idx="10"/>
+          </p:nvPr>
+        </p:nvSpPr>
+        <p:spPr/>
+        <p:txBody>
+          <a:bodyPr/>
+          <a:lstStyle/>
+          <a:p>
+            <a:pPr>
+              <a:defRPr/>
+            </a:pPr>
+            <a:fld id="{F2CCABD1-AF70-44CD-8C26-4C379059FAC1}" type="slidenum">
+              <a:rPr lang="zh-CN" altLang="zh-CN" smtClean="0"/>
+              <a:t>11</a:t>
+            </a:fld>
+            <a:endParaRPr lang="zh-CN" altLang="zh-CN"/>
+          </a:p>
+        </p:txBody>
+      </p:sp>
+    </p:spTree>
+    <p:extLst>
+      <p:ext uri="{BB962C8B-B14F-4D97-AF65-F5344CB8AC3E}">
+        <p14:creationId xmlns:p14="http://schemas.microsoft.com/office/powerpoint/2010/main" val="3092771490"/>
+      </p:ext>
+    </p:extLst>
+  </p:cSld>
+  <p:clrMapOvr>
+    <a:masterClrMapping/>
+  </p:clrMapOvr>
+</p:notes>
+</file>
+
+<file path=ppt/notesSlides/notesSlide11.xml><?xml version="1.0" encoding="utf-8"?>
 <p:notes xmlns:a="http://schemas.openxmlformats.org/drawingml/2006/main" xmlns:r="http://schemas.openxmlformats.org/officeDocument/2006/relationships" xmlns:p="http://schemas.openxmlformats.org/presentationml/2006/main">
   <p:cSld>
     <p:spTree>
@@ -890,7 +998,7 @@
           <a:bodyPr/>
           <a:lstStyle/>
           <a:p>
-            <a:endParaRPr lang="zh-CN" altLang="en-US" smtClean="0"/>
+            <a:endParaRPr lang="zh-CN" altLang="en-US"/>
           </a:p>
         </p:txBody>
       </p:sp>
@@ -1040,7 +1148,7 @@
               <a:rPr lang="zh-CN" altLang="zh-CN">
                 <a:ea typeface="宋体" panose="02010600030101010101" pitchFamily="2" charset="-122"/>
               </a:rPr>
-              <a:t>11</a:t>
+              <a:t>12</a:t>
             </a:fld>
             <a:endParaRPr lang="zh-CN" altLang="zh-CN">
               <a:ea typeface="宋体" panose="02010600030101010101" pitchFamily="2" charset="-122"/>
@@ -1049,93 +1157,6 @@
         </p:txBody>
       </p:sp>
     </p:spTree>
-  </p:cSld>
-  <p:clrMapOvr>
-    <a:masterClrMapping/>
-  </p:clrMapOvr>
-</p:notes>
-</file>
-
-<file path=ppt/notesSlides/notesSlide11.xml><?xml version="1.0" encoding="utf-8"?>
-<p:notes xmlns:a="http://schemas.openxmlformats.org/drawingml/2006/main" xmlns:r="http://schemas.openxmlformats.org/officeDocument/2006/relationships" xmlns:p="http://schemas.openxmlformats.org/presentationml/2006/main">
-  <p:cSld>
-    <p:spTree>
-      <p:nvGrpSpPr>
-        <p:cNvPr id="1" name=""/>
-        <p:cNvGrpSpPr/>
-        <p:nvPr/>
-      </p:nvGrpSpPr>
-      <p:grpSpPr>
-        <a:xfrm>
-          <a:off x="0" y="0"/>
-          <a:ext cx="0" cy="0"/>
-          <a:chOff x="0" y="0"/>
-          <a:chExt cx="0" cy="0"/>
-        </a:xfrm>
-      </p:grpSpPr>
-      <p:sp>
-        <p:nvSpPr>
-          <p:cNvPr id="2" name="幻灯片图像占位符 1"/>
-          <p:cNvSpPr>
-            <a:spLocks noGrp="1" noRot="1" noChangeAspect="1"/>
-          </p:cNvSpPr>
-          <p:nvPr>
-            <p:ph type="sldImg"/>
-          </p:nvPr>
-        </p:nvSpPr>
-        <p:spPr/>
-      </p:sp>
-      <p:sp>
-        <p:nvSpPr>
-          <p:cNvPr id="3" name="备注占位符 2"/>
-          <p:cNvSpPr>
-            <a:spLocks noGrp="1"/>
-          </p:cNvSpPr>
-          <p:nvPr>
-            <p:ph type="body" idx="1"/>
-          </p:nvPr>
-        </p:nvSpPr>
-        <p:spPr/>
-        <p:txBody>
-          <a:bodyPr/>
-          <a:lstStyle/>
-          <a:p>
-            <a:endParaRPr lang="zh-CN" altLang="en-US" dirty="0"/>
-          </a:p>
-        </p:txBody>
-      </p:sp>
-      <p:sp>
-        <p:nvSpPr>
-          <p:cNvPr id="4" name="灯片编号占位符 3"/>
-          <p:cNvSpPr>
-            <a:spLocks noGrp="1"/>
-          </p:cNvSpPr>
-          <p:nvPr>
-            <p:ph type="sldNum" sz="quarter" idx="10"/>
-          </p:nvPr>
-        </p:nvSpPr>
-        <p:spPr/>
-        <p:txBody>
-          <a:bodyPr/>
-          <a:lstStyle/>
-          <a:p>
-            <a:pPr>
-              <a:defRPr/>
-            </a:pPr>
-            <a:fld id="{F2CCABD1-AF70-44CD-8C26-4C379059FAC1}" type="slidenum">
-              <a:rPr lang="zh-CN" altLang="zh-CN" smtClean="0"/>
-              <a:t>12</a:t>
-            </a:fld>
-            <a:endParaRPr lang="zh-CN" altLang="zh-CN"/>
-          </a:p>
-        </p:txBody>
-      </p:sp>
-    </p:spTree>
-    <p:extLst>
-      <p:ext uri="{BB962C8B-B14F-4D97-AF65-F5344CB8AC3E}">
-        <p14:creationId xmlns:p14="http://schemas.microsoft.com/office/powerpoint/2010/main" val="3092771490"/>
-      </p:ext>
-    </p:extLst>
   </p:cSld>
   <p:clrMapOvr>
     <a:masterClrMapping/>
@@ -1187,6 +1208,294 @@
           <a:bodyPr/>
           <a:lstStyle/>
           <a:p>
+            <a:r>
+              <a:rPr lang="en-US" altLang="zh-CN" sz="1200" b="0" i="0" kern="1200" dirty="0">
+                <a:solidFill>
+                  <a:schemeClr val="tx1"/>
+                </a:solidFill>
+                <a:effectLst/>
+                <a:latin typeface="Arial" panose="020B0604020202020204" pitchFamily="34" charset="0"/>
+                <a:ea typeface="+mn-ea"/>
+                <a:cs typeface="+mn-cs"/>
+              </a:rPr>
+              <a:t>JSX</a:t>
+            </a:r>
+            <a:r>
+              <a:rPr lang="zh-CN" altLang="en-US" sz="1200" b="0" i="0" kern="1200" dirty="0">
+                <a:solidFill>
+                  <a:schemeClr val="tx1"/>
+                </a:solidFill>
+                <a:effectLst/>
+                <a:latin typeface="Arial" panose="020B0604020202020204" pitchFamily="34" charset="0"/>
+                <a:ea typeface="+mn-ea"/>
+                <a:cs typeface="+mn-cs"/>
+              </a:rPr>
+              <a:t>就是</a:t>
+            </a:r>
+            <a:r>
+              <a:rPr lang="en-US" altLang="zh-CN" sz="1200" b="0" i="0" kern="1200" dirty="0" err="1">
+                <a:solidFill>
+                  <a:schemeClr val="tx1"/>
+                </a:solidFill>
+                <a:effectLst/>
+                <a:latin typeface="Arial" panose="020B0604020202020204" pitchFamily="34" charset="0"/>
+                <a:ea typeface="+mn-ea"/>
+                <a:cs typeface="+mn-cs"/>
+              </a:rPr>
+              <a:t>Javascript</a:t>
+            </a:r>
+            <a:r>
+              <a:rPr lang="zh-CN" altLang="en-US" sz="1200" b="0" i="0" kern="1200" dirty="0">
+                <a:solidFill>
+                  <a:schemeClr val="tx1"/>
+                </a:solidFill>
+                <a:effectLst/>
+                <a:latin typeface="Arial" panose="020B0604020202020204" pitchFamily="34" charset="0"/>
+                <a:ea typeface="+mn-ea"/>
+                <a:cs typeface="+mn-cs"/>
+              </a:rPr>
+              <a:t>和</a:t>
+            </a:r>
+            <a:r>
+              <a:rPr lang="en-US" altLang="zh-CN" sz="1200" b="0" i="0" kern="1200" dirty="0">
+                <a:solidFill>
+                  <a:schemeClr val="tx1"/>
+                </a:solidFill>
+                <a:effectLst/>
+                <a:latin typeface="Arial" panose="020B0604020202020204" pitchFamily="34" charset="0"/>
+                <a:ea typeface="+mn-ea"/>
+                <a:cs typeface="+mn-cs"/>
+              </a:rPr>
+              <a:t>XML</a:t>
+            </a:r>
+            <a:r>
+              <a:rPr lang="zh-CN" altLang="en-US" sz="1200" b="0" i="0" kern="1200" dirty="0">
+                <a:solidFill>
+                  <a:schemeClr val="tx1"/>
+                </a:solidFill>
+                <a:effectLst/>
+                <a:latin typeface="Arial" panose="020B0604020202020204" pitchFamily="34" charset="0"/>
+                <a:ea typeface="+mn-ea"/>
+                <a:cs typeface="+mn-cs"/>
+              </a:rPr>
+              <a:t>结合的一种格式。</a:t>
+            </a:r>
+            <a:r>
+              <a:rPr lang="en-US" altLang="zh-CN" sz="1200" b="0" i="0" kern="1200" dirty="0">
+                <a:solidFill>
+                  <a:schemeClr val="tx1"/>
+                </a:solidFill>
+                <a:effectLst/>
+                <a:latin typeface="Arial" panose="020B0604020202020204" pitchFamily="34" charset="0"/>
+                <a:ea typeface="+mn-ea"/>
+                <a:cs typeface="+mn-cs"/>
+              </a:rPr>
+              <a:t>React</a:t>
+            </a:r>
+            <a:r>
+              <a:rPr lang="zh-CN" altLang="en-US" sz="1200" b="0" i="0" kern="1200" dirty="0">
+                <a:solidFill>
+                  <a:schemeClr val="tx1"/>
+                </a:solidFill>
+                <a:effectLst/>
+                <a:latin typeface="Arial" panose="020B0604020202020204" pitchFamily="34" charset="0"/>
+                <a:ea typeface="+mn-ea"/>
+                <a:cs typeface="+mn-cs"/>
+              </a:rPr>
+              <a:t>发明了</a:t>
+            </a:r>
+            <a:r>
+              <a:rPr lang="en-US" altLang="zh-CN" sz="1200" b="0" i="0" kern="1200" dirty="0">
+                <a:solidFill>
+                  <a:schemeClr val="tx1"/>
+                </a:solidFill>
+                <a:effectLst/>
+                <a:latin typeface="Arial" panose="020B0604020202020204" pitchFamily="34" charset="0"/>
+                <a:ea typeface="+mn-ea"/>
+                <a:cs typeface="+mn-cs"/>
+              </a:rPr>
+              <a:t>JSX</a:t>
+            </a:r>
+            <a:r>
+              <a:rPr lang="zh-CN" altLang="en-US" sz="1200" b="0" i="0" kern="1200" dirty="0">
+                <a:solidFill>
+                  <a:schemeClr val="tx1"/>
+                </a:solidFill>
+                <a:effectLst/>
+                <a:latin typeface="Arial" panose="020B0604020202020204" pitchFamily="34" charset="0"/>
+                <a:ea typeface="+mn-ea"/>
+                <a:cs typeface="+mn-cs"/>
+              </a:rPr>
+              <a:t>，利用</a:t>
+            </a:r>
+            <a:r>
+              <a:rPr lang="en-US" altLang="zh-CN" sz="1200" b="0" i="0" kern="1200" dirty="0">
+                <a:solidFill>
+                  <a:schemeClr val="tx1"/>
+                </a:solidFill>
+                <a:effectLst/>
+                <a:latin typeface="Arial" panose="020B0604020202020204" pitchFamily="34" charset="0"/>
+                <a:ea typeface="+mn-ea"/>
+                <a:cs typeface="+mn-cs"/>
+              </a:rPr>
+              <a:t>HTML</a:t>
+            </a:r>
+            <a:r>
+              <a:rPr lang="zh-CN" altLang="en-US" sz="1200" b="0" i="0" kern="1200" dirty="0">
+                <a:solidFill>
+                  <a:schemeClr val="tx1"/>
+                </a:solidFill>
+                <a:effectLst/>
+                <a:latin typeface="Arial" panose="020B0604020202020204" pitchFamily="34" charset="0"/>
+                <a:ea typeface="+mn-ea"/>
+                <a:cs typeface="+mn-cs"/>
+              </a:rPr>
+              <a:t>语法来创建虚拟</a:t>
+            </a:r>
+            <a:r>
+              <a:rPr lang="en-US" altLang="zh-CN" sz="1200" b="0" i="0" kern="1200" dirty="0">
+                <a:solidFill>
+                  <a:schemeClr val="tx1"/>
+                </a:solidFill>
+                <a:effectLst/>
+                <a:latin typeface="Arial" panose="020B0604020202020204" pitchFamily="34" charset="0"/>
+                <a:ea typeface="+mn-ea"/>
+                <a:cs typeface="+mn-cs"/>
+              </a:rPr>
+              <a:t>DOM</a:t>
+            </a:r>
+            <a:r>
+              <a:rPr lang="zh-CN" altLang="en-US" sz="1200" b="0" i="0" kern="1200" dirty="0">
+                <a:solidFill>
+                  <a:schemeClr val="tx1"/>
+                </a:solidFill>
+                <a:effectLst/>
+                <a:latin typeface="Arial" panose="020B0604020202020204" pitchFamily="34" charset="0"/>
+                <a:ea typeface="+mn-ea"/>
+                <a:cs typeface="+mn-cs"/>
+              </a:rPr>
+              <a:t>。当遇到</a:t>
+            </a:r>
+            <a:r>
+              <a:rPr lang="en-US" altLang="zh-CN" sz="1200" b="0" i="0" kern="1200" dirty="0">
+                <a:solidFill>
+                  <a:schemeClr val="tx1"/>
+                </a:solidFill>
+                <a:effectLst/>
+                <a:latin typeface="Arial" panose="020B0604020202020204" pitchFamily="34" charset="0"/>
+                <a:ea typeface="+mn-ea"/>
+                <a:cs typeface="+mn-cs"/>
+              </a:rPr>
+              <a:t>&lt;</a:t>
+            </a:r>
+            <a:r>
+              <a:rPr lang="zh-CN" altLang="en-US" sz="1200" b="0" i="0" kern="1200" dirty="0">
+                <a:solidFill>
+                  <a:schemeClr val="tx1"/>
+                </a:solidFill>
+                <a:effectLst/>
+                <a:latin typeface="Arial" panose="020B0604020202020204" pitchFamily="34" charset="0"/>
+                <a:ea typeface="+mn-ea"/>
+                <a:cs typeface="+mn-cs"/>
+              </a:rPr>
+              <a:t>，</a:t>
+            </a:r>
+            <a:r>
+              <a:rPr lang="en-US" altLang="zh-CN" sz="1200" b="0" i="0" kern="1200" dirty="0">
+                <a:solidFill>
+                  <a:schemeClr val="tx1"/>
+                </a:solidFill>
+                <a:effectLst/>
+                <a:latin typeface="Arial" panose="020B0604020202020204" pitchFamily="34" charset="0"/>
+                <a:ea typeface="+mn-ea"/>
+                <a:cs typeface="+mn-cs"/>
+              </a:rPr>
+              <a:t>JSX</a:t>
+            </a:r>
+            <a:r>
+              <a:rPr lang="zh-CN" altLang="en-US" sz="1200" b="0" i="0" kern="1200" dirty="0">
+                <a:solidFill>
+                  <a:schemeClr val="tx1"/>
+                </a:solidFill>
+                <a:effectLst/>
+                <a:latin typeface="Arial" panose="020B0604020202020204" pitchFamily="34" charset="0"/>
+                <a:ea typeface="+mn-ea"/>
+                <a:cs typeface="+mn-cs"/>
+              </a:rPr>
+              <a:t>就当</a:t>
+            </a:r>
+            <a:r>
+              <a:rPr lang="en-US" altLang="zh-CN" sz="1200" b="0" i="0" kern="1200" dirty="0">
+                <a:solidFill>
+                  <a:schemeClr val="tx1"/>
+                </a:solidFill>
+                <a:effectLst/>
+                <a:latin typeface="Arial" panose="020B0604020202020204" pitchFamily="34" charset="0"/>
+                <a:ea typeface="+mn-ea"/>
+                <a:cs typeface="+mn-cs"/>
+              </a:rPr>
+              <a:t>HTML</a:t>
+            </a:r>
+            <a:r>
+              <a:rPr lang="zh-CN" altLang="en-US" sz="1200" b="0" i="0" kern="1200" dirty="0">
+                <a:solidFill>
+                  <a:schemeClr val="tx1"/>
+                </a:solidFill>
+                <a:effectLst/>
+                <a:latin typeface="Arial" panose="020B0604020202020204" pitchFamily="34" charset="0"/>
+                <a:ea typeface="+mn-ea"/>
+                <a:cs typeface="+mn-cs"/>
+              </a:rPr>
+              <a:t>解析，遇到</a:t>
+            </a:r>
+            <a:r>
+              <a:rPr lang="en-US" altLang="zh-CN" sz="1200" b="0" i="0" kern="1200" dirty="0">
+                <a:solidFill>
+                  <a:schemeClr val="tx1"/>
+                </a:solidFill>
+                <a:effectLst/>
+                <a:latin typeface="Arial" panose="020B0604020202020204" pitchFamily="34" charset="0"/>
+                <a:ea typeface="+mn-ea"/>
+                <a:cs typeface="+mn-cs"/>
+              </a:rPr>
+              <a:t>{</a:t>
+            </a:r>
+            <a:r>
+              <a:rPr lang="zh-CN" altLang="en-US" sz="1200" b="0" i="0" kern="1200" dirty="0">
+                <a:solidFill>
+                  <a:schemeClr val="tx1"/>
+                </a:solidFill>
+                <a:effectLst/>
+                <a:latin typeface="Arial" panose="020B0604020202020204" pitchFamily="34" charset="0"/>
+                <a:ea typeface="+mn-ea"/>
+                <a:cs typeface="+mn-cs"/>
+              </a:rPr>
+              <a:t>就当</a:t>
+            </a:r>
+            <a:r>
+              <a:rPr lang="en-US" altLang="zh-CN" sz="1200" b="0" i="0" kern="1200" dirty="0">
+                <a:solidFill>
+                  <a:schemeClr val="tx1"/>
+                </a:solidFill>
+                <a:effectLst/>
+                <a:latin typeface="Arial" panose="020B0604020202020204" pitchFamily="34" charset="0"/>
+                <a:ea typeface="+mn-ea"/>
+                <a:cs typeface="+mn-cs"/>
+              </a:rPr>
+              <a:t>JavaScript</a:t>
+            </a:r>
+            <a:r>
+              <a:rPr lang="zh-CN" altLang="en-US" sz="1200" b="0" i="0" kern="1200" dirty="0">
+                <a:solidFill>
+                  <a:schemeClr val="tx1"/>
+                </a:solidFill>
+                <a:effectLst/>
+                <a:latin typeface="Arial" panose="020B0604020202020204" pitchFamily="34" charset="0"/>
+                <a:ea typeface="+mn-ea"/>
+                <a:cs typeface="+mn-cs"/>
+              </a:rPr>
+              <a:t>解析</a:t>
+            </a:r>
             <a:endParaRPr lang="zh-CN" altLang="en-US" dirty="0"/>
           </a:p>
         </p:txBody>
@@ -1274,6 +1583,294 @@
           <a:bodyPr/>
           <a:lstStyle/>
           <a:p>
+            <a:r>
+              <a:rPr lang="en-US" altLang="zh-CN" sz="1200" b="0" i="0" kern="1200" dirty="0">
+                <a:solidFill>
+                  <a:schemeClr val="tx1"/>
+                </a:solidFill>
+                <a:effectLst/>
+                <a:latin typeface="Arial" panose="020B0604020202020204" pitchFamily="34" charset="0"/>
+                <a:ea typeface="+mn-ea"/>
+                <a:cs typeface="+mn-cs"/>
+              </a:rPr>
+              <a:t>JSX</a:t>
+            </a:r>
+            <a:r>
+              <a:rPr lang="zh-CN" altLang="en-US" sz="1200" b="0" i="0" kern="1200" dirty="0">
+                <a:solidFill>
+                  <a:schemeClr val="tx1"/>
+                </a:solidFill>
+                <a:effectLst/>
+                <a:latin typeface="Arial" panose="020B0604020202020204" pitchFamily="34" charset="0"/>
+                <a:ea typeface="+mn-ea"/>
+                <a:cs typeface="+mn-cs"/>
+              </a:rPr>
+              <a:t>就是</a:t>
+            </a:r>
+            <a:r>
+              <a:rPr lang="en-US" altLang="zh-CN" sz="1200" b="0" i="0" kern="1200" dirty="0" err="1">
+                <a:solidFill>
+                  <a:schemeClr val="tx1"/>
+                </a:solidFill>
+                <a:effectLst/>
+                <a:latin typeface="Arial" panose="020B0604020202020204" pitchFamily="34" charset="0"/>
+                <a:ea typeface="+mn-ea"/>
+                <a:cs typeface="+mn-cs"/>
+              </a:rPr>
+              <a:t>Javascript</a:t>
+            </a:r>
+            <a:r>
+              <a:rPr lang="zh-CN" altLang="en-US" sz="1200" b="0" i="0" kern="1200" dirty="0">
+                <a:solidFill>
+                  <a:schemeClr val="tx1"/>
+                </a:solidFill>
+                <a:effectLst/>
+                <a:latin typeface="Arial" panose="020B0604020202020204" pitchFamily="34" charset="0"/>
+                <a:ea typeface="+mn-ea"/>
+                <a:cs typeface="+mn-cs"/>
+              </a:rPr>
+              <a:t>和</a:t>
+            </a:r>
+            <a:r>
+              <a:rPr lang="en-US" altLang="zh-CN" sz="1200" b="0" i="0" kern="1200" dirty="0">
+                <a:solidFill>
+                  <a:schemeClr val="tx1"/>
+                </a:solidFill>
+                <a:effectLst/>
+                <a:latin typeface="Arial" panose="020B0604020202020204" pitchFamily="34" charset="0"/>
+                <a:ea typeface="+mn-ea"/>
+                <a:cs typeface="+mn-cs"/>
+              </a:rPr>
+              <a:t>XML</a:t>
+            </a:r>
+            <a:r>
+              <a:rPr lang="zh-CN" altLang="en-US" sz="1200" b="0" i="0" kern="1200" dirty="0">
+                <a:solidFill>
+                  <a:schemeClr val="tx1"/>
+                </a:solidFill>
+                <a:effectLst/>
+                <a:latin typeface="Arial" panose="020B0604020202020204" pitchFamily="34" charset="0"/>
+                <a:ea typeface="+mn-ea"/>
+                <a:cs typeface="+mn-cs"/>
+              </a:rPr>
+              <a:t>结合的一种格式。</a:t>
+            </a:r>
+            <a:r>
+              <a:rPr lang="en-US" altLang="zh-CN" sz="1200" b="0" i="0" kern="1200" dirty="0">
+                <a:solidFill>
+                  <a:schemeClr val="tx1"/>
+                </a:solidFill>
+                <a:effectLst/>
+                <a:latin typeface="Arial" panose="020B0604020202020204" pitchFamily="34" charset="0"/>
+                <a:ea typeface="+mn-ea"/>
+                <a:cs typeface="+mn-cs"/>
+              </a:rPr>
+              <a:t>React</a:t>
+            </a:r>
+            <a:r>
+              <a:rPr lang="zh-CN" altLang="en-US" sz="1200" b="0" i="0" kern="1200" dirty="0">
+                <a:solidFill>
+                  <a:schemeClr val="tx1"/>
+                </a:solidFill>
+                <a:effectLst/>
+                <a:latin typeface="Arial" panose="020B0604020202020204" pitchFamily="34" charset="0"/>
+                <a:ea typeface="+mn-ea"/>
+                <a:cs typeface="+mn-cs"/>
+              </a:rPr>
+              <a:t>发明了</a:t>
+            </a:r>
+            <a:r>
+              <a:rPr lang="en-US" altLang="zh-CN" sz="1200" b="0" i="0" kern="1200" dirty="0">
+                <a:solidFill>
+                  <a:schemeClr val="tx1"/>
+                </a:solidFill>
+                <a:effectLst/>
+                <a:latin typeface="Arial" panose="020B0604020202020204" pitchFamily="34" charset="0"/>
+                <a:ea typeface="+mn-ea"/>
+                <a:cs typeface="+mn-cs"/>
+              </a:rPr>
+              <a:t>JSX</a:t>
+            </a:r>
+            <a:r>
+              <a:rPr lang="zh-CN" altLang="en-US" sz="1200" b="0" i="0" kern="1200" dirty="0">
+                <a:solidFill>
+                  <a:schemeClr val="tx1"/>
+                </a:solidFill>
+                <a:effectLst/>
+                <a:latin typeface="Arial" panose="020B0604020202020204" pitchFamily="34" charset="0"/>
+                <a:ea typeface="+mn-ea"/>
+                <a:cs typeface="+mn-cs"/>
+              </a:rPr>
+              <a:t>，利用</a:t>
+            </a:r>
+            <a:r>
+              <a:rPr lang="en-US" altLang="zh-CN" sz="1200" b="0" i="0" kern="1200" dirty="0">
+                <a:solidFill>
+                  <a:schemeClr val="tx1"/>
+                </a:solidFill>
+                <a:effectLst/>
+                <a:latin typeface="Arial" panose="020B0604020202020204" pitchFamily="34" charset="0"/>
+                <a:ea typeface="+mn-ea"/>
+                <a:cs typeface="+mn-cs"/>
+              </a:rPr>
+              <a:t>HTML</a:t>
+            </a:r>
+            <a:r>
+              <a:rPr lang="zh-CN" altLang="en-US" sz="1200" b="0" i="0" kern="1200" dirty="0">
+                <a:solidFill>
+                  <a:schemeClr val="tx1"/>
+                </a:solidFill>
+                <a:effectLst/>
+                <a:latin typeface="Arial" panose="020B0604020202020204" pitchFamily="34" charset="0"/>
+                <a:ea typeface="+mn-ea"/>
+                <a:cs typeface="+mn-cs"/>
+              </a:rPr>
+              <a:t>语法来创建虚拟</a:t>
+            </a:r>
+            <a:r>
+              <a:rPr lang="en-US" altLang="zh-CN" sz="1200" b="0" i="0" kern="1200" dirty="0">
+                <a:solidFill>
+                  <a:schemeClr val="tx1"/>
+                </a:solidFill>
+                <a:effectLst/>
+                <a:latin typeface="Arial" panose="020B0604020202020204" pitchFamily="34" charset="0"/>
+                <a:ea typeface="+mn-ea"/>
+                <a:cs typeface="+mn-cs"/>
+              </a:rPr>
+              <a:t>DOM</a:t>
+            </a:r>
+            <a:r>
+              <a:rPr lang="zh-CN" altLang="en-US" sz="1200" b="0" i="0" kern="1200" dirty="0">
+                <a:solidFill>
+                  <a:schemeClr val="tx1"/>
+                </a:solidFill>
+                <a:effectLst/>
+                <a:latin typeface="Arial" panose="020B0604020202020204" pitchFamily="34" charset="0"/>
+                <a:ea typeface="+mn-ea"/>
+                <a:cs typeface="+mn-cs"/>
+              </a:rPr>
+              <a:t>。当遇到</a:t>
+            </a:r>
+            <a:r>
+              <a:rPr lang="en-US" altLang="zh-CN" sz="1200" b="0" i="0" kern="1200" dirty="0">
+                <a:solidFill>
+                  <a:schemeClr val="tx1"/>
+                </a:solidFill>
+                <a:effectLst/>
+                <a:latin typeface="Arial" panose="020B0604020202020204" pitchFamily="34" charset="0"/>
+                <a:ea typeface="+mn-ea"/>
+                <a:cs typeface="+mn-cs"/>
+              </a:rPr>
+              <a:t>&lt;</a:t>
+            </a:r>
+            <a:r>
+              <a:rPr lang="zh-CN" altLang="en-US" sz="1200" b="0" i="0" kern="1200" dirty="0">
+                <a:solidFill>
+                  <a:schemeClr val="tx1"/>
+                </a:solidFill>
+                <a:effectLst/>
+                <a:latin typeface="Arial" panose="020B0604020202020204" pitchFamily="34" charset="0"/>
+                <a:ea typeface="+mn-ea"/>
+                <a:cs typeface="+mn-cs"/>
+              </a:rPr>
+              <a:t>，</a:t>
+            </a:r>
+            <a:r>
+              <a:rPr lang="en-US" altLang="zh-CN" sz="1200" b="0" i="0" kern="1200" dirty="0">
+                <a:solidFill>
+                  <a:schemeClr val="tx1"/>
+                </a:solidFill>
+                <a:effectLst/>
+                <a:latin typeface="Arial" panose="020B0604020202020204" pitchFamily="34" charset="0"/>
+                <a:ea typeface="+mn-ea"/>
+                <a:cs typeface="+mn-cs"/>
+              </a:rPr>
+              <a:t>JSX</a:t>
+            </a:r>
+            <a:r>
+              <a:rPr lang="zh-CN" altLang="en-US" sz="1200" b="0" i="0" kern="1200" dirty="0">
+                <a:solidFill>
+                  <a:schemeClr val="tx1"/>
+                </a:solidFill>
+                <a:effectLst/>
+                <a:latin typeface="Arial" panose="020B0604020202020204" pitchFamily="34" charset="0"/>
+                <a:ea typeface="+mn-ea"/>
+                <a:cs typeface="+mn-cs"/>
+              </a:rPr>
+              <a:t>就当</a:t>
+            </a:r>
+            <a:r>
+              <a:rPr lang="en-US" altLang="zh-CN" sz="1200" b="0" i="0" kern="1200" dirty="0">
+                <a:solidFill>
+                  <a:schemeClr val="tx1"/>
+                </a:solidFill>
+                <a:effectLst/>
+                <a:latin typeface="Arial" panose="020B0604020202020204" pitchFamily="34" charset="0"/>
+                <a:ea typeface="+mn-ea"/>
+                <a:cs typeface="+mn-cs"/>
+              </a:rPr>
+              <a:t>HTML</a:t>
+            </a:r>
+            <a:r>
+              <a:rPr lang="zh-CN" altLang="en-US" sz="1200" b="0" i="0" kern="1200" dirty="0">
+                <a:solidFill>
+                  <a:schemeClr val="tx1"/>
+                </a:solidFill>
+                <a:effectLst/>
+                <a:latin typeface="Arial" panose="020B0604020202020204" pitchFamily="34" charset="0"/>
+                <a:ea typeface="+mn-ea"/>
+                <a:cs typeface="+mn-cs"/>
+              </a:rPr>
+              <a:t>解析，遇到</a:t>
+            </a:r>
+            <a:r>
+              <a:rPr lang="en-US" altLang="zh-CN" sz="1200" b="0" i="0" kern="1200" dirty="0">
+                <a:solidFill>
+                  <a:schemeClr val="tx1"/>
+                </a:solidFill>
+                <a:effectLst/>
+                <a:latin typeface="Arial" panose="020B0604020202020204" pitchFamily="34" charset="0"/>
+                <a:ea typeface="+mn-ea"/>
+                <a:cs typeface="+mn-cs"/>
+              </a:rPr>
+              <a:t>{</a:t>
+            </a:r>
+            <a:r>
+              <a:rPr lang="zh-CN" altLang="en-US" sz="1200" b="0" i="0" kern="1200" dirty="0">
+                <a:solidFill>
+                  <a:schemeClr val="tx1"/>
+                </a:solidFill>
+                <a:effectLst/>
+                <a:latin typeface="Arial" panose="020B0604020202020204" pitchFamily="34" charset="0"/>
+                <a:ea typeface="+mn-ea"/>
+                <a:cs typeface="+mn-cs"/>
+              </a:rPr>
+              <a:t>就当</a:t>
+            </a:r>
+            <a:r>
+              <a:rPr lang="en-US" altLang="zh-CN" sz="1200" b="0" i="0" kern="1200" dirty="0">
+                <a:solidFill>
+                  <a:schemeClr val="tx1"/>
+                </a:solidFill>
+                <a:effectLst/>
+                <a:latin typeface="Arial" panose="020B0604020202020204" pitchFamily="34" charset="0"/>
+                <a:ea typeface="+mn-ea"/>
+                <a:cs typeface="+mn-cs"/>
+              </a:rPr>
+              <a:t>JavaScript</a:t>
+            </a:r>
+            <a:r>
+              <a:rPr lang="zh-CN" altLang="en-US" sz="1200" b="0" i="0" kern="1200" dirty="0">
+                <a:solidFill>
+                  <a:schemeClr val="tx1"/>
+                </a:solidFill>
+                <a:effectLst/>
+                <a:latin typeface="Arial" panose="020B0604020202020204" pitchFamily="34" charset="0"/>
+                <a:ea typeface="+mn-ea"/>
+                <a:cs typeface="+mn-cs"/>
+              </a:rPr>
+              <a:t>解析</a:t>
+            </a:r>
             <a:endParaRPr lang="zh-CN" altLang="en-US" dirty="0"/>
           </a:p>
         </p:txBody>
@@ -1361,294 +1958,6 @@
           <a:bodyPr/>
           <a:lstStyle/>
           <a:p>
-            <a:r>
-              <a:rPr lang="en-US" altLang="zh-CN" sz="1200" b="0" i="0" kern="1200" dirty="0" smtClean="0">
-                <a:solidFill>
-                  <a:schemeClr val="tx1"/>
-                </a:solidFill>
-                <a:effectLst/>
-                <a:latin typeface="Arial" panose="020B0604020202020204" pitchFamily="34" charset="0"/>
-                <a:ea typeface="+mn-ea"/>
-                <a:cs typeface="+mn-cs"/>
-              </a:rPr>
-              <a:t>JSX</a:t>
-            </a:r>
-            <a:r>
-              <a:rPr lang="zh-CN" altLang="en-US" sz="1200" b="0" i="0" kern="1200" dirty="0" smtClean="0">
-                <a:solidFill>
-                  <a:schemeClr val="tx1"/>
-                </a:solidFill>
-                <a:effectLst/>
-                <a:latin typeface="Arial" panose="020B0604020202020204" pitchFamily="34" charset="0"/>
-                <a:ea typeface="+mn-ea"/>
-                <a:cs typeface="+mn-cs"/>
-              </a:rPr>
-              <a:t>就是</a:t>
-            </a:r>
-            <a:r>
-              <a:rPr lang="en-US" altLang="zh-CN" sz="1200" b="0" i="0" kern="1200" dirty="0" err="1" smtClean="0">
-                <a:solidFill>
-                  <a:schemeClr val="tx1"/>
-                </a:solidFill>
-                <a:effectLst/>
-                <a:latin typeface="Arial" panose="020B0604020202020204" pitchFamily="34" charset="0"/>
-                <a:ea typeface="+mn-ea"/>
-                <a:cs typeface="+mn-cs"/>
-              </a:rPr>
-              <a:t>Javascript</a:t>
-            </a:r>
-            <a:r>
-              <a:rPr lang="zh-CN" altLang="en-US" sz="1200" b="0" i="0" kern="1200" dirty="0" smtClean="0">
-                <a:solidFill>
-                  <a:schemeClr val="tx1"/>
-                </a:solidFill>
-                <a:effectLst/>
-                <a:latin typeface="Arial" panose="020B0604020202020204" pitchFamily="34" charset="0"/>
-                <a:ea typeface="+mn-ea"/>
-                <a:cs typeface="+mn-cs"/>
-              </a:rPr>
-              <a:t>和</a:t>
-            </a:r>
-            <a:r>
-              <a:rPr lang="en-US" altLang="zh-CN" sz="1200" b="0" i="0" kern="1200" dirty="0" smtClean="0">
-                <a:solidFill>
-                  <a:schemeClr val="tx1"/>
-                </a:solidFill>
-                <a:effectLst/>
-                <a:latin typeface="Arial" panose="020B0604020202020204" pitchFamily="34" charset="0"/>
-                <a:ea typeface="+mn-ea"/>
-                <a:cs typeface="+mn-cs"/>
-              </a:rPr>
-              <a:t>XML</a:t>
-            </a:r>
-            <a:r>
-              <a:rPr lang="zh-CN" altLang="en-US" sz="1200" b="0" i="0" kern="1200" dirty="0" smtClean="0">
-                <a:solidFill>
-                  <a:schemeClr val="tx1"/>
-                </a:solidFill>
-                <a:effectLst/>
-                <a:latin typeface="Arial" panose="020B0604020202020204" pitchFamily="34" charset="0"/>
-                <a:ea typeface="+mn-ea"/>
-                <a:cs typeface="+mn-cs"/>
-              </a:rPr>
-              <a:t>结合的一种格式。</a:t>
-            </a:r>
-            <a:r>
-              <a:rPr lang="en-US" altLang="zh-CN" sz="1200" b="0" i="0" kern="1200" dirty="0" smtClean="0">
-                <a:solidFill>
-                  <a:schemeClr val="tx1"/>
-                </a:solidFill>
-                <a:effectLst/>
-                <a:latin typeface="Arial" panose="020B0604020202020204" pitchFamily="34" charset="0"/>
-                <a:ea typeface="+mn-ea"/>
-                <a:cs typeface="+mn-cs"/>
-              </a:rPr>
-              <a:t>React</a:t>
-            </a:r>
-            <a:r>
-              <a:rPr lang="zh-CN" altLang="en-US" sz="1200" b="0" i="0" kern="1200" dirty="0" smtClean="0">
-                <a:solidFill>
-                  <a:schemeClr val="tx1"/>
-                </a:solidFill>
-                <a:effectLst/>
-                <a:latin typeface="Arial" panose="020B0604020202020204" pitchFamily="34" charset="0"/>
-                <a:ea typeface="+mn-ea"/>
-                <a:cs typeface="+mn-cs"/>
-              </a:rPr>
-              <a:t>发明了</a:t>
-            </a:r>
-            <a:r>
-              <a:rPr lang="en-US" altLang="zh-CN" sz="1200" b="0" i="0" kern="1200" dirty="0" smtClean="0">
-                <a:solidFill>
-                  <a:schemeClr val="tx1"/>
-                </a:solidFill>
-                <a:effectLst/>
-                <a:latin typeface="Arial" panose="020B0604020202020204" pitchFamily="34" charset="0"/>
-                <a:ea typeface="+mn-ea"/>
-                <a:cs typeface="+mn-cs"/>
-              </a:rPr>
-              <a:t>JSX</a:t>
-            </a:r>
-            <a:r>
-              <a:rPr lang="zh-CN" altLang="en-US" sz="1200" b="0" i="0" kern="1200" dirty="0" smtClean="0">
-                <a:solidFill>
-                  <a:schemeClr val="tx1"/>
-                </a:solidFill>
-                <a:effectLst/>
-                <a:latin typeface="Arial" panose="020B0604020202020204" pitchFamily="34" charset="0"/>
-                <a:ea typeface="+mn-ea"/>
-                <a:cs typeface="+mn-cs"/>
-              </a:rPr>
-              <a:t>，利用</a:t>
-            </a:r>
-            <a:r>
-              <a:rPr lang="en-US" altLang="zh-CN" sz="1200" b="0" i="0" kern="1200" dirty="0" smtClean="0">
-                <a:solidFill>
-                  <a:schemeClr val="tx1"/>
-                </a:solidFill>
-                <a:effectLst/>
-                <a:latin typeface="Arial" panose="020B0604020202020204" pitchFamily="34" charset="0"/>
-                <a:ea typeface="+mn-ea"/>
-                <a:cs typeface="+mn-cs"/>
-              </a:rPr>
-              <a:t>HTML</a:t>
-            </a:r>
-            <a:r>
-              <a:rPr lang="zh-CN" altLang="en-US" sz="1200" b="0" i="0" kern="1200" dirty="0" smtClean="0">
-                <a:solidFill>
-                  <a:schemeClr val="tx1"/>
-                </a:solidFill>
-                <a:effectLst/>
-                <a:latin typeface="Arial" panose="020B0604020202020204" pitchFamily="34" charset="0"/>
-                <a:ea typeface="+mn-ea"/>
-                <a:cs typeface="+mn-cs"/>
-              </a:rPr>
-              <a:t>语法来创建虚拟</a:t>
-            </a:r>
-            <a:r>
-              <a:rPr lang="en-US" altLang="zh-CN" sz="1200" b="0" i="0" kern="1200" dirty="0" smtClean="0">
-                <a:solidFill>
-                  <a:schemeClr val="tx1"/>
-                </a:solidFill>
-                <a:effectLst/>
-                <a:latin typeface="Arial" panose="020B0604020202020204" pitchFamily="34" charset="0"/>
-                <a:ea typeface="+mn-ea"/>
-                <a:cs typeface="+mn-cs"/>
-              </a:rPr>
-              <a:t>DOM</a:t>
-            </a:r>
-            <a:r>
-              <a:rPr lang="zh-CN" altLang="en-US" sz="1200" b="0" i="0" kern="1200" dirty="0" smtClean="0">
-                <a:solidFill>
-                  <a:schemeClr val="tx1"/>
-                </a:solidFill>
-                <a:effectLst/>
-                <a:latin typeface="Arial" panose="020B0604020202020204" pitchFamily="34" charset="0"/>
-                <a:ea typeface="+mn-ea"/>
-                <a:cs typeface="+mn-cs"/>
-              </a:rPr>
-              <a:t>。当遇到</a:t>
-            </a:r>
-            <a:r>
-              <a:rPr lang="en-US" altLang="zh-CN" sz="1200" b="0" i="0" kern="1200" dirty="0" smtClean="0">
-                <a:solidFill>
-                  <a:schemeClr val="tx1"/>
-                </a:solidFill>
-                <a:effectLst/>
-                <a:latin typeface="Arial" panose="020B0604020202020204" pitchFamily="34" charset="0"/>
-                <a:ea typeface="+mn-ea"/>
-                <a:cs typeface="+mn-cs"/>
-              </a:rPr>
-              <a:t>&lt;</a:t>
-            </a:r>
-            <a:r>
-              <a:rPr lang="zh-CN" altLang="en-US" sz="1200" b="0" i="0" kern="1200" dirty="0" smtClean="0">
-                <a:solidFill>
-                  <a:schemeClr val="tx1"/>
-                </a:solidFill>
-                <a:effectLst/>
-                <a:latin typeface="Arial" panose="020B0604020202020204" pitchFamily="34" charset="0"/>
-                <a:ea typeface="+mn-ea"/>
-                <a:cs typeface="+mn-cs"/>
-              </a:rPr>
-              <a:t>，</a:t>
-            </a:r>
-            <a:r>
-              <a:rPr lang="en-US" altLang="zh-CN" sz="1200" b="0" i="0" kern="1200" dirty="0" smtClean="0">
-                <a:solidFill>
-                  <a:schemeClr val="tx1"/>
-                </a:solidFill>
-                <a:effectLst/>
-                <a:latin typeface="Arial" panose="020B0604020202020204" pitchFamily="34" charset="0"/>
-                <a:ea typeface="+mn-ea"/>
-                <a:cs typeface="+mn-cs"/>
-              </a:rPr>
-              <a:t>JSX</a:t>
-            </a:r>
-            <a:r>
-              <a:rPr lang="zh-CN" altLang="en-US" sz="1200" b="0" i="0" kern="1200" dirty="0" smtClean="0">
-                <a:solidFill>
-                  <a:schemeClr val="tx1"/>
-                </a:solidFill>
-                <a:effectLst/>
-                <a:latin typeface="Arial" panose="020B0604020202020204" pitchFamily="34" charset="0"/>
-                <a:ea typeface="+mn-ea"/>
-                <a:cs typeface="+mn-cs"/>
-              </a:rPr>
-              <a:t>就当</a:t>
-            </a:r>
-            <a:r>
-              <a:rPr lang="en-US" altLang="zh-CN" sz="1200" b="0" i="0" kern="1200" dirty="0" smtClean="0">
-                <a:solidFill>
-                  <a:schemeClr val="tx1"/>
-                </a:solidFill>
-                <a:effectLst/>
-                <a:latin typeface="Arial" panose="020B0604020202020204" pitchFamily="34" charset="0"/>
-                <a:ea typeface="+mn-ea"/>
-                <a:cs typeface="+mn-cs"/>
-              </a:rPr>
-              <a:t>HTML</a:t>
-            </a:r>
-            <a:r>
-              <a:rPr lang="zh-CN" altLang="en-US" sz="1200" b="0" i="0" kern="1200" dirty="0" smtClean="0">
-                <a:solidFill>
-                  <a:schemeClr val="tx1"/>
-                </a:solidFill>
-                <a:effectLst/>
-                <a:latin typeface="Arial" panose="020B0604020202020204" pitchFamily="34" charset="0"/>
-                <a:ea typeface="+mn-ea"/>
-                <a:cs typeface="+mn-cs"/>
-              </a:rPr>
-              <a:t>解析，遇到</a:t>
-            </a:r>
-            <a:r>
-              <a:rPr lang="en-US" altLang="zh-CN" sz="1200" b="0" i="0" kern="1200" dirty="0" smtClean="0">
-                <a:solidFill>
-                  <a:schemeClr val="tx1"/>
-                </a:solidFill>
-                <a:effectLst/>
-                <a:latin typeface="Arial" panose="020B0604020202020204" pitchFamily="34" charset="0"/>
-                <a:ea typeface="+mn-ea"/>
-                <a:cs typeface="+mn-cs"/>
-              </a:rPr>
-              <a:t>{</a:t>
-            </a:r>
-            <a:r>
-              <a:rPr lang="zh-CN" altLang="en-US" sz="1200" b="0" i="0" kern="1200" dirty="0" smtClean="0">
-                <a:solidFill>
-                  <a:schemeClr val="tx1"/>
-                </a:solidFill>
-                <a:effectLst/>
-                <a:latin typeface="Arial" panose="020B0604020202020204" pitchFamily="34" charset="0"/>
-                <a:ea typeface="+mn-ea"/>
-                <a:cs typeface="+mn-cs"/>
-              </a:rPr>
-              <a:t>就当</a:t>
-            </a:r>
-            <a:r>
-              <a:rPr lang="en-US" altLang="zh-CN" sz="1200" b="0" i="0" kern="1200" dirty="0" smtClean="0">
-                <a:solidFill>
-                  <a:schemeClr val="tx1"/>
-                </a:solidFill>
-                <a:effectLst/>
-                <a:latin typeface="Arial" panose="020B0604020202020204" pitchFamily="34" charset="0"/>
-                <a:ea typeface="+mn-ea"/>
-                <a:cs typeface="+mn-cs"/>
-              </a:rPr>
-              <a:t>JavaScript</a:t>
-            </a:r>
-            <a:r>
-              <a:rPr lang="zh-CN" altLang="en-US" sz="1200" b="0" i="0" kern="1200" dirty="0" smtClean="0">
-                <a:solidFill>
-                  <a:schemeClr val="tx1"/>
-                </a:solidFill>
-                <a:effectLst/>
-                <a:latin typeface="Arial" panose="020B0604020202020204" pitchFamily="34" charset="0"/>
-                <a:ea typeface="+mn-ea"/>
-                <a:cs typeface="+mn-cs"/>
-              </a:rPr>
-              <a:t>解析</a:t>
-            </a:r>
             <a:endParaRPr lang="zh-CN" altLang="en-US" dirty="0"/>
           </a:p>
         </p:txBody>
@@ -1737,7 +2046,7 @@
           <a:lstStyle/>
           <a:p>
             <a:r>
-              <a:rPr lang="en-US" altLang="zh-CN" sz="1200" b="0" i="0" kern="1200" dirty="0" smtClean="0">
+              <a:rPr lang="en-US" altLang="zh-CN" sz="1200" b="0" i="0" kern="1200" dirty="0">
                 <a:solidFill>
                   <a:schemeClr val="tx1"/>
                 </a:solidFill>
@@ -1749,7 +2058,7 @@
               <a:t>JSX</a:t>
             </a:r>
             <a:r>
-              <a:rPr lang="zh-CN" altLang="en-US" sz="1200" b="0" i="0" kern="1200" dirty="0" smtClean="0">
+              <a:rPr lang="zh-CN" altLang="en-US" sz="1200" b="0" i="0" kern="1200" dirty="0">
                 <a:solidFill>
                   <a:schemeClr val="tx1"/>
                 </a:solidFill>
@@ -1761,7 +2070,7 @@
               <a:t>就是</a:t>
             </a:r>
             <a:r>
-              <a:rPr lang="en-US" altLang="zh-CN" sz="1200" b="0" i="0" kern="1200" dirty="0" err="1" smtClean="0">
+              <a:rPr lang="en-US" altLang="zh-CN" sz="1200" b="0" i="0" kern="1200" dirty="0" err="1">
                 <a:solidFill>
                   <a:schemeClr val="tx1"/>
                 </a:solidFill>
@@ -1773,7 +2082,7 @@
               <a:t>Javascript</a:t>
             </a:r>
             <a:r>
-              <a:rPr lang="zh-CN" altLang="en-US" sz="1200" b="0" i="0" kern="1200" dirty="0" smtClean="0">
+              <a:rPr lang="zh-CN" altLang="en-US" sz="1200" b="0" i="0" kern="1200" dirty="0">
                 <a:solidFill>
                   <a:schemeClr val="tx1"/>
                 </a:solidFill>
@@ -1785,7 +2094,7 @@
               <a:t>和</a:t>
             </a:r>
             <a:r>
-              <a:rPr lang="en-US" altLang="zh-CN" sz="1200" b="0" i="0" kern="1200" dirty="0" smtClean="0">
+              <a:rPr lang="en-US" altLang="zh-CN" sz="1200" b="0" i="0" kern="1200" dirty="0">
                 <a:solidFill>
                   <a:schemeClr val="tx1"/>
                 </a:solidFill>
@@ -1797,7 +2106,7 @@
               <a:t>XML</a:t>
             </a:r>
             <a:r>
-              <a:rPr lang="zh-CN" altLang="en-US" sz="1200" b="0" i="0" kern="1200" dirty="0" smtClean="0">
+              <a:rPr lang="zh-CN" altLang="en-US" sz="1200" b="0" i="0" kern="1200" dirty="0">
                 <a:solidFill>
                   <a:schemeClr val="tx1"/>
                 </a:solidFill>
@@ -1809,7 +2118,7 @@
               <a:t>结合的一种格式。</a:t>
             </a:r>
             <a:r>
-              <a:rPr lang="en-US" altLang="zh-CN" sz="1200" b="0" i="0" kern="1200" dirty="0" smtClean="0">
+              <a:rPr lang="en-US" altLang="zh-CN" sz="1200" b="0" i="0" kern="1200" dirty="0">
                 <a:solidFill>
                   <a:schemeClr val="tx1"/>
                 </a:solidFill>
@@ -1821,7 +2130,7 @@
               <a:t>React</a:t>
             </a:r>
             <a:r>
-              <a:rPr lang="zh-CN" altLang="en-US" sz="1200" b="0" i="0" kern="1200" dirty="0" smtClean="0">
+              <a:rPr lang="zh-CN" altLang="en-US" sz="1200" b="0" i="0" kern="1200" dirty="0">
                 <a:solidFill>
                   <a:schemeClr val="tx1"/>
                 </a:solidFill>
@@ -1833,7 +2142,7 @@
               <a:t>发明了</a:t>
             </a:r>
             <a:r>
-              <a:rPr lang="en-US" altLang="zh-CN" sz="1200" b="0" i="0" kern="1200" dirty="0" smtClean="0">
+              <a:rPr lang="en-US" altLang="zh-CN" sz="1200" b="0" i="0" kern="1200" dirty="0">
                 <a:solidFill>
                   <a:schemeClr val="tx1"/>
                 </a:solidFill>
@@ -1845,7 +2154,7 @@
               <a:t>JSX</a:t>
             </a:r>
             <a:r>
-              <a:rPr lang="zh-CN" altLang="en-US" sz="1200" b="0" i="0" kern="1200" dirty="0" smtClean="0">
+              <a:rPr lang="zh-CN" altLang="en-US" sz="1200" b="0" i="0" kern="1200" dirty="0">
                 <a:solidFill>
                   <a:schemeClr val="tx1"/>
                 </a:solidFill>
@@ -1857,7 +2166,7 @@
               <a:t>，利用</a:t>
             </a:r>
             <a:r>
-              <a:rPr lang="en-US" altLang="zh-CN" sz="1200" b="0" i="0" kern="1200" dirty="0" smtClean="0">
+              <a:rPr lang="en-US" altLang="zh-CN" sz="1200" b="0" i="0" kern="1200" dirty="0">
                 <a:solidFill>
                   <a:schemeClr val="tx1"/>
                 </a:solidFill>
@@ -1869,7 +2178,7 @@
               <a:t>HTML</a:t>
             </a:r>
             <a:r>
-              <a:rPr lang="zh-CN" altLang="en-US" sz="1200" b="0" i="0" kern="1200" dirty="0" smtClean="0">
+              <a:rPr lang="zh-CN" altLang="en-US" sz="1200" b="0" i="0" kern="1200" dirty="0">
                 <a:solidFill>
                   <a:schemeClr val="tx1"/>
                 </a:solidFill>
@@ -1881,7 +2190,7 @@
               <a:t>语法来创建虚拟</a:t>
             </a:r>
             <a:r>
-              <a:rPr lang="en-US" altLang="zh-CN" sz="1200" b="0" i="0" kern="1200" dirty="0" smtClean="0">
+              <a:rPr lang="en-US" altLang="zh-CN" sz="1200" b="0" i="0" kern="1200" dirty="0">
                 <a:solidFill>
                   <a:schemeClr val="tx1"/>
                 </a:solidFill>
@@ -1893,7 +2202,7 @@
               <a:t>DOM</a:t>
             </a:r>
             <a:r>
-              <a:rPr lang="zh-CN" altLang="en-US" sz="1200" b="0" i="0" kern="1200" dirty="0" smtClean="0">
+              <a:rPr lang="zh-CN" altLang="en-US" sz="1200" b="0" i="0" kern="1200" dirty="0">
                 <a:solidFill>
                   <a:schemeClr val="tx1"/>
                 </a:solidFill>
@@ -1905,7 +2214,7 @@
               <a:t>。当遇到</a:t>
             </a:r>
             <a:r>
-              <a:rPr lang="en-US" altLang="zh-CN" sz="1200" b="0" i="0" kern="1200" dirty="0" smtClean="0">
+              <a:rPr lang="en-US" altLang="zh-CN" sz="1200" b="0" i="0" kern="1200" dirty="0">
                 <a:solidFill>
                   <a:schemeClr val="tx1"/>
                 </a:solidFill>
@@ -1917,7 +2226,7 @@
               <a:t>&lt;</a:t>
             </a:r>
             <a:r>
-              <a:rPr lang="zh-CN" altLang="en-US" sz="1200" b="0" i="0" kern="1200" dirty="0" smtClean="0">
+              <a:rPr lang="zh-CN" altLang="en-US" sz="1200" b="0" i="0" kern="1200" dirty="0">
                 <a:solidFill>
                   <a:schemeClr val="tx1"/>
                 </a:solidFill>
@@ -1929,7 +2238,7 @@
               <a:t>，</a:t>
             </a:r>
             <a:r>
-              <a:rPr lang="en-US" altLang="zh-CN" sz="1200" b="0" i="0" kern="1200" dirty="0" smtClean="0">
+              <a:rPr lang="en-US" altLang="zh-CN" sz="1200" b="0" i="0" kern="1200" dirty="0">
                 <a:solidFill>
                   <a:schemeClr val="tx1"/>
                 </a:solidFill>
@@ -1941,7 +2250,7 @@
               <a:t>JSX</a:t>
             </a:r>
             <a:r>
-              <a:rPr lang="zh-CN" altLang="en-US" sz="1200" b="0" i="0" kern="1200" dirty="0" smtClean="0">
+              <a:rPr lang="zh-CN" altLang="en-US" sz="1200" b="0" i="0" kern="1200" dirty="0">
                 <a:solidFill>
                   <a:schemeClr val="tx1"/>
                 </a:solidFill>
@@ -1953,7 +2262,7 @@
               <a:t>就当</a:t>
             </a:r>
             <a:r>
-              <a:rPr lang="en-US" altLang="zh-CN" sz="1200" b="0" i="0" kern="1200" dirty="0" smtClean="0">
+              <a:rPr lang="en-US" altLang="zh-CN" sz="1200" b="0" i="0" kern="1200" dirty="0">
                 <a:solidFill>
                   <a:schemeClr val="tx1"/>
                 </a:solidFill>
@@ -1965,7 +2274,7 @@
               <a:t>HTML</a:t>
             </a:r>
             <a:r>
-              <a:rPr lang="zh-CN" altLang="en-US" sz="1200" b="0" i="0" kern="1200" dirty="0" smtClean="0">
+              <a:rPr lang="zh-CN" altLang="en-US" sz="1200" b="0" i="0" kern="1200" dirty="0">
                 <a:solidFill>
                   <a:schemeClr val="tx1"/>
                 </a:solidFill>
@@ -1977,7 +2286,7 @@
               <a:t>解析，遇到</a:t>
             </a:r>
             <a:r>
-              <a:rPr lang="en-US" altLang="zh-CN" sz="1200" b="0" i="0" kern="1200" dirty="0" smtClean="0">
+              <a:rPr lang="en-US" altLang="zh-CN" sz="1200" b="0" i="0" kern="1200" dirty="0">
                 <a:solidFill>
                   <a:schemeClr val="tx1"/>
                 </a:solidFill>
@@ -1989,7 +2298,7 @@
               <a:t>{</a:t>
             </a:r>
             <a:r>
-              <a:rPr lang="zh-CN" altLang="en-US" sz="1200" b="0" i="0" kern="1200" dirty="0" smtClean="0">
+              <a:rPr lang="zh-CN" altLang="en-US" sz="1200" b="0" i="0" kern="1200" dirty="0">
                 <a:solidFill>
                   <a:schemeClr val="tx1"/>
                 </a:solidFill>
@@ -2001,7 +2310,7 @@
               <a:t>就当</a:t>
             </a:r>
             <a:r>
-              <a:rPr lang="en-US" altLang="zh-CN" sz="1200" b="0" i="0" kern="1200" dirty="0" smtClean="0">
+              <a:rPr lang="en-US" altLang="zh-CN" sz="1200" b="0" i="0" kern="1200" dirty="0">
                 <a:solidFill>
                   <a:schemeClr val="tx1"/>
                 </a:solidFill>
@@ -2013,7 +2322,7 @@
               <a:t>JavaScript</a:t>
             </a:r>
             <a:r>
-              <a:rPr lang="zh-CN" altLang="en-US" sz="1200" b="0" i="0" kern="1200" dirty="0" smtClean="0">
+              <a:rPr lang="zh-CN" altLang="en-US" sz="1200" b="0" i="0" kern="1200" dirty="0">
                 <a:solidFill>
                   <a:schemeClr val="tx1"/>
                 </a:solidFill>
@@ -2086,9 +2395,9 @@
       </p:grpSpPr>
       <p:sp>
         <p:nvSpPr>
-          <p:cNvPr id="22530" name="幻灯片图像占位符 1"/>
+          <p:cNvPr id="2" name="幻灯片图像占位符 1"/>
           <p:cNvSpPr>
-            <a:spLocks noGrp="1" noRot="1" noChangeAspect="1" noTextEdit="1"/>
+            <a:spLocks noGrp="1" noRot="1" noChangeAspect="1"/>
           </p:cNvSpPr>
           <p:nvPr>
             <p:ph type="sldImg"/>
@@ -2098,7 +2407,7 @@
       </p:sp>
       <p:sp>
         <p:nvSpPr>
-          <p:cNvPr id="22531" name="备注占位符 2"/>
+          <p:cNvPr id="3" name="备注占位符 2"/>
           <p:cNvSpPr>
             <a:spLocks noGrp="1"/>
           </p:cNvSpPr>
@@ -2106,191 +2415,47 @@
             <p:ph type="body" idx="1"/>
           </p:nvPr>
         </p:nvSpPr>
-        <p:spPr>
-          <a:noFill/>
-          <a:extLst>
-            <a:ext uri="{909E8E84-426E-40DD-AFC4-6F175D3DCCD1}">
-              <a14:hiddenFill xmlns:a14="http://schemas.microsoft.com/office/drawing/2010/main">
-                <a:solidFill>
-                  <a:srgbClr val="FFFFFF"/>
-                </a:solidFill>
-              </a14:hiddenFill>
-            </a:ext>
-            <a:ext uri="{91240B29-F687-4F45-9708-019B960494DF}">
-              <a14:hiddenLine xmlns:a14="http://schemas.microsoft.com/office/drawing/2010/main" w="9525">
-                <a:solidFill>
-                  <a:srgbClr val="000000"/>
-                </a:solidFill>
-                <a:miter lim="800000"/>
-                <a:headEnd/>
-                <a:tailEnd/>
-              </a14:hiddenLine>
-            </a:ext>
-          </a:extLst>
-        </p:spPr>
+        <p:spPr/>
         <p:txBody>
           <a:bodyPr/>
           <a:lstStyle/>
           <a:p>
-            <a:endParaRPr lang="zh-CN" altLang="en-US" smtClean="0"/>
+            <a:endParaRPr lang="zh-CN" altLang="en-US" dirty="0"/>
           </a:p>
         </p:txBody>
       </p:sp>
       <p:sp>
         <p:nvSpPr>
-          <p:cNvPr id="22532" name="灯片编号占位符 3"/>
+          <p:cNvPr id="4" name="灯片编号占位符 3"/>
           <p:cNvSpPr>
             <a:spLocks noGrp="1"/>
           </p:cNvSpPr>
           <p:nvPr>
-            <p:ph type="sldNum" sz="quarter" idx="5"/>
+            <p:ph type="sldNum" sz="quarter" idx="10"/>
           </p:nvPr>
         </p:nvSpPr>
-        <p:spPr>
-          <a:noFill/>
-          <a:extLst>
-            <a:ext uri="{909E8E84-426E-40DD-AFC4-6F175D3DCCD1}">
-              <a14:hiddenFill xmlns:a14="http://schemas.microsoft.com/office/drawing/2010/main">
-                <a:solidFill>
-                  <a:srgbClr val="FFFFFF"/>
-                </a:solidFill>
-              </a14:hiddenFill>
-            </a:ext>
-            <a:ext uri="{91240B29-F687-4F45-9708-019B960494DF}">
-              <a14:hiddenLine xmlns:a14="http://schemas.microsoft.com/office/drawing/2010/main" w="9525">
-                <a:solidFill>
-                  <a:srgbClr val="000000"/>
-                </a:solidFill>
-                <a:miter lim="800000"/>
-                <a:headEnd/>
-                <a:tailEnd/>
-              </a14:hiddenLine>
-            </a:ext>
-          </a:extLst>
-        </p:spPr>
+        <p:spPr/>
         <p:txBody>
           <a:bodyPr/>
-          <a:lstStyle>
-            <a:lvl1pPr>
-              <a:defRPr sz="3200">
-                <a:solidFill>
-                  <a:schemeClr val="tx1"/>
-                </a:solidFill>
-                <a:latin typeface="Arial" panose="020B0604020202020204" pitchFamily="34" charset="0"/>
-                <a:ea typeface="微软雅黑" panose="020B0503020204020204" pitchFamily="34" charset="-122"/>
-              </a:defRPr>
-            </a:lvl1pPr>
-            <a:lvl2pPr marL="742950" indent="-285750">
-              <a:defRPr sz="3200">
-                <a:solidFill>
-                  <a:schemeClr val="tx1"/>
-                </a:solidFill>
-                <a:latin typeface="Arial" panose="020B0604020202020204" pitchFamily="34" charset="0"/>
-                <a:ea typeface="微软雅黑" panose="020B0503020204020204" pitchFamily="34" charset="-122"/>
-              </a:defRPr>
-            </a:lvl2pPr>
-            <a:lvl3pPr marL="1143000" indent="-228600">
-              <a:defRPr sz="3200">
-                <a:solidFill>
-                  <a:schemeClr val="tx1"/>
-                </a:solidFill>
-                <a:latin typeface="Arial" panose="020B0604020202020204" pitchFamily="34" charset="0"/>
-                <a:ea typeface="微软雅黑" panose="020B0503020204020204" pitchFamily="34" charset="-122"/>
-              </a:defRPr>
-            </a:lvl3pPr>
-            <a:lvl4pPr marL="1600200" indent="-228600">
-              <a:defRPr sz="3200">
-                <a:solidFill>
-                  <a:schemeClr val="tx1"/>
-                </a:solidFill>
-                <a:latin typeface="Arial" panose="020B0604020202020204" pitchFamily="34" charset="0"/>
-                <a:ea typeface="微软雅黑" panose="020B0503020204020204" pitchFamily="34" charset="-122"/>
-              </a:defRPr>
-            </a:lvl4pPr>
-            <a:lvl5pPr marL="2057400" indent="-228600">
-              <a:defRPr sz="3200">
-                <a:solidFill>
-                  <a:schemeClr val="tx1"/>
-                </a:solidFill>
-                <a:latin typeface="Arial" panose="020B0604020202020204" pitchFamily="34" charset="0"/>
-                <a:ea typeface="微软雅黑" panose="020B0503020204020204" pitchFamily="34" charset="-122"/>
-              </a:defRPr>
-            </a:lvl5pPr>
-            <a:lvl6pPr marL="2514600" indent="-228600" eaLnBrk="0" fontAlgn="base" hangingPunct="0">
-              <a:spcBef>
-                <a:spcPct val="0"/>
-              </a:spcBef>
-              <a:spcAft>
-                <a:spcPct val="0"/>
-              </a:spcAft>
-              <a:defRPr sz="3200">
-                <a:solidFill>
-                  <a:schemeClr val="tx1"/>
-                </a:solidFill>
-                <a:latin typeface="Arial" panose="020B0604020202020204" pitchFamily="34" charset="0"/>
-                <a:ea typeface="微软雅黑" panose="020B0503020204020204" pitchFamily="34" charset="-122"/>
-              </a:defRPr>
-            </a:lvl6pPr>
-            <a:lvl7pPr marL="2971800" indent="-228600" eaLnBrk="0" fontAlgn="base" hangingPunct="0">
-              <a:spcBef>
-                <a:spcPct val="0"/>
-              </a:spcBef>
-              <a:spcAft>
-                <a:spcPct val="0"/>
-              </a:spcAft>
-              <a:defRPr sz="3200">
-                <a:solidFill>
-                  <a:schemeClr val="tx1"/>
-                </a:solidFill>
-                <a:latin typeface="Arial" panose="020B0604020202020204" pitchFamily="34" charset="0"/>
-                <a:ea typeface="微软雅黑" panose="020B0503020204020204" pitchFamily="34" charset="-122"/>
-              </a:defRPr>
-            </a:lvl7pPr>
-            <a:lvl8pPr marL="3429000" indent="-228600" eaLnBrk="0" fontAlgn="base" hangingPunct="0">
-              <a:spcBef>
-                <a:spcPct val="0"/>
-              </a:spcBef>
-              <a:spcAft>
-                <a:spcPct val="0"/>
-              </a:spcAft>
-              <a:defRPr sz="3200">
-                <a:solidFill>
-                  <a:schemeClr val="tx1"/>
-                </a:solidFill>
-                <a:latin typeface="Arial" panose="020B0604020202020204" pitchFamily="34" charset="0"/>
-                <a:ea typeface="微软雅黑" panose="020B0503020204020204" pitchFamily="34" charset="-122"/>
-              </a:defRPr>
-            </a:lvl8pPr>
-            <a:lvl9pPr marL="3886200" indent="-228600" eaLnBrk="0" fontAlgn="base" hangingPunct="0">
-              <a:spcBef>
-                <a:spcPct val="0"/>
-              </a:spcBef>
-              <a:spcAft>
-                <a:spcPct val="0"/>
-              </a:spcAft>
-              <a:defRPr sz="3200">
-                <a:solidFill>
-                  <a:schemeClr val="tx1"/>
-                </a:solidFill>
-                <a:latin typeface="Arial" panose="020B0604020202020204" pitchFamily="34" charset="0"/>
-                <a:ea typeface="微软雅黑" panose="020B0503020204020204" pitchFamily="34" charset="-122"/>
-              </a:defRPr>
-            </a:lvl9pPr>
-          </a:lstStyle>
-          <a:p>
-            <a:fld id="{B94B757B-0235-4C13-B71B-044FB4BFFF15}" type="slidenum">
-              <a:rPr lang="zh-CN" altLang="zh-CN">
-                <a:ea typeface="宋体" panose="02010600030101010101" pitchFamily="2" charset="-122"/>
-              </a:rPr>
+          <a:lstStyle/>
+          <a:p>
+            <a:pPr>
+              <a:defRPr/>
+            </a:pPr>
+            <a:fld id="{F2CCABD1-AF70-44CD-8C26-4C379059FAC1}" type="slidenum">
+              <a:rPr lang="zh-CN" altLang="zh-CN" smtClean="0"/>
               <a:t>5</a:t>
             </a:fld>
-            <a:endParaRPr lang="zh-CN" altLang="zh-CN">
-              <a:ea typeface="宋体" panose="02010600030101010101" pitchFamily="2" charset="-122"/>
-            </a:endParaRPr>
+            <a:endParaRPr lang="zh-CN" altLang="zh-CN"/>
           </a:p>
         </p:txBody>
       </p:sp>
     </p:spTree>
+    <p:extLst>
+      <p:ext uri="{BB962C8B-B14F-4D97-AF65-F5344CB8AC3E}">
+        <p14:creationId xmlns:p14="http://schemas.microsoft.com/office/powerpoint/2010/main" val="3092771490"/>
+      </p:ext>
+    </p:extLst>
   </p:cSld>
   <p:clrMapOvr>
     <a:masterClrMapping/>
@@ -2429,294 +2594,6 @@
           <a:bodyPr/>
           <a:lstStyle/>
           <a:p>
-            <a:r>
-              <a:rPr lang="en-US" altLang="zh-CN" sz="1200" b="0" i="0" kern="1200" dirty="0" smtClean="0">
-                <a:solidFill>
-                  <a:schemeClr val="tx1"/>
-                </a:solidFill>
-                <a:effectLst/>
-                <a:latin typeface="Arial" panose="020B0604020202020204" pitchFamily="34" charset="0"/>
-                <a:ea typeface="+mn-ea"/>
-                <a:cs typeface="+mn-cs"/>
-              </a:rPr>
-              <a:t>JSX</a:t>
-            </a:r>
-            <a:r>
-              <a:rPr lang="zh-CN" altLang="en-US" sz="1200" b="0" i="0" kern="1200" dirty="0" smtClean="0">
-                <a:solidFill>
-                  <a:schemeClr val="tx1"/>
-                </a:solidFill>
-                <a:effectLst/>
-                <a:latin typeface="Arial" panose="020B0604020202020204" pitchFamily="34" charset="0"/>
-                <a:ea typeface="+mn-ea"/>
-                <a:cs typeface="+mn-cs"/>
-              </a:rPr>
-              <a:t>就是</a:t>
-            </a:r>
-            <a:r>
-              <a:rPr lang="en-US" altLang="zh-CN" sz="1200" b="0" i="0" kern="1200" dirty="0" err="1" smtClean="0">
-                <a:solidFill>
-                  <a:schemeClr val="tx1"/>
-                </a:solidFill>
-                <a:effectLst/>
-                <a:latin typeface="Arial" panose="020B0604020202020204" pitchFamily="34" charset="0"/>
-                <a:ea typeface="+mn-ea"/>
-                <a:cs typeface="+mn-cs"/>
-              </a:rPr>
-              <a:t>Javascript</a:t>
-            </a:r>
-            <a:r>
-              <a:rPr lang="zh-CN" altLang="en-US" sz="1200" b="0" i="0" kern="1200" dirty="0" smtClean="0">
-                <a:solidFill>
-                  <a:schemeClr val="tx1"/>
-                </a:solidFill>
-                <a:effectLst/>
-                <a:latin typeface="Arial" panose="020B0604020202020204" pitchFamily="34" charset="0"/>
-                <a:ea typeface="+mn-ea"/>
-                <a:cs typeface="+mn-cs"/>
-              </a:rPr>
-              <a:t>和</a:t>
-            </a:r>
-            <a:r>
-              <a:rPr lang="en-US" altLang="zh-CN" sz="1200" b="0" i="0" kern="1200" dirty="0" smtClean="0">
-                <a:solidFill>
-                  <a:schemeClr val="tx1"/>
-                </a:solidFill>
-                <a:effectLst/>
-                <a:latin typeface="Arial" panose="020B0604020202020204" pitchFamily="34" charset="0"/>
-                <a:ea typeface="+mn-ea"/>
-                <a:cs typeface="+mn-cs"/>
-              </a:rPr>
-              <a:t>XML</a:t>
-            </a:r>
-            <a:r>
-              <a:rPr lang="zh-CN" altLang="en-US" sz="1200" b="0" i="0" kern="1200" dirty="0" smtClean="0">
-                <a:solidFill>
-                  <a:schemeClr val="tx1"/>
-                </a:solidFill>
-                <a:effectLst/>
-                <a:latin typeface="Arial" panose="020B0604020202020204" pitchFamily="34" charset="0"/>
-                <a:ea typeface="+mn-ea"/>
-                <a:cs typeface="+mn-cs"/>
-              </a:rPr>
-              <a:t>结合的一种格式。</a:t>
-            </a:r>
-            <a:r>
-              <a:rPr lang="en-US" altLang="zh-CN" sz="1200" b="0" i="0" kern="1200" dirty="0" smtClean="0">
-                <a:solidFill>
-                  <a:schemeClr val="tx1"/>
-                </a:solidFill>
-                <a:effectLst/>
-                <a:latin typeface="Arial" panose="020B0604020202020204" pitchFamily="34" charset="0"/>
-                <a:ea typeface="+mn-ea"/>
-                <a:cs typeface="+mn-cs"/>
-              </a:rPr>
-              <a:t>React</a:t>
-            </a:r>
-            <a:r>
-              <a:rPr lang="zh-CN" altLang="en-US" sz="1200" b="0" i="0" kern="1200" dirty="0" smtClean="0">
-                <a:solidFill>
-                  <a:schemeClr val="tx1"/>
-                </a:solidFill>
-                <a:effectLst/>
-                <a:latin typeface="Arial" panose="020B0604020202020204" pitchFamily="34" charset="0"/>
-                <a:ea typeface="+mn-ea"/>
-                <a:cs typeface="+mn-cs"/>
-              </a:rPr>
-              <a:t>发明了</a:t>
-            </a:r>
-            <a:r>
-              <a:rPr lang="en-US" altLang="zh-CN" sz="1200" b="0" i="0" kern="1200" dirty="0" smtClean="0">
-                <a:solidFill>
-                  <a:schemeClr val="tx1"/>
-                </a:solidFill>
-                <a:effectLst/>
-                <a:latin typeface="Arial" panose="020B0604020202020204" pitchFamily="34" charset="0"/>
-                <a:ea typeface="+mn-ea"/>
-                <a:cs typeface="+mn-cs"/>
-              </a:rPr>
-              <a:t>JSX</a:t>
-            </a:r>
-            <a:r>
-              <a:rPr lang="zh-CN" altLang="en-US" sz="1200" b="0" i="0" kern="1200" dirty="0" smtClean="0">
-                <a:solidFill>
-                  <a:schemeClr val="tx1"/>
-                </a:solidFill>
-                <a:effectLst/>
-                <a:latin typeface="Arial" panose="020B0604020202020204" pitchFamily="34" charset="0"/>
-                <a:ea typeface="+mn-ea"/>
-                <a:cs typeface="+mn-cs"/>
-              </a:rPr>
-              <a:t>，利用</a:t>
-            </a:r>
-            <a:r>
-              <a:rPr lang="en-US" altLang="zh-CN" sz="1200" b="0" i="0" kern="1200" dirty="0" smtClean="0">
-                <a:solidFill>
-                  <a:schemeClr val="tx1"/>
-                </a:solidFill>
-                <a:effectLst/>
-                <a:latin typeface="Arial" panose="020B0604020202020204" pitchFamily="34" charset="0"/>
-                <a:ea typeface="+mn-ea"/>
-                <a:cs typeface="+mn-cs"/>
-              </a:rPr>
-              <a:t>HTML</a:t>
-            </a:r>
-            <a:r>
-              <a:rPr lang="zh-CN" altLang="en-US" sz="1200" b="0" i="0" kern="1200" dirty="0" smtClean="0">
-                <a:solidFill>
-                  <a:schemeClr val="tx1"/>
-                </a:solidFill>
-                <a:effectLst/>
-                <a:latin typeface="Arial" panose="020B0604020202020204" pitchFamily="34" charset="0"/>
-                <a:ea typeface="+mn-ea"/>
-                <a:cs typeface="+mn-cs"/>
-              </a:rPr>
-              <a:t>语法来创建虚拟</a:t>
-            </a:r>
-            <a:r>
-              <a:rPr lang="en-US" altLang="zh-CN" sz="1200" b="0" i="0" kern="1200" dirty="0" smtClean="0">
-                <a:solidFill>
-                  <a:schemeClr val="tx1"/>
-                </a:solidFill>
-                <a:effectLst/>
-                <a:latin typeface="Arial" panose="020B0604020202020204" pitchFamily="34" charset="0"/>
-                <a:ea typeface="+mn-ea"/>
-                <a:cs typeface="+mn-cs"/>
-              </a:rPr>
-              <a:t>DOM</a:t>
-            </a:r>
-            <a:r>
-              <a:rPr lang="zh-CN" altLang="en-US" sz="1200" b="0" i="0" kern="1200" dirty="0" smtClean="0">
-                <a:solidFill>
-                  <a:schemeClr val="tx1"/>
-                </a:solidFill>
-                <a:effectLst/>
-                <a:latin typeface="Arial" panose="020B0604020202020204" pitchFamily="34" charset="0"/>
-                <a:ea typeface="+mn-ea"/>
-                <a:cs typeface="+mn-cs"/>
-              </a:rPr>
-              <a:t>。当遇到</a:t>
-            </a:r>
-            <a:r>
-              <a:rPr lang="en-US" altLang="zh-CN" sz="1200" b="0" i="0" kern="1200" dirty="0" smtClean="0">
-                <a:solidFill>
-                  <a:schemeClr val="tx1"/>
-                </a:solidFill>
-                <a:effectLst/>
-                <a:latin typeface="Arial" panose="020B0604020202020204" pitchFamily="34" charset="0"/>
-                <a:ea typeface="+mn-ea"/>
-                <a:cs typeface="+mn-cs"/>
-              </a:rPr>
-              <a:t>&lt;</a:t>
-            </a:r>
-            <a:r>
-              <a:rPr lang="zh-CN" altLang="en-US" sz="1200" b="0" i="0" kern="1200" dirty="0" smtClean="0">
-                <a:solidFill>
-                  <a:schemeClr val="tx1"/>
-                </a:solidFill>
-                <a:effectLst/>
-                <a:latin typeface="Arial" panose="020B0604020202020204" pitchFamily="34" charset="0"/>
-                <a:ea typeface="+mn-ea"/>
-                <a:cs typeface="+mn-cs"/>
-              </a:rPr>
-              <a:t>，</a:t>
-            </a:r>
-            <a:r>
-              <a:rPr lang="en-US" altLang="zh-CN" sz="1200" b="0" i="0" kern="1200" dirty="0" smtClean="0">
-                <a:solidFill>
-                  <a:schemeClr val="tx1"/>
-                </a:solidFill>
-                <a:effectLst/>
-                <a:latin typeface="Arial" panose="020B0604020202020204" pitchFamily="34" charset="0"/>
-                <a:ea typeface="+mn-ea"/>
-                <a:cs typeface="+mn-cs"/>
-              </a:rPr>
-              <a:t>JSX</a:t>
-            </a:r>
-            <a:r>
-              <a:rPr lang="zh-CN" altLang="en-US" sz="1200" b="0" i="0" kern="1200" dirty="0" smtClean="0">
-                <a:solidFill>
-                  <a:schemeClr val="tx1"/>
-                </a:solidFill>
-                <a:effectLst/>
-                <a:latin typeface="Arial" panose="020B0604020202020204" pitchFamily="34" charset="0"/>
-                <a:ea typeface="+mn-ea"/>
-                <a:cs typeface="+mn-cs"/>
-              </a:rPr>
-              <a:t>就当</a:t>
-            </a:r>
-            <a:r>
-              <a:rPr lang="en-US" altLang="zh-CN" sz="1200" b="0" i="0" kern="1200" dirty="0" smtClean="0">
-                <a:solidFill>
-                  <a:schemeClr val="tx1"/>
-                </a:solidFill>
-                <a:effectLst/>
-                <a:latin typeface="Arial" panose="020B0604020202020204" pitchFamily="34" charset="0"/>
-                <a:ea typeface="+mn-ea"/>
-                <a:cs typeface="+mn-cs"/>
-              </a:rPr>
-              <a:t>HTML</a:t>
-            </a:r>
-            <a:r>
-              <a:rPr lang="zh-CN" altLang="en-US" sz="1200" b="0" i="0" kern="1200" dirty="0" smtClean="0">
-                <a:solidFill>
-                  <a:schemeClr val="tx1"/>
-                </a:solidFill>
-                <a:effectLst/>
-                <a:latin typeface="Arial" panose="020B0604020202020204" pitchFamily="34" charset="0"/>
-                <a:ea typeface="+mn-ea"/>
-                <a:cs typeface="+mn-cs"/>
-              </a:rPr>
-              <a:t>解析，遇到</a:t>
-            </a:r>
-            <a:r>
-              <a:rPr lang="en-US" altLang="zh-CN" sz="1200" b="0" i="0" kern="1200" dirty="0" smtClean="0">
-                <a:solidFill>
-                  <a:schemeClr val="tx1"/>
-                </a:solidFill>
-                <a:effectLst/>
-                <a:latin typeface="Arial" panose="020B0604020202020204" pitchFamily="34" charset="0"/>
-                <a:ea typeface="+mn-ea"/>
-                <a:cs typeface="+mn-cs"/>
-              </a:rPr>
-              <a:t>{</a:t>
-            </a:r>
-            <a:r>
-              <a:rPr lang="zh-CN" altLang="en-US" sz="1200" b="0" i="0" kern="1200" dirty="0" smtClean="0">
-                <a:solidFill>
-                  <a:schemeClr val="tx1"/>
-                </a:solidFill>
-                <a:effectLst/>
-                <a:latin typeface="Arial" panose="020B0604020202020204" pitchFamily="34" charset="0"/>
-                <a:ea typeface="+mn-ea"/>
-                <a:cs typeface="+mn-cs"/>
-              </a:rPr>
-              <a:t>就当</a:t>
-            </a:r>
-            <a:r>
-              <a:rPr lang="en-US" altLang="zh-CN" sz="1200" b="0" i="0" kern="1200" dirty="0" smtClean="0">
-                <a:solidFill>
-                  <a:schemeClr val="tx1"/>
-                </a:solidFill>
-                <a:effectLst/>
-                <a:latin typeface="Arial" panose="020B0604020202020204" pitchFamily="34" charset="0"/>
-                <a:ea typeface="+mn-ea"/>
-                <a:cs typeface="+mn-cs"/>
-              </a:rPr>
-              <a:t>JavaScript</a:t>
-            </a:r>
-            <a:r>
-              <a:rPr lang="zh-CN" altLang="en-US" sz="1200" b="0" i="0" kern="1200" dirty="0" smtClean="0">
-                <a:solidFill>
-                  <a:schemeClr val="tx1"/>
-                </a:solidFill>
-                <a:effectLst/>
-                <a:latin typeface="Arial" panose="020B0604020202020204" pitchFamily="34" charset="0"/>
-                <a:ea typeface="+mn-ea"/>
-                <a:cs typeface="+mn-cs"/>
-              </a:rPr>
-              <a:t>解析</a:t>
-            </a:r>
             <a:endParaRPr lang="zh-CN" altLang="en-US" dirty="0"/>
           </a:p>
         </p:txBody>
@@ -2779,9 +2656,9 @@
       </p:grpSpPr>
       <p:sp>
         <p:nvSpPr>
-          <p:cNvPr id="2" name="幻灯片图像占位符 1"/>
+          <p:cNvPr id="22530" name="幻灯片图像占位符 1"/>
           <p:cNvSpPr>
-            <a:spLocks noGrp="1" noRot="1" noChangeAspect="1"/>
+            <a:spLocks noGrp="1" noRot="1" noChangeAspect="1" noTextEdit="1"/>
           </p:cNvSpPr>
           <p:nvPr>
             <p:ph type="sldImg"/>
@@ -2791,7 +2668,7 @@
       </p:sp>
       <p:sp>
         <p:nvSpPr>
-          <p:cNvPr id="3" name="备注占位符 2"/>
+          <p:cNvPr id="22531" name="备注占位符 2"/>
           <p:cNvSpPr>
             <a:spLocks noGrp="1"/>
           </p:cNvSpPr>
@@ -2799,47 +2676,191 @@
             <p:ph type="body" idx="1"/>
           </p:nvPr>
         </p:nvSpPr>
-        <p:spPr/>
+        <p:spPr>
+          <a:noFill/>
+          <a:extLst>
+            <a:ext uri="{909E8E84-426E-40DD-AFC4-6F175D3DCCD1}">
+              <a14:hiddenFill xmlns:a14="http://schemas.microsoft.com/office/drawing/2010/main">
+                <a:solidFill>
+                  <a:srgbClr val="FFFFFF"/>
+                </a:solidFill>
+              </a14:hiddenFill>
+            </a:ext>
+            <a:ext uri="{91240B29-F687-4F45-9708-019B960494DF}">
+              <a14:hiddenLine xmlns:a14="http://schemas.microsoft.com/office/drawing/2010/main" w="9525">
+                <a:solidFill>
+                  <a:srgbClr val="000000"/>
+                </a:solidFill>
+                <a:miter lim="800000"/>
+                <a:headEnd/>
+                <a:tailEnd/>
+              </a14:hiddenLine>
+            </a:ext>
+          </a:extLst>
+        </p:spPr>
         <p:txBody>
           <a:bodyPr/>
           <a:lstStyle/>
           <a:p>
-            <a:endParaRPr lang="zh-CN" altLang="en-US" dirty="0"/>
+            <a:endParaRPr lang="zh-CN" altLang="en-US"/>
           </a:p>
         </p:txBody>
       </p:sp>
       <p:sp>
         <p:nvSpPr>
-          <p:cNvPr id="4" name="灯片编号占位符 3"/>
+          <p:cNvPr id="22532" name="灯片编号占位符 3"/>
           <p:cNvSpPr>
             <a:spLocks noGrp="1"/>
           </p:cNvSpPr>
           <p:nvPr>
-            <p:ph type="sldNum" sz="quarter" idx="10"/>
+            <p:ph type="sldNum" sz="quarter" idx="5"/>
           </p:nvPr>
         </p:nvSpPr>
-        <p:spPr/>
+        <p:spPr>
+          <a:noFill/>
+          <a:extLst>
+            <a:ext uri="{909E8E84-426E-40DD-AFC4-6F175D3DCCD1}">
+              <a14:hiddenFill xmlns:a14="http://schemas.microsoft.com/office/drawing/2010/main">
+                <a:solidFill>
+                  <a:srgbClr val="FFFFFF"/>
+                </a:solidFill>
+              </a14:hiddenFill>
+            </a:ext>
+            <a:ext uri="{91240B29-F687-4F45-9708-019B960494DF}">
+              <a14:hiddenLine xmlns:a14="http://schemas.microsoft.com/office/drawing/2010/main" w="9525">
+                <a:solidFill>
+                  <a:srgbClr val="000000"/>
+                </a:solidFill>
+                <a:miter lim="800000"/>
+                <a:headEnd/>
+                <a:tailEnd/>
+              </a14:hiddenLine>
+            </a:ext>
+          </a:extLst>
+        </p:spPr>
         <p:txBody>
           <a:bodyPr/>
-          <a:lstStyle/>
-          <a:p>
-            <a:pPr>
-              <a:defRPr/>
-            </a:pPr>
-            <a:fld id="{F2CCABD1-AF70-44CD-8C26-4C379059FAC1}" type="slidenum">
-              <a:rPr lang="zh-CN" altLang="zh-CN" smtClean="0"/>
+          <a:lstStyle>
+            <a:lvl1pPr>
+              <a:defRPr sz="3200">
+                <a:solidFill>
+                  <a:schemeClr val="tx1"/>
+                </a:solidFill>
+                <a:latin typeface="Arial" panose="020B0604020202020204" pitchFamily="34" charset="0"/>
+                <a:ea typeface="微软雅黑" panose="020B0503020204020204" pitchFamily="34" charset="-122"/>
+              </a:defRPr>
+            </a:lvl1pPr>
+            <a:lvl2pPr marL="742950" indent="-285750">
+              <a:defRPr sz="3200">
+                <a:solidFill>
+                  <a:schemeClr val="tx1"/>
+                </a:solidFill>
+                <a:latin typeface="Arial" panose="020B0604020202020204" pitchFamily="34" charset="0"/>
+                <a:ea typeface="微软雅黑" panose="020B0503020204020204" pitchFamily="34" charset="-122"/>
+              </a:defRPr>
+            </a:lvl2pPr>
+            <a:lvl3pPr marL="1143000" indent="-228600">
+              <a:defRPr sz="3200">
+                <a:solidFill>
+                  <a:schemeClr val="tx1"/>
+                </a:solidFill>
+                <a:latin typeface="Arial" panose="020B0604020202020204" pitchFamily="34" charset="0"/>
+                <a:ea typeface="微软雅黑" panose="020B0503020204020204" pitchFamily="34" charset="-122"/>
+              </a:defRPr>
+            </a:lvl3pPr>
+            <a:lvl4pPr marL="1600200" indent="-228600">
+              <a:defRPr sz="3200">
+                <a:solidFill>
+                  <a:schemeClr val="tx1"/>
+                </a:solidFill>
+                <a:latin typeface="Arial" panose="020B0604020202020204" pitchFamily="34" charset="0"/>
+                <a:ea typeface="微软雅黑" panose="020B0503020204020204" pitchFamily="34" charset="-122"/>
+              </a:defRPr>
+            </a:lvl4pPr>
+            <a:lvl5pPr marL="2057400" indent="-228600">
+              <a:defRPr sz="3200">
+                <a:solidFill>
+                  <a:schemeClr val="tx1"/>
+                </a:solidFill>
+                <a:latin typeface="Arial" panose="020B0604020202020204" pitchFamily="34" charset="0"/>
+                <a:ea typeface="微软雅黑" panose="020B0503020204020204" pitchFamily="34" charset="-122"/>
+              </a:defRPr>
+            </a:lvl5pPr>
+            <a:lvl6pPr marL="2514600" indent="-228600" eaLnBrk="0" fontAlgn="base" hangingPunct="0">
+              <a:spcBef>
+                <a:spcPct val="0"/>
+              </a:spcBef>
+              <a:spcAft>
+                <a:spcPct val="0"/>
+              </a:spcAft>
+              <a:defRPr sz="3200">
+                <a:solidFill>
+                  <a:schemeClr val="tx1"/>
+                </a:solidFill>
+                <a:latin typeface="Arial" panose="020B0604020202020204" pitchFamily="34" charset="0"/>
+                <a:ea typeface="微软雅黑" panose="020B0503020204020204" pitchFamily="34" charset="-122"/>
+              </a:defRPr>
+            </a:lvl6pPr>
+            <a:lvl7pPr marL="2971800" indent="-228600" eaLnBrk="0" fontAlgn="base" hangingPunct="0">
+              <a:spcBef>
+                <a:spcPct val="0"/>
+              </a:spcBef>
+              <a:spcAft>
+                <a:spcPct val="0"/>
+              </a:spcAft>
+              <a:defRPr sz="3200">
+                <a:solidFill>
+                  <a:schemeClr val="tx1"/>
+                </a:solidFill>
+                <a:latin typeface="Arial" panose="020B0604020202020204" pitchFamily="34" charset="0"/>
+                <a:ea typeface="微软雅黑" panose="020B0503020204020204" pitchFamily="34" charset="-122"/>
+              </a:defRPr>
+            </a:lvl7pPr>
+            <a:lvl8pPr marL="3429000" indent="-228600" eaLnBrk="0" fontAlgn="base" hangingPunct="0">
+              <a:spcBef>
+                <a:spcPct val="0"/>
+              </a:spcBef>
+              <a:spcAft>
+                <a:spcPct val="0"/>
+              </a:spcAft>
+              <a:defRPr sz="3200">
+                <a:solidFill>
+                  <a:schemeClr val="tx1"/>
+                </a:solidFill>
+                <a:latin typeface="Arial" panose="020B0604020202020204" pitchFamily="34" charset="0"/>
+                <a:ea typeface="微软雅黑" panose="020B0503020204020204" pitchFamily="34" charset="-122"/>
+              </a:defRPr>
+            </a:lvl8pPr>
+            <a:lvl9pPr marL="3886200" indent="-228600" eaLnBrk="0" fontAlgn="base" hangingPunct="0">
+              <a:spcBef>
+                <a:spcPct val="0"/>
+              </a:spcBef>
+              <a:spcAft>
+                <a:spcPct val="0"/>
+              </a:spcAft>
+              <a:defRPr sz="3200">
+                <a:solidFill>
+                  <a:schemeClr val="tx1"/>
+                </a:solidFill>
+                <a:latin typeface="Arial" panose="020B0604020202020204" pitchFamily="34" charset="0"/>
+                <a:ea typeface="微软雅黑" panose="020B0503020204020204" pitchFamily="34" charset="-122"/>
+              </a:defRPr>
+            </a:lvl9pPr>
+          </a:lstStyle>
+          <a:p>
+            <a:fld id="{B94B757B-0235-4C13-B71B-044FB4BFFF15}" type="slidenum">
+              <a:rPr lang="zh-CN" altLang="zh-CN">
+                <a:ea typeface="宋体" panose="02010600030101010101" pitchFamily="2" charset="-122"/>
+              </a:rPr>
               <a:t>8</a:t>
             </a:fld>
-            <a:endParaRPr lang="zh-CN" altLang="zh-CN"/>
+            <a:endParaRPr lang="zh-CN" altLang="zh-CN">
+              <a:ea typeface="宋体" panose="02010600030101010101" pitchFamily="2" charset="-122"/>
+            </a:endParaRPr>
           </a:p>
         </p:txBody>
       </p:sp>
     </p:spTree>
-    <p:extLst>
-      <p:ext uri="{BB962C8B-B14F-4D97-AF65-F5344CB8AC3E}">
-        <p14:creationId xmlns:p14="http://schemas.microsoft.com/office/powerpoint/2010/main" val="3092771490"/>
-      </p:ext>
-    </p:extLst>
   </p:cSld>
   <p:clrMapOvr>
     <a:masterClrMapping/>
@@ -3088,28 +3109,28 @@
           <a:p>
             <a:pPr lvl="0"/>
             <a:r>
-              <a:rPr lang="zh-CN" altLang="en-US" dirty="0" smtClean="0"/>
+              <a:rPr lang="zh-CN" altLang="en-US" dirty="0"/>
               <a:t>单击此处编辑母版文本样式</a:t>
             </a:r>
           </a:p>
           <a:p>
             <a:pPr lvl="1"/>
             <a:r>
-              <a:rPr lang="zh-CN" altLang="en-US" dirty="0" smtClean="0"/>
+              <a:rPr lang="zh-CN" altLang="en-US" dirty="0"/>
               <a:t>第二级</a:t>
             </a:r>
           </a:p>
           <a:p>
             <a:pPr lvl="2"/>
             <a:r>
-              <a:rPr lang="zh-CN" altLang="en-US" dirty="0" smtClean="0"/>
+              <a:rPr lang="zh-CN" altLang="en-US" dirty="0"/>
               <a:t>第三级</a:t>
             </a:r>
           </a:p>
           <a:p>
             <a:pPr lvl="3"/>
             <a:r>
-              <a:rPr lang="zh-CN" altLang="en-US" dirty="0" smtClean="0"/>
+              <a:rPr lang="zh-CN" altLang="en-US" dirty="0"/>
               <a:t>第四级</a:t>
             </a:r>
           </a:p>
@@ -3170,7 +3191,7 @@
           <a:p>
             <a:pPr lvl="0"/>
             <a:r>
-              <a:rPr lang="zh-CN" altLang="en-US" dirty="0" smtClean="0"/>
+              <a:rPr lang="zh-CN" altLang="en-US" dirty="0"/>
               <a:t>单击此处编辑母版文本样式</a:t>
             </a:r>
           </a:p>
@@ -3343,28 +3364,28 @@
           <a:p>
             <a:pPr lvl="0"/>
             <a:r>
-              <a:rPr lang="zh-CN" altLang="en-US" dirty="0" smtClean="0"/>
+              <a:rPr lang="zh-CN" altLang="en-US" dirty="0"/>
               <a:t>单击此处编辑母版文本样式</a:t>
             </a:r>
           </a:p>
           <a:p>
             <a:pPr lvl="1"/>
             <a:r>
-              <a:rPr lang="zh-CN" altLang="en-US" dirty="0" smtClean="0"/>
+              <a:rPr lang="zh-CN" altLang="en-US" dirty="0"/>
               <a:t>第二级</a:t>
             </a:r>
           </a:p>
           <a:p>
             <a:pPr lvl="2"/>
             <a:r>
-              <a:rPr lang="zh-CN" altLang="en-US" dirty="0" smtClean="0"/>
+              <a:rPr lang="zh-CN" altLang="en-US" dirty="0"/>
               <a:t>第三级</a:t>
             </a:r>
           </a:p>
           <a:p>
             <a:pPr lvl="3"/>
             <a:r>
-              <a:rPr lang="zh-CN" altLang="en-US" dirty="0" smtClean="0"/>
+              <a:rPr lang="zh-CN" altLang="en-US" dirty="0"/>
               <a:t>第四级</a:t>
             </a:r>
           </a:p>
@@ -3425,7 +3446,7 @@
           <a:p>
             <a:pPr lvl="0"/>
             <a:r>
-              <a:rPr lang="zh-CN" altLang="en-US" dirty="0" smtClean="0"/>
+              <a:rPr lang="zh-CN" altLang="en-US" dirty="0"/>
               <a:t>单击此处编辑母版文本样式</a:t>
             </a:r>
           </a:p>
@@ -3631,13 +3652,6 @@
     <p:sldLayoutId id="2147483651" r:id="rId3"/>
     <p:sldLayoutId id="2147483652" r:id="rId4"/>
   </p:sldLayoutIdLst>
-  <p:timing>
-    <p:tnLst>
-      <p:par>
-        <p:cTn id="1" dur="indefinite" restart="never" nodeType="tmRoot"/>
-      </p:par>
-    </p:tnLst>
-  </p:timing>
   <p:txStyles>
     <p:titleStyle>
       <a:lvl1pPr algn="l" rtl="0" eaLnBrk="0" fontAlgn="base" hangingPunct="0">
@@ -4175,20 +4189,20 @@
           <a:p>
             <a:pPr eaLnBrk="1" hangingPunct="1"/>
             <a:r>
-              <a:rPr lang="zh-CN" altLang="en-US" sz="4800" b="1" dirty="0" smtClean="0">
+              <a:rPr lang="zh-CN" altLang="en-US" sz="4800" b="1" dirty="0">
                 <a:ea typeface="宋体" panose="02010600030101010101" pitchFamily="2" charset="-122"/>
               </a:rPr>
               <a:t>   </a:t>
             </a:r>
             <a:r>
-              <a:rPr lang="en-US" altLang="zh-CN" sz="4800" b="1" dirty="0" smtClean="0"/>
+              <a:rPr lang="en-US" altLang="zh-CN" sz="4800" b="1" dirty="0"/>
               <a:t>React </a:t>
             </a:r>
             <a:r>
-              <a:rPr lang="zh-CN" altLang="en-US" sz="4800" b="1" dirty="0" smtClean="0"/>
+              <a:rPr lang="zh-CN" altLang="en-US" sz="4800" b="1" dirty="0"/>
               <a:t>程序开发</a:t>
             </a:r>
-            <a:endParaRPr lang="zh-CN" altLang="zh-CN" sz="4800" b="1" dirty="0" smtClean="0"/>
+            <a:endParaRPr lang="zh-CN" altLang="zh-CN" sz="4800" b="1" dirty="0"/>
           </a:p>
         </p:txBody>
       </p:sp>
@@ -4352,20 +4366,20 @@
               <a:t>--- </a:t>
             </a:r>
             <a:r>
-              <a:rPr lang="en-US" altLang="zh-CN" dirty="0" smtClean="0">
+              <a:rPr lang="en-US" altLang="zh-CN" dirty="0">
                 <a:latin typeface="+mn-ea"/>
                 <a:ea typeface="+mn-ea"/>
               </a:rPr>
               <a:t> React </a:t>
             </a:r>
             <a:r>
-              <a:rPr lang="zh-CN" altLang="en-US" dirty="0" smtClean="0">
+              <a:rPr lang="zh-CN" altLang="en-US" dirty="0">
                 <a:latin typeface="+mn-ea"/>
                 <a:ea typeface="+mn-ea"/>
               </a:rPr>
               <a:t>基础语法</a:t>
             </a:r>
-            <a:endParaRPr lang="zh-CN" altLang="en-US" sz="3600" dirty="0" smtClean="0">
+            <a:endParaRPr lang="zh-CN" altLang="en-US" sz="3600" dirty="0">
               <a:latin typeface="+mn-ea"/>
               <a:ea typeface="+mn-ea"/>
             </a:endParaRPr>
@@ -4432,946 +4446,10 @@
     <a:masterClrMapping/>
   </p:clrMapOvr>
   <p:transition advClick="0"/>
-  <p:timing>
-    <p:tnLst>
-      <p:par>
-        <p:cTn id="1" dur="indefinite" restart="never" nodeType="tmRoot"/>
-      </p:par>
-    </p:tnLst>
-  </p:timing>
 </p:sld>
 </file>
 
 <file path=ppt/slides/slide10.xml><?xml version="1.0" encoding="utf-8"?>
-<p:sld xmlns:a="http://schemas.openxmlformats.org/drawingml/2006/main" xmlns:r="http://schemas.openxmlformats.org/officeDocument/2006/relationships" xmlns:p="http://schemas.openxmlformats.org/presentationml/2006/main">
-  <p:cSld>
-    <p:spTree>
-      <p:nvGrpSpPr>
-        <p:cNvPr id="1" name=""/>
-        <p:cNvGrpSpPr/>
-        <p:nvPr/>
-      </p:nvGrpSpPr>
-      <p:grpSpPr>
-        <a:xfrm>
-          <a:off x="0" y="0"/>
-          <a:ext cx="0" cy="0"/>
-          <a:chOff x="0" y="0"/>
-          <a:chExt cx="0" cy="0"/>
-        </a:xfrm>
-      </p:grpSpPr>
-      <p:sp>
-        <p:nvSpPr>
-          <p:cNvPr id="30722" name="内容占位符 3"/>
-          <p:cNvSpPr>
-            <a:spLocks noGrp="1"/>
-          </p:cNvSpPr>
-          <p:nvPr>
-            <p:ph sz="quarter" idx="10"/>
-          </p:nvPr>
-        </p:nvSpPr>
-        <p:spPr bwMode="auto">
-          <a:xfrm>
-            <a:off x="693526" y="907845"/>
-            <a:ext cx="8788025" cy="4898244"/>
-          </a:xfrm>
-          <a:solidFill>
-            <a:schemeClr val="bg1"/>
-          </a:solidFill>
-        </p:spPr>
-        <p:txBody>
-          <a:bodyPr vert="horz" wrap="square" lIns="91440" tIns="45720" rIns="91440" bIns="45720" numCol="1" anchor="t" anchorCtr="0" compatLnSpc="1"/>
-          <a:lstStyle/>
-          <a:p>
-            <a:pPr marL="360045"/>
-            <a:r>
-              <a:rPr lang="zh-CN" altLang="en-US" dirty="0" smtClean="0">
-                <a:latin typeface="+mj-ea"/>
-                <a:ea typeface="+mj-ea"/>
-              </a:rPr>
-              <a:t> 利用受控组件实现 </a:t>
-            </a:r>
-            <a:r>
-              <a:rPr lang="en-US" altLang="zh-CN" dirty="0">
-                <a:latin typeface="+mj-ea"/>
-                <a:ea typeface="+mj-ea"/>
-              </a:rPr>
-              <a:t> </a:t>
-            </a:r>
-            <a:r>
-              <a:rPr lang="en-US" altLang="zh-CN" dirty="0" err="1" smtClean="0">
-                <a:latin typeface="+mj-ea"/>
-                <a:ea typeface="+mj-ea"/>
-              </a:rPr>
-              <a:t>TodoList</a:t>
-            </a:r>
-            <a:endParaRPr lang="en-US" altLang="zh-CN" dirty="0" smtClean="0">
-              <a:latin typeface="+mj-ea"/>
-              <a:ea typeface="+mj-ea"/>
-            </a:endParaRPr>
-          </a:p>
-          <a:p>
-            <a:pPr marL="361315" lvl="1" indent="0">
-              <a:buNone/>
-            </a:pPr>
-            <a:endParaRPr lang="en-US" altLang="zh-CN" dirty="0" smtClean="0">
-              <a:latin typeface="+mj-ea"/>
-              <a:ea typeface="+mj-ea"/>
-            </a:endParaRPr>
-          </a:p>
-        </p:txBody>
-      </p:sp>
-      <p:sp>
-        <p:nvSpPr>
-          <p:cNvPr id="25603" name="内容占位符 4"/>
-          <p:cNvSpPr>
-            <a:spLocks noGrp="1"/>
-          </p:cNvSpPr>
-          <p:nvPr>
-            <p:ph sz="quarter" idx="11"/>
-          </p:nvPr>
-        </p:nvSpPr>
-        <p:spPr bwMode="auto">
-          <a:xfrm>
-            <a:off x="909638" y="236538"/>
-            <a:ext cx="7575550" cy="490537"/>
-          </a:xfrm>
-          <a:extLst>
-            <a:ext uri="{909E8E84-426E-40DD-AFC4-6F175D3DCCD1}">
-              <a14:hiddenFill xmlns:a14="http://schemas.microsoft.com/office/drawing/2010/main">
-                <a:solidFill>
-                  <a:srgbClr val="FFFFFF"/>
-                </a:solidFill>
-              </a14:hiddenFill>
-            </a:ext>
-            <a:ext uri="{91240B29-F687-4F45-9708-019B960494DF}">
-              <a14:hiddenLine xmlns:a14="http://schemas.microsoft.com/office/drawing/2010/main" w="9525">
-                <a:solidFill>
-                  <a:srgbClr val="000000"/>
-                </a:solidFill>
-                <a:miter lim="800000"/>
-                <a:headEnd/>
-                <a:tailEnd/>
-              </a14:hiddenLine>
-            </a:ext>
-          </a:extLst>
-        </p:spPr>
-        <p:txBody>
-          <a:bodyPr vert="horz" wrap="square" lIns="91440" tIns="45720" rIns="91440" bIns="45720" numCol="1" anchor="t" anchorCtr="0" compatLnSpc="1"/>
-          <a:lstStyle/>
-          <a:p>
-            <a:pPr>
-              <a:defRPr/>
-            </a:pPr>
-            <a:r>
-              <a:rPr lang="en-US" altLang="zh-CN" dirty="0" err="1" smtClean="0">
-                <a:latin typeface="+mn-ea"/>
-                <a:ea typeface="+mn-ea"/>
-              </a:rPr>
-              <a:t>TodoList</a:t>
-            </a:r>
-            <a:endParaRPr lang="zh-CN" altLang="en-US" dirty="0" smtClean="0">
-              <a:latin typeface="+mn-ea"/>
-              <a:ea typeface="+mn-ea"/>
-            </a:endParaRPr>
-          </a:p>
-        </p:txBody>
-      </p:sp>
-      <p:sp>
-        <p:nvSpPr>
-          <p:cNvPr id="6" name="矩形 5"/>
-          <p:cNvSpPr/>
-          <p:nvPr/>
-        </p:nvSpPr>
-        <p:spPr>
-          <a:xfrm>
-            <a:off x="10201881" y="5724591"/>
-            <a:ext cx="1440660" cy="461665"/>
-          </a:xfrm>
-          <a:prstGeom prst="rect">
-            <a:avLst/>
-          </a:prstGeom>
-        </p:spPr>
-        <p:txBody>
-          <a:bodyPr wrap="square">
-            <a:spAutoFit/>
-          </a:bodyPr>
-          <a:lstStyle/>
-          <a:p>
-            <a:r>
-              <a:rPr lang="en-US" altLang="zh-CN" sz="2400" dirty="0" smtClean="0"/>
-              <a:t>demo04</a:t>
-            </a:r>
-            <a:endParaRPr lang="zh-CN" altLang="en-US" sz="2400" dirty="0"/>
-          </a:p>
-        </p:txBody>
-      </p:sp>
-    </p:spTree>
-    <p:extLst>
-      <p:ext uri="{BB962C8B-B14F-4D97-AF65-F5344CB8AC3E}">
-        <p14:creationId xmlns:p14="http://schemas.microsoft.com/office/powerpoint/2010/main" val="1423032434"/>
-      </p:ext>
-    </p:extLst>
-  </p:cSld>
-  <p:clrMapOvr>
-    <a:masterClrMapping/>
-  </p:clrMapOvr>
-  <p:timing>
-    <p:tnLst>
-      <p:par>
-        <p:cTn id="1" dur="indefinite" restart="never" nodeType="tmRoot"/>
-      </p:par>
-    </p:tnLst>
-  </p:timing>
-</p:sld>
-</file>
-
-<file path=ppt/slides/slide11.xml><?xml version="1.0" encoding="utf-8"?>
-<p:sld xmlns:a="http://schemas.openxmlformats.org/drawingml/2006/main" xmlns:r="http://schemas.openxmlformats.org/officeDocument/2006/relationships" xmlns:p="http://schemas.openxmlformats.org/presentationml/2006/main">
-  <p:cSld>
-    <p:spTree>
-      <p:nvGrpSpPr>
-        <p:cNvPr id="1" name=""/>
-        <p:cNvGrpSpPr/>
-        <p:nvPr/>
-      </p:nvGrpSpPr>
-      <p:grpSpPr>
-        <a:xfrm>
-          <a:off x="0" y="0"/>
-          <a:ext cx="0" cy="0"/>
-          <a:chOff x="0" y="0"/>
-          <a:chExt cx="0" cy="0"/>
-        </a:xfrm>
-      </p:grpSpPr>
-      <p:sp>
-        <p:nvSpPr>
-          <p:cNvPr id="21506" name="矩形 2"/>
-          <p:cNvSpPr>
-            <a:spLocks noChangeArrowheads="1"/>
-          </p:cNvSpPr>
-          <p:nvPr/>
-        </p:nvSpPr>
-        <p:spPr bwMode="auto">
-          <a:xfrm>
-            <a:off x="1053690" y="258763"/>
-            <a:ext cx="3186523" cy="585787"/>
-          </a:xfrm>
-          <a:prstGeom prst="rect">
-            <a:avLst/>
-          </a:prstGeom>
-          <a:noFill/>
-          <a:ln>
-            <a:noFill/>
-          </a:ln>
-          <a:extLst>
-            <a:ext uri="{909E8E84-426E-40DD-AFC4-6F175D3DCCD1}">
-              <a14:hiddenFill xmlns:a14="http://schemas.microsoft.com/office/drawing/2010/main">
-                <a:solidFill>
-                  <a:srgbClr val="FFFFFF"/>
-                </a:solidFill>
-              </a14:hiddenFill>
-            </a:ext>
-            <a:ext uri="{91240B29-F687-4F45-9708-019B960494DF}">
-              <a14:hiddenLine xmlns:a14="http://schemas.microsoft.com/office/drawing/2010/main" w="9525">
-                <a:solidFill>
-                  <a:srgbClr val="000000"/>
-                </a:solidFill>
-                <a:miter lim="800000"/>
-                <a:headEnd/>
-                <a:tailEnd/>
-              </a14:hiddenLine>
-            </a:ext>
-          </a:extLst>
-        </p:spPr>
-        <p:txBody>
-          <a:bodyPr wrap="square">
-            <a:spAutoFit/>
-          </a:bodyPr>
-          <a:lstStyle>
-            <a:lvl1pPr>
-              <a:defRPr sz="3200">
-                <a:solidFill>
-                  <a:schemeClr val="tx1"/>
-                </a:solidFill>
-                <a:latin typeface="Arial" panose="020B0604020202020204" pitchFamily="34" charset="0"/>
-                <a:ea typeface="微软雅黑" panose="020B0503020204020204" pitchFamily="34" charset="-122"/>
-              </a:defRPr>
-            </a:lvl1pPr>
-            <a:lvl2pPr marL="742950" indent="-285750">
-              <a:defRPr sz="3200">
-                <a:solidFill>
-                  <a:schemeClr val="tx1"/>
-                </a:solidFill>
-                <a:latin typeface="Arial" panose="020B0604020202020204" pitchFamily="34" charset="0"/>
-                <a:ea typeface="微软雅黑" panose="020B0503020204020204" pitchFamily="34" charset="-122"/>
-              </a:defRPr>
-            </a:lvl2pPr>
-            <a:lvl3pPr marL="1143000" indent="-228600">
-              <a:defRPr sz="3200">
-                <a:solidFill>
-                  <a:schemeClr val="tx1"/>
-                </a:solidFill>
-                <a:latin typeface="Arial" panose="020B0604020202020204" pitchFamily="34" charset="0"/>
-                <a:ea typeface="微软雅黑" panose="020B0503020204020204" pitchFamily="34" charset="-122"/>
-              </a:defRPr>
-            </a:lvl3pPr>
-            <a:lvl4pPr marL="1600200" indent="-228600">
-              <a:defRPr sz="3200">
-                <a:solidFill>
-                  <a:schemeClr val="tx1"/>
-                </a:solidFill>
-                <a:latin typeface="Arial" panose="020B0604020202020204" pitchFamily="34" charset="0"/>
-                <a:ea typeface="微软雅黑" panose="020B0503020204020204" pitchFamily="34" charset="-122"/>
-              </a:defRPr>
-            </a:lvl4pPr>
-            <a:lvl5pPr marL="2057400" indent="-228600">
-              <a:defRPr sz="3200">
-                <a:solidFill>
-                  <a:schemeClr val="tx1"/>
-                </a:solidFill>
-                <a:latin typeface="Arial" panose="020B0604020202020204" pitchFamily="34" charset="0"/>
-                <a:ea typeface="微软雅黑" panose="020B0503020204020204" pitchFamily="34" charset="-122"/>
-              </a:defRPr>
-            </a:lvl5pPr>
-            <a:lvl6pPr marL="2514600" indent="-228600" eaLnBrk="0" fontAlgn="base" hangingPunct="0">
-              <a:spcBef>
-                <a:spcPct val="0"/>
-              </a:spcBef>
-              <a:spcAft>
-                <a:spcPct val="0"/>
-              </a:spcAft>
-              <a:defRPr sz="3200">
-                <a:solidFill>
-                  <a:schemeClr val="tx1"/>
-                </a:solidFill>
-                <a:latin typeface="Arial" panose="020B0604020202020204" pitchFamily="34" charset="0"/>
-                <a:ea typeface="微软雅黑" panose="020B0503020204020204" pitchFamily="34" charset="-122"/>
-              </a:defRPr>
-            </a:lvl6pPr>
-            <a:lvl7pPr marL="2971800" indent="-228600" eaLnBrk="0" fontAlgn="base" hangingPunct="0">
-              <a:spcBef>
-                <a:spcPct val="0"/>
-              </a:spcBef>
-              <a:spcAft>
-                <a:spcPct val="0"/>
-              </a:spcAft>
-              <a:defRPr sz="3200">
-                <a:solidFill>
-                  <a:schemeClr val="tx1"/>
-                </a:solidFill>
-                <a:latin typeface="Arial" panose="020B0604020202020204" pitchFamily="34" charset="0"/>
-                <a:ea typeface="微软雅黑" panose="020B0503020204020204" pitchFamily="34" charset="-122"/>
-              </a:defRPr>
-            </a:lvl7pPr>
-            <a:lvl8pPr marL="3429000" indent="-228600" eaLnBrk="0" fontAlgn="base" hangingPunct="0">
-              <a:spcBef>
-                <a:spcPct val="0"/>
-              </a:spcBef>
-              <a:spcAft>
-                <a:spcPct val="0"/>
-              </a:spcAft>
-              <a:defRPr sz="3200">
-                <a:solidFill>
-                  <a:schemeClr val="tx1"/>
-                </a:solidFill>
-                <a:latin typeface="Arial" panose="020B0604020202020204" pitchFamily="34" charset="0"/>
-                <a:ea typeface="微软雅黑" panose="020B0503020204020204" pitchFamily="34" charset="-122"/>
-              </a:defRPr>
-            </a:lvl8pPr>
-            <a:lvl9pPr marL="3886200" indent="-228600" eaLnBrk="0" fontAlgn="base" hangingPunct="0">
-              <a:spcBef>
-                <a:spcPct val="0"/>
-              </a:spcBef>
-              <a:spcAft>
-                <a:spcPct val="0"/>
-              </a:spcAft>
-              <a:defRPr sz="3200">
-                <a:solidFill>
-                  <a:schemeClr val="tx1"/>
-                </a:solidFill>
-                <a:latin typeface="Arial" panose="020B0604020202020204" pitchFamily="34" charset="0"/>
-                <a:ea typeface="微软雅黑" panose="020B0503020204020204" pitchFamily="34" charset="-122"/>
-              </a:defRPr>
-            </a:lvl9pPr>
-          </a:lstStyle>
-          <a:p>
-            <a:r>
-              <a:rPr lang="zh-CN" altLang="en-US" dirty="0" smtClean="0">
-                <a:solidFill>
-                  <a:srgbClr val="C00000"/>
-                </a:solidFill>
-                <a:latin typeface="+mj-ea"/>
-                <a:ea typeface="+mj-ea"/>
-              </a:rPr>
-              <a:t>内容提纲</a:t>
-            </a:r>
-            <a:endParaRPr lang="zh-CN" altLang="en-US" dirty="0">
-              <a:solidFill>
-                <a:srgbClr val="C00000"/>
-              </a:solidFill>
-              <a:latin typeface="+mj-ea"/>
-              <a:ea typeface="+mj-ea"/>
-            </a:endParaRPr>
-          </a:p>
-        </p:txBody>
-      </p:sp>
-      <p:sp>
-        <p:nvSpPr>
-          <p:cNvPr id="21507" name="AutoShape 6"/>
-          <p:cNvSpPr>
-            <a:spLocks noChangeArrowheads="1"/>
-          </p:cNvSpPr>
-          <p:nvPr/>
-        </p:nvSpPr>
-        <p:spPr bwMode="auto">
-          <a:xfrm>
-            <a:off x="2309813" y="1428750"/>
-            <a:ext cx="6532562" cy="3943350"/>
-          </a:xfrm>
-          <a:prstGeom prst="roundRect">
-            <a:avLst>
-              <a:gd name="adj" fmla="val 16667"/>
-            </a:avLst>
-          </a:prstGeom>
-          <a:noFill/>
-          <a:ln w="28575">
-            <a:solidFill>
-              <a:srgbClr val="C0C0C0"/>
-            </a:solidFill>
-            <a:prstDash val="sysDot"/>
-            <a:round/>
-          </a:ln>
-          <a:extLst>
-            <a:ext uri="{909E8E84-426E-40DD-AFC4-6F175D3DCCD1}">
-              <a14:hiddenFill xmlns:a14="http://schemas.microsoft.com/office/drawing/2010/main">
-                <a:solidFill>
-                  <a:srgbClr val="FFFFFF"/>
-                </a:solidFill>
-              </a14:hiddenFill>
-            </a:ext>
-          </a:extLst>
-        </p:spPr>
-        <p:txBody>
-          <a:bodyPr wrap="none" anchor="ctr"/>
-          <a:lstStyle>
-            <a:lvl1pPr marL="457200" indent="-457200">
-              <a:defRPr sz="3200">
-                <a:solidFill>
-                  <a:schemeClr val="tx1"/>
-                </a:solidFill>
-                <a:latin typeface="Arial" panose="020B0604020202020204" pitchFamily="34" charset="0"/>
-                <a:ea typeface="微软雅黑" panose="020B0503020204020204" pitchFamily="34" charset="-122"/>
-              </a:defRPr>
-            </a:lvl1pPr>
-            <a:lvl2pPr marL="742950" indent="-285750">
-              <a:defRPr sz="3200">
-                <a:solidFill>
-                  <a:schemeClr val="tx1"/>
-                </a:solidFill>
-                <a:latin typeface="Arial" panose="020B0604020202020204" pitchFamily="34" charset="0"/>
-                <a:ea typeface="微软雅黑" panose="020B0503020204020204" pitchFamily="34" charset="-122"/>
-              </a:defRPr>
-            </a:lvl2pPr>
-            <a:lvl3pPr marL="1143000" indent="-228600">
-              <a:defRPr sz="3200">
-                <a:solidFill>
-                  <a:schemeClr val="tx1"/>
-                </a:solidFill>
-                <a:latin typeface="Arial" panose="020B0604020202020204" pitchFamily="34" charset="0"/>
-                <a:ea typeface="微软雅黑" panose="020B0503020204020204" pitchFamily="34" charset="-122"/>
-              </a:defRPr>
-            </a:lvl3pPr>
-            <a:lvl4pPr marL="1600200" indent="-228600">
-              <a:defRPr sz="3200">
-                <a:solidFill>
-                  <a:schemeClr val="tx1"/>
-                </a:solidFill>
-                <a:latin typeface="Arial" panose="020B0604020202020204" pitchFamily="34" charset="0"/>
-                <a:ea typeface="微软雅黑" panose="020B0503020204020204" pitchFamily="34" charset="-122"/>
-              </a:defRPr>
-            </a:lvl4pPr>
-            <a:lvl5pPr marL="2057400" indent="-228600">
-              <a:defRPr sz="3200">
-                <a:solidFill>
-                  <a:schemeClr val="tx1"/>
-                </a:solidFill>
-                <a:latin typeface="Arial" panose="020B0604020202020204" pitchFamily="34" charset="0"/>
-                <a:ea typeface="微软雅黑" panose="020B0503020204020204" pitchFamily="34" charset="-122"/>
-              </a:defRPr>
-            </a:lvl5pPr>
-            <a:lvl6pPr marL="2514600" indent="-228600" eaLnBrk="0" fontAlgn="base" hangingPunct="0">
-              <a:spcBef>
-                <a:spcPct val="0"/>
-              </a:spcBef>
-              <a:spcAft>
-                <a:spcPct val="0"/>
-              </a:spcAft>
-              <a:defRPr sz="3200">
-                <a:solidFill>
-                  <a:schemeClr val="tx1"/>
-                </a:solidFill>
-                <a:latin typeface="Arial" panose="020B0604020202020204" pitchFamily="34" charset="0"/>
-                <a:ea typeface="微软雅黑" panose="020B0503020204020204" pitchFamily="34" charset="-122"/>
-              </a:defRPr>
-            </a:lvl6pPr>
-            <a:lvl7pPr marL="2971800" indent="-228600" eaLnBrk="0" fontAlgn="base" hangingPunct="0">
-              <a:spcBef>
-                <a:spcPct val="0"/>
-              </a:spcBef>
-              <a:spcAft>
-                <a:spcPct val="0"/>
-              </a:spcAft>
-              <a:defRPr sz="3200">
-                <a:solidFill>
-                  <a:schemeClr val="tx1"/>
-                </a:solidFill>
-                <a:latin typeface="Arial" panose="020B0604020202020204" pitchFamily="34" charset="0"/>
-                <a:ea typeface="微软雅黑" panose="020B0503020204020204" pitchFamily="34" charset="-122"/>
-              </a:defRPr>
-            </a:lvl7pPr>
-            <a:lvl8pPr marL="3429000" indent="-228600" eaLnBrk="0" fontAlgn="base" hangingPunct="0">
-              <a:spcBef>
-                <a:spcPct val="0"/>
-              </a:spcBef>
-              <a:spcAft>
-                <a:spcPct val="0"/>
-              </a:spcAft>
-              <a:defRPr sz="3200">
-                <a:solidFill>
-                  <a:schemeClr val="tx1"/>
-                </a:solidFill>
-                <a:latin typeface="Arial" panose="020B0604020202020204" pitchFamily="34" charset="0"/>
-                <a:ea typeface="微软雅黑" panose="020B0503020204020204" pitchFamily="34" charset="-122"/>
-              </a:defRPr>
-            </a:lvl8pPr>
-            <a:lvl9pPr marL="3886200" indent="-228600" eaLnBrk="0" fontAlgn="base" hangingPunct="0">
-              <a:spcBef>
-                <a:spcPct val="0"/>
-              </a:spcBef>
-              <a:spcAft>
-                <a:spcPct val="0"/>
-              </a:spcAft>
-              <a:defRPr sz="3200">
-                <a:solidFill>
-                  <a:schemeClr val="tx1"/>
-                </a:solidFill>
-                <a:latin typeface="Arial" panose="020B0604020202020204" pitchFamily="34" charset="0"/>
-                <a:ea typeface="微软雅黑" panose="020B0503020204020204" pitchFamily="34" charset="-122"/>
-              </a:defRPr>
-            </a:lvl9pPr>
-          </a:lstStyle>
-          <a:p>
-            <a:pPr>
-              <a:lnSpc>
-                <a:spcPct val="200000"/>
-              </a:lnSpc>
-              <a:buClr>
-                <a:srgbClr val="92D050"/>
-              </a:buClr>
-              <a:buFont typeface="Wingdings" panose="05000000000000000000" pitchFamily="2" charset="2"/>
-              <a:buChar char="Ø"/>
-            </a:pPr>
-            <a:r>
-              <a:rPr lang="en-US" altLang="zh-CN" sz="2800" b="1" dirty="0" err="1">
-                <a:latin typeface="+mj-ea"/>
-                <a:ea typeface="+mj-ea"/>
-              </a:rPr>
-              <a:t>PropTypes</a:t>
-            </a:r>
-            <a:endParaRPr lang="en-US" altLang="zh-CN" sz="2800" b="1" dirty="0">
-              <a:latin typeface="+mj-ea"/>
-              <a:ea typeface="+mj-ea"/>
-            </a:endParaRPr>
-          </a:p>
-          <a:p>
-            <a:pPr>
-              <a:lnSpc>
-                <a:spcPct val="200000"/>
-              </a:lnSpc>
-              <a:buClr>
-                <a:srgbClr val="92D050"/>
-              </a:buClr>
-              <a:buFont typeface="Wingdings" panose="05000000000000000000" pitchFamily="2" charset="2"/>
-              <a:buChar char="Ø"/>
-            </a:pPr>
-            <a:r>
-              <a:rPr lang="zh-CN" altLang="en-US" sz="2800" b="1" dirty="0">
-                <a:latin typeface="+mj-ea"/>
-                <a:ea typeface="+mj-ea"/>
-              </a:rPr>
-              <a:t>受</a:t>
-            </a:r>
-            <a:r>
-              <a:rPr lang="zh-CN" altLang="en-US" sz="2800" b="1" dirty="0" smtClean="0">
-                <a:latin typeface="+mj-ea"/>
-                <a:ea typeface="+mj-ea"/>
-              </a:rPr>
-              <a:t>控组件和非受控组件</a:t>
-            </a:r>
-            <a:endParaRPr lang="en-US" altLang="zh-CN" sz="2800" b="1" dirty="0" smtClean="0">
-              <a:latin typeface="+mj-ea"/>
-              <a:ea typeface="+mj-ea"/>
-            </a:endParaRPr>
-          </a:p>
-          <a:p>
-            <a:pPr>
-              <a:lnSpc>
-                <a:spcPct val="200000"/>
-              </a:lnSpc>
-              <a:buClr>
-                <a:srgbClr val="92D050"/>
-              </a:buClr>
-              <a:buFont typeface="Wingdings" panose="05000000000000000000" pitchFamily="2" charset="2"/>
-              <a:buChar char="Ø"/>
-            </a:pPr>
-            <a:r>
-              <a:rPr lang="en-US" altLang="zh-CN" sz="2800" b="1">
-                <a:solidFill>
-                  <a:srgbClr val="C00000"/>
-                </a:solidFill>
-                <a:latin typeface="+mj-ea"/>
-                <a:ea typeface="+mj-ea"/>
-              </a:rPr>
-              <a:t>DOM </a:t>
-            </a:r>
-            <a:r>
-              <a:rPr lang="en-US" altLang="zh-CN" sz="2800" b="1" smtClean="0">
-                <a:solidFill>
-                  <a:srgbClr val="C00000"/>
-                </a:solidFill>
-                <a:latin typeface="+mj-ea"/>
-                <a:ea typeface="+mj-ea"/>
-              </a:rPr>
-              <a:t>Elements</a:t>
-            </a:r>
-            <a:endParaRPr lang="en-US" altLang="zh-CN" sz="2800" b="1" dirty="0" smtClean="0">
-              <a:solidFill>
-                <a:srgbClr val="C00000"/>
-              </a:solidFill>
-              <a:latin typeface="+mj-ea"/>
-              <a:ea typeface="+mj-ea"/>
-            </a:endParaRPr>
-          </a:p>
-        </p:txBody>
-      </p:sp>
-    </p:spTree>
-    <p:extLst>
-      <p:ext uri="{BB962C8B-B14F-4D97-AF65-F5344CB8AC3E}">
-        <p14:creationId xmlns:p14="http://schemas.microsoft.com/office/powerpoint/2010/main" val="1330492191"/>
-      </p:ext>
-    </p:extLst>
-  </p:cSld>
-  <p:clrMapOvr>
-    <a:masterClrMapping/>
-  </p:clrMapOvr>
-  <p:transition/>
-  <p:timing>
-    <p:tnLst>
-      <p:par>
-        <p:cTn id="1" dur="indefinite" restart="never" nodeType="tmRoot"/>
-      </p:par>
-    </p:tnLst>
-  </p:timing>
-</p:sld>
-</file>
-
-<file path=ppt/slides/slide12.xml><?xml version="1.0" encoding="utf-8"?>
-<p:sld xmlns:a="http://schemas.openxmlformats.org/drawingml/2006/main" xmlns:r="http://schemas.openxmlformats.org/officeDocument/2006/relationships" xmlns:p="http://schemas.openxmlformats.org/presentationml/2006/main">
-  <p:cSld>
-    <p:spTree>
-      <p:nvGrpSpPr>
-        <p:cNvPr id="1" name=""/>
-        <p:cNvGrpSpPr/>
-        <p:nvPr/>
-      </p:nvGrpSpPr>
-      <p:grpSpPr>
-        <a:xfrm>
-          <a:off x="0" y="0"/>
-          <a:ext cx="0" cy="0"/>
-          <a:chOff x="0" y="0"/>
-          <a:chExt cx="0" cy="0"/>
-        </a:xfrm>
-      </p:grpSpPr>
-      <p:sp>
-        <p:nvSpPr>
-          <p:cNvPr id="30722" name="内容占位符 3"/>
-          <p:cNvSpPr>
-            <a:spLocks noGrp="1"/>
-          </p:cNvSpPr>
-          <p:nvPr>
-            <p:ph sz="quarter" idx="10"/>
-          </p:nvPr>
-        </p:nvSpPr>
-        <p:spPr bwMode="auto">
-          <a:xfrm>
-            <a:off x="693526" y="907845"/>
-            <a:ext cx="8788025" cy="4898244"/>
-          </a:xfrm>
-          <a:solidFill>
-            <a:schemeClr val="bg1"/>
-          </a:solidFill>
-        </p:spPr>
-        <p:txBody>
-          <a:bodyPr vert="horz" wrap="square" lIns="91440" tIns="45720" rIns="91440" bIns="45720" numCol="1" anchor="t" anchorCtr="0" compatLnSpc="1"/>
-          <a:lstStyle/>
-          <a:p>
-            <a:pPr marL="360045"/>
-            <a:r>
-              <a:rPr lang="en-US" altLang="zh-CN" dirty="0" smtClean="0">
-                <a:latin typeface="+mj-ea"/>
-                <a:ea typeface="+mj-ea"/>
-              </a:rPr>
-              <a:t> </a:t>
-            </a:r>
-            <a:r>
-              <a:rPr lang="en-US" altLang="zh-CN" dirty="0" smtClean="0"/>
-              <a:t>React</a:t>
-            </a:r>
-            <a:r>
-              <a:rPr lang="zh-CN" altLang="en-US" dirty="0"/>
-              <a:t>实现了一套与浏览器无关</a:t>
-            </a:r>
-            <a:r>
-              <a:rPr lang="zh-CN" altLang="en-US" dirty="0" smtClean="0"/>
-              <a:t>的 </a:t>
-            </a:r>
-            <a:r>
-              <a:rPr lang="en-US" altLang="zh-CN" dirty="0" smtClean="0"/>
-              <a:t>DOM 	</a:t>
-            </a:r>
-            <a:r>
-              <a:rPr lang="zh-CN" altLang="en-US" dirty="0" smtClean="0"/>
-              <a:t>系统</a:t>
-            </a:r>
-            <a:endParaRPr lang="en-US" altLang="zh-CN" dirty="0" smtClean="0"/>
-          </a:p>
-          <a:p>
-            <a:pPr marL="360045"/>
-            <a:r>
-              <a:rPr lang="en-US" altLang="zh-CN" dirty="0">
-                <a:latin typeface="+mj-ea"/>
-                <a:ea typeface="+mj-ea"/>
-              </a:rPr>
-              <a:t> </a:t>
-            </a:r>
-            <a:r>
-              <a:rPr lang="en-US" altLang="zh-CN" b="1" dirty="0" err="1" smtClean="0"/>
-              <a:t>className</a:t>
-            </a:r>
-            <a:endParaRPr lang="en-US" altLang="zh-CN" b="1" dirty="0" smtClean="0"/>
-          </a:p>
-          <a:p>
-            <a:pPr marL="591820" lvl="1"/>
-            <a:r>
-              <a:rPr lang="zh-CN" altLang="en-US" dirty="0" smtClean="0"/>
-              <a:t> 使用 </a:t>
-            </a:r>
-            <a:r>
-              <a:rPr lang="en-US" altLang="zh-CN" dirty="0" err="1" smtClean="0"/>
-              <a:t>className</a:t>
-            </a:r>
-            <a:r>
-              <a:rPr lang="en-US" altLang="zh-CN" smtClean="0"/>
-              <a:t> </a:t>
-            </a:r>
-            <a:r>
-              <a:rPr lang="zh-CN" altLang="en-US" smtClean="0"/>
-              <a:t>属性</a:t>
-            </a:r>
-            <a:r>
-              <a:rPr lang="zh-CN" altLang="en-US" dirty="0"/>
-              <a:t>指定一个</a:t>
-            </a:r>
-            <a:r>
-              <a:rPr lang="en-US" altLang="zh-CN" dirty="0"/>
-              <a:t>CSS</a:t>
-            </a:r>
-            <a:r>
-              <a:rPr lang="zh-CN" altLang="en-US" dirty="0" smtClean="0"/>
-              <a:t>类</a:t>
-            </a:r>
-            <a:endParaRPr lang="en-US" altLang="zh-CN" dirty="0" smtClean="0"/>
-          </a:p>
-          <a:p>
-            <a:pPr marL="360045"/>
-            <a:r>
-              <a:rPr lang="en-US" altLang="zh-CN" b="1" dirty="0"/>
-              <a:t> </a:t>
-            </a:r>
-            <a:r>
-              <a:rPr lang="en-US" altLang="zh-CN" b="1" dirty="0" err="1"/>
-              <a:t>onChange</a:t>
-            </a:r>
-            <a:endParaRPr lang="en-US" altLang="zh-CN" b="1" dirty="0"/>
-          </a:p>
-          <a:p>
-            <a:pPr marL="591820" lvl="1"/>
-            <a:r>
-              <a:rPr lang="zh-CN" altLang="en-US" dirty="0" smtClean="0"/>
-              <a:t> 实时处理</a:t>
-            </a:r>
-            <a:r>
-              <a:rPr lang="zh-CN" altLang="en-US" dirty="0"/>
-              <a:t>用户输入</a:t>
-            </a:r>
-            <a:endParaRPr lang="en-US" altLang="zh-CN" b="1" dirty="0"/>
-          </a:p>
-          <a:p>
-            <a:pPr marL="360045"/>
-            <a:r>
-              <a:rPr lang="en-US" altLang="zh-CN" dirty="0" smtClean="0">
-                <a:latin typeface="+mj-ea"/>
-                <a:ea typeface="+mj-ea"/>
-              </a:rPr>
-              <a:t> </a:t>
-            </a:r>
-            <a:r>
-              <a:rPr lang="en-US" altLang="zh-CN" b="1" dirty="0" err="1" smtClean="0"/>
-              <a:t>htmlFor</a:t>
-            </a:r>
-            <a:endParaRPr lang="en-US" altLang="zh-CN" b="1" dirty="0" smtClean="0"/>
-          </a:p>
-          <a:p>
-            <a:pPr marL="591820" lvl="1"/>
-            <a:r>
-              <a:rPr lang="zh-CN" altLang="en-US" dirty="0" smtClean="0"/>
-              <a:t> 因为 </a:t>
-            </a:r>
-            <a:r>
-              <a:rPr lang="en-US" altLang="zh-CN" dirty="0" smtClean="0"/>
-              <a:t>for </a:t>
-            </a:r>
-            <a:r>
-              <a:rPr lang="zh-CN" altLang="en-US" dirty="0" smtClean="0"/>
-              <a:t>是在 </a:t>
-            </a:r>
-            <a:r>
-              <a:rPr lang="en-US" altLang="zh-CN" dirty="0" smtClean="0"/>
-              <a:t>JavaScript </a:t>
-            </a:r>
-            <a:r>
-              <a:rPr lang="zh-CN" altLang="en-US" dirty="0" smtClean="0"/>
-              <a:t>中</a:t>
-            </a:r>
-            <a:r>
-              <a:rPr lang="zh-CN" altLang="en-US" dirty="0"/>
-              <a:t>的一</a:t>
-            </a:r>
-            <a:r>
-              <a:rPr lang="zh-CN" altLang="en-US" dirty="0" smtClean="0"/>
-              <a:t>个保留字，</a:t>
-            </a:r>
-            <a:r>
-              <a:rPr lang="en-US" altLang="zh-CN" dirty="0" smtClean="0"/>
-              <a:t>React </a:t>
-            </a:r>
-            <a:r>
-              <a:rPr lang="zh-CN" altLang="en-US" dirty="0" smtClean="0"/>
-              <a:t>元素</a:t>
-            </a:r>
-            <a:r>
-              <a:rPr lang="zh-CN" altLang="en-US" dirty="0"/>
-              <a:t>使用 </a:t>
-            </a:r>
-            <a:r>
-              <a:rPr lang="en-US" altLang="zh-CN" dirty="0" err="1" smtClean="0"/>
-              <a:t>htmlFor</a:t>
-            </a:r>
-            <a:r>
-              <a:rPr lang="en-US" altLang="zh-CN" dirty="0" smtClean="0"/>
-              <a:t> </a:t>
-            </a:r>
-            <a:r>
-              <a:rPr lang="zh-CN" altLang="en-US" dirty="0" smtClean="0"/>
-              <a:t>代替</a:t>
-            </a:r>
-            <a:endParaRPr lang="en-US" altLang="zh-CN" b="1" dirty="0"/>
-          </a:p>
-          <a:p>
-            <a:pPr marL="360045"/>
-            <a:endParaRPr lang="en-US" altLang="zh-CN" dirty="0" smtClean="0">
-              <a:latin typeface="+mj-ea"/>
-              <a:ea typeface="+mj-ea"/>
-            </a:endParaRPr>
-          </a:p>
-        </p:txBody>
-      </p:sp>
-      <p:sp>
-        <p:nvSpPr>
-          <p:cNvPr id="25603" name="内容占位符 4"/>
-          <p:cNvSpPr>
-            <a:spLocks noGrp="1"/>
-          </p:cNvSpPr>
-          <p:nvPr>
-            <p:ph sz="quarter" idx="11"/>
-          </p:nvPr>
-        </p:nvSpPr>
-        <p:spPr bwMode="auto">
-          <a:xfrm>
-            <a:off x="909638" y="236538"/>
-            <a:ext cx="7575550" cy="490537"/>
-          </a:xfrm>
-          <a:extLst>
-            <a:ext uri="{909E8E84-426E-40DD-AFC4-6F175D3DCCD1}">
-              <a14:hiddenFill xmlns:a14="http://schemas.microsoft.com/office/drawing/2010/main">
-                <a:solidFill>
-                  <a:srgbClr val="FFFFFF"/>
-                </a:solidFill>
-              </a14:hiddenFill>
-            </a:ext>
-            <a:ext uri="{91240B29-F687-4F45-9708-019B960494DF}">
-              <a14:hiddenLine xmlns:a14="http://schemas.microsoft.com/office/drawing/2010/main" w="9525">
-                <a:solidFill>
-                  <a:srgbClr val="000000"/>
-                </a:solidFill>
-                <a:miter lim="800000"/>
-                <a:headEnd/>
-                <a:tailEnd/>
-              </a14:hiddenLine>
-            </a:ext>
-          </a:extLst>
-        </p:spPr>
-        <p:txBody>
-          <a:bodyPr vert="horz" wrap="square" lIns="91440" tIns="45720" rIns="91440" bIns="45720" numCol="1" anchor="t" anchorCtr="0" compatLnSpc="1"/>
-          <a:lstStyle/>
-          <a:p>
-            <a:pPr>
-              <a:defRPr/>
-            </a:pPr>
-            <a:r>
-              <a:rPr lang="en-US" altLang="zh-CN" dirty="0" smtClean="0">
-                <a:latin typeface="+mn-ea"/>
-                <a:ea typeface="+mn-ea"/>
-              </a:rPr>
-              <a:t>DOM Elements </a:t>
-            </a:r>
-            <a:endParaRPr lang="zh-CN" altLang="en-US" dirty="0" smtClean="0">
-              <a:latin typeface="+mn-ea"/>
-              <a:ea typeface="+mn-ea"/>
-            </a:endParaRPr>
-          </a:p>
-        </p:txBody>
-      </p:sp>
-    </p:spTree>
-    <p:extLst>
-      <p:ext uri="{BB962C8B-B14F-4D97-AF65-F5344CB8AC3E}">
-        <p14:creationId xmlns:p14="http://schemas.microsoft.com/office/powerpoint/2010/main" val="3363939410"/>
-      </p:ext>
-    </p:extLst>
-  </p:cSld>
-  <p:clrMapOvr>
-    <a:masterClrMapping/>
-  </p:clrMapOvr>
-  <p:timing>
-    <p:tnLst>
-      <p:par>
-        <p:cTn id="1" dur="indefinite" restart="never" nodeType="tmRoot"/>
-      </p:par>
-    </p:tnLst>
-  </p:timing>
-</p:sld>
-</file>
-
-<file path=ppt/slides/slide13.xml><?xml version="1.0" encoding="utf-8"?>
 <p:sld xmlns:a="http://schemas.openxmlformats.org/drawingml/2006/main" xmlns:r="http://schemas.openxmlformats.org/officeDocument/2006/relationships" xmlns:p="http://schemas.openxmlformats.org/presentationml/2006/main">
   <p:cSld>
     <p:spTree>
@@ -5413,20 +4491,20 @@
           <a:p>
             <a:pPr marL="360045"/>
             <a:r>
-              <a:rPr lang="en-US" altLang="zh-CN" dirty="0" smtClean="0">
+              <a:rPr lang="en-US" altLang="zh-CN" dirty="0">
                 <a:latin typeface="+mj-ea"/>
                 <a:ea typeface="+mj-ea"/>
               </a:rPr>
               <a:t> </a:t>
             </a:r>
             <a:r>
-              <a:rPr lang="en-US" altLang="zh-CN" dirty="0" err="1" smtClean="0">
+              <a:rPr lang="en-US" altLang="zh-CN" dirty="0" err="1">
                 <a:latin typeface="+mj-ea"/>
                 <a:ea typeface="+mj-ea"/>
               </a:rPr>
               <a:t>dangerouslySetInnerHTML</a:t>
             </a:r>
-            <a:endParaRPr lang="en-US" altLang="zh-CN" dirty="0" smtClean="0">
+            <a:endParaRPr lang="en-US" altLang="zh-CN" dirty="0">
               <a:latin typeface="+mj-ea"/>
               <a:ea typeface="+mj-ea"/>
             </a:endParaRPr>
@@ -5441,46 +4519,34 @@
               <a:t> </a:t>
             </a:r>
             <a:r>
-              <a:rPr lang="en-US" altLang="zh-CN" dirty="0" smtClean="0"/>
+              <a:rPr lang="en-US" altLang="zh-CN" dirty="0"/>
               <a:t>React </a:t>
             </a:r>
             <a:r>
-              <a:rPr lang="zh-CN" altLang="en-US" dirty="0" smtClean="0"/>
-              <a:t>提供</a:t>
-            </a:r>
-            <a:r>
               <a:rPr lang="zh-CN" altLang="en-US" dirty="0"/>
-              <a:t>的替换</a:t>
-            </a:r>
-            <a:r>
-              <a:rPr lang="zh-CN" altLang="en-US" dirty="0" smtClean="0"/>
-              <a:t>浏览器 </a:t>
-            </a:r>
-            <a:r>
-              <a:rPr lang="en-US" altLang="zh-CN" dirty="0" smtClean="0"/>
+              <a:t>提供的替换浏览器 </a:t>
+            </a:r>
+            <a:r>
+              <a:rPr lang="en-US" altLang="zh-CN" dirty="0"/>
               <a:t>DOM </a:t>
             </a:r>
             <a:r>
-              <a:rPr lang="zh-CN" altLang="en-US" dirty="0" smtClean="0"/>
+              <a:rPr lang="zh-CN" altLang="en-US" dirty="0"/>
               <a:t>中的 </a:t>
             </a:r>
             <a:r>
-              <a:rPr lang="en-US" altLang="zh-CN" dirty="0" err="1" smtClean="0"/>
+              <a:rPr lang="en-US" altLang="zh-CN" dirty="0" err="1"/>
               <a:t>innerHTML</a:t>
             </a:r>
             <a:r>
-              <a:rPr lang="en-US" altLang="zh-CN" dirty="0" smtClean="0"/>
+              <a:rPr lang="en-US" altLang="zh-CN" dirty="0"/>
               <a:t> </a:t>
             </a:r>
             <a:r>
-              <a:rPr lang="zh-CN" altLang="en-US" dirty="0" smtClean="0"/>
-              <a:t>接口</a:t>
-            </a:r>
-            <a:r>
               <a:rPr lang="zh-CN" altLang="en-US" dirty="0"/>
-              <a:t>的一个函数</a:t>
-            </a:r>
-            <a:endParaRPr lang="en-US" altLang="zh-CN" dirty="0" smtClean="0">
+              <a:t>接口的一个函数</a:t>
+            </a:r>
+            <a:endParaRPr lang="en-US" altLang="zh-CN" dirty="0">
               <a:latin typeface="+mj-ea"/>
               <a:ea typeface="+mj-ea"/>
             </a:endParaRPr>
@@ -5569,17 +4635,17 @@
           <a:lstStyle/>
           <a:p>
             <a:r>
-              <a:rPr lang="en-US" altLang="zh-CN" sz="2400" i="1" dirty="0" smtClean="0"/>
+              <a:rPr lang="en-US" altLang="zh-CN" sz="2400" i="1" dirty="0"/>
               <a:t>……</a:t>
             </a:r>
           </a:p>
           <a:p>
             <a:r>
-              <a:rPr lang="en-US" altLang="zh-CN" sz="2400" i="1" dirty="0" smtClean="0"/>
+              <a:rPr lang="en-US" altLang="zh-CN" sz="2400" i="1" dirty="0"/>
               <a:t>let</a:t>
             </a:r>
             <a:r>
-              <a:rPr lang="en-US" altLang="zh-CN" sz="2400" dirty="0" smtClean="0"/>
+              <a:rPr lang="en-US" altLang="zh-CN" sz="2400" dirty="0"/>
               <a:t> </a:t>
             </a:r>
             <a:r>
@@ -5622,11 +4688,7 @@
             </a:r>
             <a:r>
               <a:rPr lang="en-US" altLang="zh-CN" sz="2400" dirty="0"/>
-              <a:t>}}&gt;&lt;/div</a:t>
-            </a:r>
-            <a:r>
-              <a:rPr lang="en-US" altLang="zh-CN" sz="2400" dirty="0" smtClean="0"/>
-              <a:t>&gt;</a:t>
+              <a:t>}}&gt;&lt;/div&gt;</a:t>
             </a:r>
           </a:p>
           <a:p>
@@ -5644,11 +4706,11 @@
           </a:p>
           <a:p>
             <a:r>
-              <a:rPr lang="en-US" altLang="zh-CN" sz="2400" dirty="0" smtClean="0"/>
+              <a:rPr lang="en-US" altLang="zh-CN" sz="2400" dirty="0"/>
               <a:t>	</a:t>
             </a:r>
             <a:r>
-              <a:rPr lang="en-US" altLang="zh-CN" sz="2400" dirty="0" err="1" smtClean="0"/>
+              <a:rPr lang="en-US" altLang="zh-CN" sz="2400" dirty="0" err="1"/>
               <a:t>ele</a:t>
             </a:r>
             <a:r>
@@ -5658,15 +4720,15 @@
           </a:p>
           <a:p>
             <a:r>
-              <a:rPr lang="en-US" altLang="zh-CN" sz="2400" i="1" dirty="0" smtClean="0"/>
+              <a:rPr lang="en-US" altLang="zh-CN" sz="2400" i="1" dirty="0"/>
               <a:t>	</a:t>
             </a:r>
             <a:r>
-              <a:rPr lang="en-US" altLang="zh-CN" sz="2400" i="1" dirty="0" err="1" smtClean="0"/>
+              <a:rPr lang="en-US" altLang="zh-CN" sz="2400" i="1" dirty="0" err="1"/>
               <a:t>document</a:t>
             </a:r>
             <a:r>
-              <a:rPr lang="en-US" altLang="zh-CN" sz="2400" dirty="0" err="1" smtClean="0"/>
+              <a:rPr lang="en-US" altLang="zh-CN" sz="2400" dirty="0" err="1"/>
               <a:t>.getElementById</a:t>
             </a:r>
             <a:r>
@@ -5681,7 +4743,7 @@
             </a:r>
           </a:p>
           <a:p>
-            <a:endParaRPr lang="en-US" altLang="zh-CN" sz="2400" dirty="0" smtClean="0"/>
+            <a:endParaRPr lang="en-US" altLang="zh-CN" sz="2400" dirty="0"/>
           </a:p>
         </p:txBody>
       </p:sp>
@@ -5784,7 +4846,7 @@
 </p:sld>
 </file>
 
-<file path=ppt/slides/slide14.xml><?xml version="1.0" encoding="utf-8"?>
+<file path=ppt/slides/slide11.xml><?xml version="1.0" encoding="utf-8"?>
 <p:sld xmlns:a="http://schemas.openxmlformats.org/drawingml/2006/main" xmlns:r="http://schemas.openxmlformats.org/officeDocument/2006/relationships" xmlns:p="http://schemas.openxmlformats.org/presentationml/2006/main">
   <p:cSld>
     <p:spTree>
@@ -5826,66 +4888,47 @@
           <a:p>
             <a:pPr marL="360045"/>
             <a:r>
-              <a:rPr lang="en-US" altLang="zh-CN" dirty="0" smtClean="0">
-                <a:latin typeface="+mj-ea"/>
-                <a:ea typeface="+mj-ea"/>
-              </a:rPr>
-              <a:t> style</a:t>
-            </a:r>
-          </a:p>
-          <a:p>
-            <a:pPr marL="591820" lvl="1"/>
-            <a:r>
               <a:rPr lang="en-US" altLang="zh-CN" dirty="0">
                 <a:latin typeface="+mj-ea"/>
                 <a:ea typeface="+mj-ea"/>
               </a:rPr>
-              <a:t> </a:t>
-            </a:r>
-            <a:r>
-              <a:rPr lang="en-US" altLang="zh-CN" dirty="0" smtClean="0">
+              <a:t> style</a:t>
+            </a:r>
+          </a:p>
+          <a:p>
+            <a:pPr marL="591820" lvl="1"/>
+            <a:r>
+              <a:rPr lang="en-US" altLang="zh-CN" dirty="0">
                 <a:latin typeface="+mj-ea"/>
                 <a:ea typeface="+mj-ea"/>
               </a:rPr>
-              <a:t>s</a:t>
-            </a:r>
-            <a:r>
-              <a:rPr lang="en-US" altLang="zh-CN" dirty="0" smtClean="0"/>
+              <a:t> s</a:t>
+            </a:r>
+            <a:r>
+              <a:rPr lang="en-US" altLang="zh-CN" dirty="0"/>
               <a:t>tyle </a:t>
             </a:r>
             <a:r>
-              <a:rPr lang="zh-CN" altLang="en-US" dirty="0" smtClean="0"/>
-              <a:t>属性</a:t>
-            </a:r>
-            <a:r>
               <a:rPr lang="zh-CN" altLang="en-US" dirty="0"/>
-              <a:t>接受一个</a:t>
-            </a:r>
-            <a:r>
-              <a:rPr lang="en-US" altLang="zh-CN" dirty="0" smtClean="0"/>
+              <a:t>属性接受一个</a:t>
+            </a:r>
+            <a:r>
+              <a:rPr lang="en-US" altLang="zh-CN" dirty="0"/>
               <a:t>JavaScript </a:t>
             </a:r>
             <a:r>
-              <a:rPr lang="zh-CN" altLang="en-US" dirty="0" smtClean="0"/>
-              <a:t>对象</a:t>
-            </a:r>
-            <a:r>
               <a:rPr lang="zh-CN" altLang="en-US" dirty="0"/>
-              <a:t>，其属性用小驼峰命名法命名，而不是</a:t>
-            </a:r>
-            <a:r>
-              <a:rPr lang="zh-CN" altLang="en-US" dirty="0" smtClean="0"/>
-              <a:t>接受 </a:t>
-            </a:r>
-            <a:r>
-              <a:rPr lang="en-US" altLang="zh-CN" dirty="0" smtClean="0"/>
+              <a:t>对象，其属性用小驼峰命名法命名，而不是接受 </a:t>
+            </a:r>
+            <a:r>
+              <a:rPr lang="en-US" altLang="zh-CN" dirty="0"/>
               <a:t>CSS </a:t>
             </a:r>
             <a:r>
-              <a:rPr lang="zh-CN" altLang="en-US" dirty="0" smtClean="0"/>
+              <a:rPr lang="zh-CN" altLang="en-US" dirty="0"/>
               <a:t>字符串</a:t>
             </a:r>
-            <a:endParaRPr lang="en-US" altLang="zh-CN" dirty="0" smtClean="0">
+            <a:endParaRPr lang="en-US" altLang="zh-CN" dirty="0">
               <a:latin typeface="+mj-ea"/>
               <a:ea typeface="+mj-ea"/>
             </a:endParaRPr>
@@ -5974,19 +5017,11 @@
           <a:lstStyle/>
           <a:p>
             <a:r>
-              <a:rPr lang="en-US" altLang="zh-CN" sz="2400" dirty="0" smtClean="0"/>
-              <a:t>&lt;</a:t>
-            </a:r>
-            <a:r>
               <a:rPr lang="en-US" altLang="zh-CN" sz="2400" dirty="0"/>
-              <a:t>div style</a:t>
-            </a:r>
-            <a:r>
-              <a:rPr lang="en-US" altLang="zh-CN" sz="2400" dirty="0" smtClean="0"/>
-              <a:t>={ </a:t>
-            </a:r>
-            <a:r>
-              <a:rPr lang="en-US" altLang="zh-CN" sz="2400" dirty="0" smtClean="0">
+              <a:t>&lt;div style={ </a:t>
+            </a:r>
+            <a:r>
+              <a:rPr lang="en-US" altLang="zh-CN" sz="2400" dirty="0">
                 <a:solidFill>
                   <a:srgbClr val="FF0000"/>
                 </a:solidFill>
@@ -5994,7 +5029,7 @@
               <a:t>{ width : 100, height :  ‘100px’ ,</a:t>
             </a:r>
             <a:r>
-              <a:rPr lang="en-US" altLang="zh-CN" sz="2400" dirty="0" err="1" smtClean="0">
+              <a:rPr lang="en-US" altLang="zh-CN" sz="2400" dirty="0" err="1">
                 <a:solidFill>
                   <a:srgbClr val="FF0000"/>
                 </a:solidFill>
@@ -6007,42 +5042,24 @@
                   <a:srgbClr val="FF0000"/>
                 </a:solidFill>
               </a:rPr>
-              <a:t> </a:t>
-            </a:r>
-            <a:r>
-              <a:rPr lang="en-US" altLang="zh-CN" sz="2400" dirty="0" smtClean="0">
-                <a:solidFill>
-                  <a:srgbClr val="FF0000"/>
-                </a:solidFill>
-              </a:rPr>
-              <a:t>: ‘red’ } </a:t>
-            </a:r>
-            <a:r>
-              <a:rPr lang="en-US" altLang="zh-CN" sz="2400" dirty="0" smtClean="0"/>
+              <a:t> : ‘red’ } </a:t>
+            </a:r>
+            <a:r>
+              <a:rPr lang="en-US" altLang="zh-CN" sz="2400" dirty="0"/>
               <a:t>}&gt;</a:t>
             </a:r>
           </a:p>
           <a:p>
             <a:r>
-              <a:rPr lang="en-US" altLang="zh-CN" sz="2400" dirty="0" smtClean="0"/>
-              <a:t> 	Hello </a:t>
-            </a:r>
-            <a:r>
               <a:rPr lang="en-US" altLang="zh-CN" sz="2400" dirty="0"/>
-              <a:t>World! </a:t>
-            </a:r>
-            <a:endParaRPr lang="en-US" altLang="zh-CN" sz="2400" dirty="0" smtClean="0"/>
-          </a:p>
-          <a:p>
-            <a:r>
-              <a:rPr lang="en-US" altLang="zh-CN" sz="2400" dirty="0" smtClean="0"/>
-              <a:t>&lt;/</a:t>
-            </a:r>
+              <a:t> 	Hello World! </a:t>
+            </a:r>
+          </a:p>
+          <a:p>
             <a:r>
               <a:rPr lang="en-US" altLang="zh-CN" sz="2400" dirty="0"/>
-              <a:t>div&gt;</a:t>
-            </a:r>
-            <a:endParaRPr lang="en-US" altLang="zh-CN" sz="2400" dirty="0" smtClean="0"/>
+              <a:t>&lt;/div&gt;</a:t>
+            </a:r>
           </a:p>
         </p:txBody>
       </p:sp>
@@ -6145,203 +5162,7 @@
 </p:sld>
 </file>
 
-<file path=ppt/slides/slide15.xml><?xml version="1.0" encoding="utf-8"?>
-<p:sld xmlns:a="http://schemas.openxmlformats.org/drawingml/2006/main" xmlns:r="http://schemas.openxmlformats.org/officeDocument/2006/relationships" xmlns:p="http://schemas.openxmlformats.org/presentationml/2006/main">
-  <p:cSld>
-    <p:spTree>
-      <p:nvGrpSpPr>
-        <p:cNvPr id="1" name=""/>
-        <p:cNvGrpSpPr/>
-        <p:nvPr/>
-      </p:nvGrpSpPr>
-      <p:grpSpPr>
-        <a:xfrm>
-          <a:off x="0" y="0"/>
-          <a:ext cx="0" cy="0"/>
-          <a:chOff x="0" y="0"/>
-          <a:chExt cx="0" cy="0"/>
-        </a:xfrm>
-      </p:grpSpPr>
-      <p:pic>
-        <p:nvPicPr>
-          <p:cNvPr id="69634" name="Picture 5"/>
-          <p:cNvPicPr>
-            <a:picLocks noChangeAspect="1" noChangeArrowheads="1"/>
-          </p:cNvPicPr>
-          <p:nvPr/>
-        </p:nvPicPr>
-        <p:blipFill>
-          <a:blip r:embed="rId2">
-            <a:extLst>
-              <a:ext uri="{28A0092B-C50C-407E-A947-70E740481C1C}">
-                <a14:useLocalDpi xmlns:a14="http://schemas.microsoft.com/office/drawing/2010/main" val="0"/>
-              </a:ext>
-            </a:extLst>
-          </a:blip>
-          <a:srcRect/>
-          <a:stretch>
-            <a:fillRect/>
-          </a:stretch>
-        </p:blipFill>
-        <p:spPr bwMode="auto">
-          <a:xfrm>
-            <a:off x="0" y="0"/>
-            <a:ext cx="12192000" cy="6858000"/>
-          </a:xfrm>
-          <a:prstGeom prst="rect">
-            <a:avLst/>
-          </a:prstGeom>
-          <a:noFill/>
-          <a:ln>
-            <a:noFill/>
-          </a:ln>
-          <a:extLst>
-            <a:ext uri="{909E8E84-426E-40DD-AFC4-6F175D3DCCD1}">
-              <a14:hiddenFill xmlns:a14="http://schemas.microsoft.com/office/drawing/2010/main">
-                <a:solidFill>
-                  <a:srgbClr val="FFFFFF"/>
-                </a:solidFill>
-              </a14:hiddenFill>
-            </a:ext>
-            <a:ext uri="{91240B29-F687-4F45-9708-019B960494DF}">
-              <a14:hiddenLine xmlns:a14="http://schemas.microsoft.com/office/drawing/2010/main" w="9525">
-                <a:solidFill>
-                  <a:srgbClr val="000000"/>
-                </a:solidFill>
-                <a:miter lim="800000"/>
-                <a:headEnd/>
-                <a:tailEnd/>
-              </a14:hiddenLine>
-            </a:ext>
-          </a:extLst>
-        </p:spPr>
-      </p:pic>
-      <p:sp>
-        <p:nvSpPr>
-          <p:cNvPr id="69635" name="Rectangle 6"/>
-          <p:cNvSpPr>
-            <a:spLocks noGrp="1" noChangeArrowheads="1"/>
-          </p:cNvSpPr>
-          <p:nvPr>
-            <p:ph type="ctrTitle" idx="4294967295"/>
-          </p:nvPr>
-        </p:nvSpPr>
-        <p:spPr bwMode="auto">
-          <a:xfrm>
-            <a:off x="1557338" y="3494088"/>
-            <a:ext cx="7362825" cy="582612"/>
-          </a:xfrm>
-          <a:prstGeom prst="rect">
-            <a:avLst/>
-          </a:prstGeom>
-          <a:noFill/>
-          <a:extLst>
-            <a:ext uri="{909E8E84-426E-40DD-AFC4-6F175D3DCCD1}">
-              <a14:hiddenFill xmlns:a14="http://schemas.microsoft.com/office/drawing/2010/main">
-                <a:solidFill>
-                  <a:srgbClr val="FFFFFF"/>
-                </a:solidFill>
-              </a14:hiddenFill>
-            </a:ext>
-            <a:ext uri="{91240B29-F687-4F45-9708-019B960494DF}">
-              <a14:hiddenLine xmlns:a14="http://schemas.microsoft.com/office/drawing/2010/main" w="9525">
-                <a:solidFill>
-                  <a:srgbClr val="000000"/>
-                </a:solidFill>
-                <a:miter lim="800000"/>
-                <a:headEnd/>
-                <a:tailEnd/>
-              </a14:hiddenLine>
-            </a:ext>
-          </a:extLst>
-        </p:spPr>
-        <p:txBody>
-          <a:bodyPr anchor="b"/>
-          <a:lstStyle/>
-          <a:p>
-            <a:pPr algn="ctr" eaLnBrk="1" hangingPunct="1"/>
-            <a:r>
-              <a:rPr lang="en-US" altLang="zh-CN" sz="5400" smtClean="0">
-                <a:ea typeface="宋体" panose="02010600030101010101" pitchFamily="2" charset="-122"/>
-              </a:rPr>
-              <a:t>Thank You</a:t>
-            </a:r>
-            <a:endParaRPr lang="zh-CN" altLang="zh-CN" sz="5400" dirty="0" smtClean="0">
-              <a:ea typeface="宋体" panose="02010600030101010101" pitchFamily="2" charset="-122"/>
-            </a:endParaRPr>
-          </a:p>
-        </p:txBody>
-      </p:sp>
-      <p:pic>
-        <p:nvPicPr>
-          <p:cNvPr id="69636" name="图片 3" descr="软院logo横版.png"/>
-          <p:cNvPicPr>
-            <a:picLocks noChangeAspect="1"/>
-          </p:cNvPicPr>
-          <p:nvPr/>
-        </p:nvPicPr>
-        <p:blipFill>
-          <a:blip r:embed="rId3">
-            <a:extLst>
-              <a:ext uri="{28A0092B-C50C-407E-A947-70E740481C1C}">
-                <a14:useLocalDpi xmlns:a14="http://schemas.microsoft.com/office/drawing/2010/main" val="0"/>
-              </a:ext>
-            </a:extLst>
-          </a:blip>
-          <a:srcRect/>
-          <a:stretch>
-            <a:fillRect/>
-          </a:stretch>
-        </p:blipFill>
-        <p:spPr bwMode="auto">
-          <a:xfrm>
-            <a:off x="2062163" y="5927725"/>
-            <a:ext cx="3381375" cy="527050"/>
-          </a:xfrm>
-          <a:prstGeom prst="rect">
-            <a:avLst/>
-          </a:prstGeom>
-          <a:noFill/>
-          <a:ln>
-            <a:noFill/>
-          </a:ln>
-          <a:extLst>
-            <a:ext uri="{909E8E84-426E-40DD-AFC4-6F175D3DCCD1}">
-              <a14:hiddenFill xmlns:a14="http://schemas.microsoft.com/office/drawing/2010/main">
-                <a:solidFill>
-                  <a:srgbClr val="FFFFFF"/>
-                </a:solidFill>
-              </a14:hiddenFill>
-            </a:ext>
-            <a:ext uri="{91240B29-F687-4F45-9708-019B960494DF}">
-              <a14:hiddenLine xmlns:a14="http://schemas.microsoft.com/office/drawing/2010/main" w="9525">
-                <a:solidFill>
-                  <a:srgbClr val="000000"/>
-                </a:solidFill>
-                <a:miter lim="800000"/>
-                <a:headEnd/>
-                <a:tailEnd/>
-              </a14:hiddenLine>
-            </a:ext>
-          </a:extLst>
-        </p:spPr>
-      </p:pic>
-    </p:spTree>
-  </p:cSld>
-  <p:clrMapOvr>
-    <a:masterClrMapping/>
-  </p:clrMapOvr>
-  <p:timing>
-    <p:tnLst>
-      <p:par>
-        <p:cTn id="1" dur="indefinite" restart="never" nodeType="tmRoot"/>
-      </p:par>
-    </p:tnLst>
-  </p:timing>
-</p:sld>
-</file>
-
-<file path=ppt/slides/slide2.xml><?xml version="1.0" encoding="utf-8"?>
+<file path=ppt/slides/slide12.xml><?xml version="1.0" encoding="utf-8"?>
 <p:sld xmlns:a="http://schemas.openxmlformats.org/drawingml/2006/main" xmlns:r="http://schemas.openxmlformats.org/officeDocument/2006/relationships" xmlns:p="http://schemas.openxmlformats.org/presentationml/2006/main">
   <p:cSld>
     <p:spTree>
@@ -6511,7 +5332,7 @@
           </a:lstStyle>
           <a:p>
             <a:r>
-              <a:rPr lang="zh-CN" altLang="en-US" dirty="0" smtClean="0">
+              <a:rPr lang="zh-CN" altLang="en-US" dirty="0">
                 <a:solidFill>
                   <a:srgbClr val="C00000"/>
                 </a:solidFill>
@@ -6520,13 +5341,6 @@
               </a:rPr>
               <a:t>内容提纲</a:t>
             </a:r>
-            <a:endParaRPr lang="zh-CN" altLang="en-US" dirty="0">
-              <a:solidFill>
-                <a:srgbClr val="C00000"/>
-              </a:solidFill>
-              <a:latin typeface="+mj-ea"/>
-              <a:ea typeface="+mj-ea"/>
-            </a:endParaRPr>
           </a:p>
         </p:txBody>
       </p:sp>
@@ -6687,19 +5501,13 @@
               <a:buChar char="Ø"/>
             </a:pPr>
             <a:r>
-              <a:rPr lang="en-US" altLang="zh-CN" sz="2800" b="1" dirty="0" err="1">
-                <a:solidFill>
-                  <a:srgbClr val="C00000"/>
-                </a:solidFill>
+              <a:rPr lang="zh-CN" altLang="en-US" sz="2800" b="1" dirty="0">
                 <a:latin typeface="+mj-ea"/>
                 <a:ea typeface="+mj-ea"/>
               </a:rPr>
-              <a:t>PropTypes</a:t>
+              <a:t>受控组件和非受控组件</a:t>
             </a:r>
             <a:endParaRPr lang="en-US" altLang="zh-CN" sz="2800" b="1" dirty="0">
-              <a:solidFill>
-                <a:srgbClr val="C00000"/>
-              </a:solidFill>
               <a:latin typeface="+mj-ea"/>
               <a:ea typeface="+mj-ea"/>
             </a:endParaRPr>
@@ -6716,23 +5524,12 @@
               <a:buChar char="Ø"/>
             </a:pPr>
             <a:r>
-              <a:rPr lang="zh-CN" altLang="en-US" sz="2800" b="1" dirty="0">
+              <a:rPr lang="en-US" altLang="zh-CN" sz="2800" b="1" dirty="0">
                 <a:latin typeface="+mj-ea"/>
                 <a:ea typeface="+mj-ea"/>
               </a:rPr>
-              <a:t>受</a:t>
-            </a:r>
-            <a:r>
-              <a:rPr lang="zh-CN" altLang="en-US" sz="2800" b="1" dirty="0" smtClean="0">
-                <a:latin typeface="+mj-ea"/>
-                <a:ea typeface="+mj-ea"/>
-              </a:rPr>
-              <a:t>控组件和非受控组件</a:t>
-            </a:r>
-            <a:endParaRPr lang="en-US" altLang="zh-CN" sz="2800" b="1" dirty="0" smtClean="0">
-              <a:latin typeface="+mj-ea"/>
-              <a:ea typeface="+mj-ea"/>
-            </a:endParaRPr>
+              <a:t>DOM Elements</a:t>
+            </a:r>
           </a:p>
           <a:p>
             <a:pPr>
@@ -6746,12 +5543,22 @@
               <a:buChar char="Ø"/>
             </a:pPr>
             <a:r>
-              <a:rPr lang="en-US" altLang="zh-CN" sz="2800" b="1" dirty="0" smtClean="0">
+              <a:rPr lang="en-US" altLang="zh-CN" sz="2800" b="1" dirty="0" err="1">
+                <a:solidFill>
+                  <a:srgbClr val="C00000"/>
+                </a:solidFill>
                 <a:latin typeface="+mj-ea"/>
                 <a:ea typeface="+mj-ea"/>
               </a:rPr>
-              <a:t>DOM Elements</a:t>
-            </a:r>
+              <a:t>PropTypes</a:t>
+            </a:r>
+            <a:endParaRPr lang="en-US" altLang="zh-CN" sz="2800" b="1" dirty="0">
+              <a:solidFill>
+                <a:srgbClr val="C00000"/>
+              </a:solidFill>
+              <a:latin typeface="+mj-ea"/>
+              <a:ea typeface="+mj-ea"/>
+            </a:endParaRPr>
           </a:p>
         </p:txBody>
       </p:sp>
@@ -6761,17 +5568,10 @@
     <a:masterClrMapping/>
   </p:clrMapOvr>
   <p:transition/>
-  <p:timing>
-    <p:tnLst>
-      <p:par>
-        <p:cTn id="1" dur="indefinite" restart="never" nodeType="tmRoot"/>
-      </p:par>
-    </p:tnLst>
-  </p:timing>
 </p:sld>
 </file>
 
-<file path=ppt/slides/slide3.xml><?xml version="1.0" encoding="utf-8"?>
+<file path=ppt/slides/slide13.xml><?xml version="1.0" encoding="utf-8"?>
 <p:sld xmlns:a="http://schemas.openxmlformats.org/drawingml/2006/main" xmlns:r="http://schemas.openxmlformats.org/officeDocument/2006/relationships" xmlns:p="http://schemas.openxmlformats.org/presentationml/2006/main">
   <p:cSld>
     <p:spTree>
@@ -6813,34 +5613,34 @@
           <a:p>
             <a:pPr marL="360045"/>
             <a:r>
-              <a:rPr lang="zh-CN" altLang="en-US" dirty="0" smtClean="0">
+              <a:rPr lang="zh-CN" altLang="en-US" dirty="0">
                 <a:latin typeface="+mj-ea"/>
                 <a:ea typeface="+mj-ea"/>
               </a:rPr>
               <a:t> 使用 </a:t>
             </a:r>
             <a:r>
-              <a:rPr lang="en-US" altLang="zh-CN" dirty="0" err="1" smtClean="0">
+              <a:rPr lang="en-US" altLang="zh-CN" dirty="0" err="1">
                 <a:latin typeface="+mj-ea"/>
                 <a:ea typeface="+mj-ea"/>
               </a:rPr>
               <a:t>PropTypes</a:t>
             </a:r>
             <a:r>
-              <a:rPr lang="en-US" altLang="zh-CN" dirty="0" smtClean="0">
+              <a:rPr lang="en-US" altLang="zh-CN" dirty="0">
                 <a:latin typeface="+mj-ea"/>
                 <a:ea typeface="+mj-ea"/>
               </a:rPr>
               <a:t> </a:t>
             </a:r>
             <a:r>
-              <a:rPr lang="zh-CN" altLang="en-US" dirty="0" smtClean="0">
+              <a:rPr lang="zh-CN" altLang="en-US" dirty="0">
                 <a:latin typeface="+mj-ea"/>
                 <a:ea typeface="+mj-ea"/>
               </a:rPr>
               <a:t>进行类型检查</a:t>
             </a:r>
-            <a:endParaRPr lang="en-US" altLang="zh-CN" dirty="0" smtClean="0">
+            <a:endParaRPr lang="en-US" altLang="zh-CN" dirty="0">
               <a:latin typeface="+mj-ea"/>
               <a:ea typeface="+mj-ea"/>
             </a:endParaRPr>
@@ -6890,34 +5690,34 @@
               <a:defRPr/>
             </a:pPr>
             <a:r>
-              <a:rPr lang="en-US" altLang="zh-CN" dirty="0" err="1" smtClean="0">
+              <a:rPr lang="en-US" altLang="zh-CN" dirty="0" err="1">
                 <a:latin typeface="+mn-ea"/>
                 <a:ea typeface="+mn-ea"/>
               </a:rPr>
               <a:t>PropTypes</a:t>
             </a:r>
             <a:r>
-              <a:rPr lang="en-US" altLang="zh-CN" dirty="0" smtClean="0">
+              <a:rPr lang="en-US" altLang="zh-CN" dirty="0">
                 <a:latin typeface="+mn-ea"/>
                 <a:ea typeface="+mn-ea"/>
               </a:rPr>
               <a:t> </a:t>
             </a:r>
             <a:r>
-              <a:rPr lang="zh-CN" altLang="en-US" dirty="0" smtClean="0">
+              <a:rPr lang="zh-CN" altLang="en-US" dirty="0">
                 <a:latin typeface="+mn-ea"/>
                 <a:ea typeface="+mn-ea"/>
               </a:rPr>
               <a:t>类型检查</a:t>
             </a:r>
             <a:r>
-              <a:rPr lang="en-US" altLang="zh-CN" dirty="0" smtClean="0">
+              <a:rPr lang="en-US" altLang="zh-CN" dirty="0">
                 <a:latin typeface="+mn-ea"/>
                 <a:ea typeface="+mn-ea"/>
               </a:rPr>
               <a:t> </a:t>
             </a:r>
-            <a:endParaRPr lang="zh-CN" altLang="en-US" dirty="0" smtClean="0">
+            <a:endParaRPr lang="zh-CN" altLang="en-US" dirty="0">
               <a:latin typeface="+mn-ea"/>
               <a:ea typeface="+mn-ea"/>
             </a:endParaRPr>
@@ -6961,23 +5761,18 @@
             </a:r>
             <a:r>
               <a:rPr lang="en-US" altLang="zh-CN" sz="2400" dirty="0"/>
-              <a:t> from ‘prop-types</a:t>
-            </a:r>
-            <a:r>
-              <a:rPr lang="en-US" altLang="zh-CN" sz="2400" dirty="0" smtClean="0"/>
-              <a:t>’;</a:t>
-            </a:r>
-          </a:p>
-          <a:p>
-            <a:r>
-              <a:rPr lang="en-US" altLang="zh-CN" sz="2400" dirty="0" smtClean="0"/>
+              <a:t> from ‘prop-types’;</a:t>
+            </a:r>
+          </a:p>
+          <a:p>
+            <a:r>
+              <a:rPr lang="en-US" altLang="zh-CN" sz="2400" dirty="0"/>
               <a:t>……</a:t>
             </a:r>
-            <a:endParaRPr lang="en-US" altLang="zh-CN" sz="2400" dirty="0"/>
-          </a:p>
-          <a:p>
-            <a:r>
-              <a:rPr lang="en-US" altLang="zh-CN" sz="2400" dirty="0" smtClean="0"/>
+          </a:p>
+          <a:p>
+            <a:r>
+              <a:rPr lang="en-US" altLang="zh-CN" sz="2400" dirty="0"/>
               <a:t>class Hello </a:t>
             </a:r>
             <a:r>
@@ -7004,15 +5799,14 @@
               <a:rPr lang="en-US" altLang="zh-CN" sz="2400" dirty="0"/>
               <a:t> { </a:t>
             </a:r>
-            <a:endParaRPr lang="en-US" altLang="zh-CN" sz="2400" dirty="0" smtClean="0"/>
-          </a:p>
-          <a:p>
-            <a:r>
-              <a:rPr lang="en-US" altLang="zh-CN" sz="2400" dirty="0" smtClean="0"/>
+          </a:p>
+          <a:p>
+            <a:r>
+              <a:rPr lang="en-US" altLang="zh-CN" sz="2400" dirty="0"/>
               <a:t>	</a:t>
             </a:r>
             <a:r>
-              <a:rPr lang="en-US" altLang="zh-CN" sz="2400" dirty="0" smtClean="0">
+              <a:rPr lang="en-US" altLang="zh-CN" sz="2400" dirty="0">
                 <a:solidFill>
                   <a:srgbClr val="FF0000"/>
                 </a:solidFill>
@@ -7020,22 +5814,17 @@
               <a:t>render</a:t>
             </a:r>
             <a:r>
-              <a:rPr lang="en-US" altLang="zh-CN" sz="2400" dirty="0" smtClean="0"/>
-              <a:t>( ) </a:t>
-            </a:r>
-            <a:r>
               <a:rPr lang="en-US" altLang="zh-CN" sz="2400" dirty="0"/>
-              <a:t>{ </a:t>
-            </a:r>
-            <a:endParaRPr lang="en-US" altLang="zh-CN" sz="2400" dirty="0" smtClean="0"/>
-          </a:p>
-          <a:p>
-            <a:r>
-              <a:rPr lang="en-US" altLang="zh-CN" sz="2400" dirty="0" smtClean="0"/>
+              <a:t>( ) { </a:t>
+            </a:r>
+          </a:p>
+          <a:p>
+            <a:r>
+              <a:rPr lang="en-US" altLang="zh-CN" sz="2400" dirty="0"/>
               <a:t>		</a:t>
             </a:r>
             <a:r>
-              <a:rPr lang="en-US" altLang="zh-CN" sz="2400" dirty="0" smtClean="0">
+              <a:rPr lang="en-US" altLang="zh-CN" sz="2400" dirty="0">
                 <a:solidFill>
                   <a:srgbClr val="FF0000"/>
                 </a:solidFill>
@@ -7043,51 +5832,46 @@
               <a:t>return</a:t>
             </a:r>
             <a:r>
-              <a:rPr lang="en-US" altLang="zh-CN" sz="2400" dirty="0" smtClean="0"/>
-              <a:t> </a:t>
-            </a:r>
-            <a:r>
               <a:rPr lang="en-US" altLang="zh-CN" sz="2400" dirty="0"/>
-              <a:t>&lt;h1&gt;Hello, {this.props.name}&lt;/h1&gt;; </a:t>
-            </a:r>
-            <a:endParaRPr lang="en-US" altLang="zh-CN" sz="2400" dirty="0" smtClean="0"/>
-          </a:p>
-          <a:p>
-            <a:r>
-              <a:rPr lang="en-US" altLang="zh-CN" sz="2400" dirty="0" smtClean="0"/>
+              <a:t> &lt;h1&gt;Hello, {this.props.name}&lt;/h1&gt;; </a:t>
+            </a:r>
+          </a:p>
+          <a:p>
+            <a:r>
+              <a:rPr lang="en-US" altLang="zh-CN" sz="2400" dirty="0"/>
               <a:t>	} </a:t>
             </a:r>
           </a:p>
           <a:p>
             <a:r>
-              <a:rPr lang="en-US" altLang="zh-CN" sz="2400" dirty="0" smtClean="0"/>
+              <a:rPr lang="en-US" altLang="zh-CN" sz="2400" dirty="0"/>
               <a:t>}</a:t>
             </a:r>
           </a:p>
           <a:p>
             <a:r>
-              <a:rPr lang="en-US" altLang="zh-CN" sz="2400" dirty="0" err="1" smtClean="0"/>
+              <a:rPr lang="en-US" altLang="zh-CN" sz="2400" dirty="0" err="1"/>
               <a:t>Hello.propTypes</a:t>
             </a:r>
             <a:r>
-              <a:rPr lang="en-US" altLang="zh-CN" sz="2400" dirty="0" smtClean="0"/>
+              <a:rPr lang="en-US" altLang="zh-CN" sz="2400" dirty="0"/>
               <a:t> = {</a:t>
             </a:r>
           </a:p>
           <a:p>
             <a:r>
-              <a:rPr lang="en-US" altLang="zh-CN" sz="2400" dirty="0" smtClean="0"/>
+              <a:rPr lang="en-US" altLang="zh-CN" sz="2400" dirty="0"/>
               <a:t>	name : </a:t>
             </a:r>
             <a:r>
-              <a:rPr lang="en-US" altLang="zh-CN" sz="2400" dirty="0" err="1" smtClean="0"/>
+              <a:rPr lang="en-US" altLang="zh-CN" sz="2400" dirty="0" err="1"/>
               <a:t>PropTypes.string</a:t>
             </a:r>
             <a:endParaRPr lang="en-US" altLang="zh-CN" sz="2400" dirty="0"/>
           </a:p>
           <a:p>
             <a:r>
-              <a:rPr lang="en-US" altLang="zh-CN" sz="2400" dirty="0" smtClean="0"/>
+              <a:rPr lang="en-US" altLang="zh-CN" sz="2400" dirty="0"/>
               <a:t>}</a:t>
             </a:r>
           </a:p>
@@ -7146,7 +5930,7 @@
           <a:lstStyle/>
           <a:p>
             <a:r>
-              <a:rPr lang="en-US" altLang="zh-CN" sz="2400" dirty="0" smtClean="0"/>
+              <a:rPr lang="en-US" altLang="zh-CN" sz="2400" dirty="0"/>
               <a:t>demo01</a:t>
             </a:r>
             <a:endParaRPr lang="zh-CN" altLang="en-US" sz="2400" dirty="0"/>
@@ -7247,7 +6031,7 @@
 </p:sld>
 </file>
 
-<file path=ppt/slides/slide4.xml><?xml version="1.0" encoding="utf-8"?>
+<file path=ppt/slides/slide14.xml><?xml version="1.0" encoding="utf-8"?>
 <p:sld xmlns:a="http://schemas.openxmlformats.org/drawingml/2006/main" xmlns:r="http://schemas.openxmlformats.org/officeDocument/2006/relationships" xmlns:p="http://schemas.openxmlformats.org/presentationml/2006/main">
   <p:cSld>
     <p:spTree>
@@ -7289,7 +6073,7 @@
           <a:p>
             <a:pPr marL="360045"/>
             <a:r>
-              <a:rPr lang="zh-CN" altLang="en-US" dirty="0" smtClean="0">
+              <a:rPr lang="zh-CN" altLang="en-US" dirty="0">
                 <a:latin typeface="+mj-ea"/>
                 <a:ea typeface="+mj-ea"/>
               </a:rPr>
@@ -7307,7 +6091,7 @@
               <a:rPr lang="zh-CN" altLang="en-US" dirty="0"/>
               <a:t>设置默认值</a:t>
             </a:r>
-            <a:endParaRPr lang="en-US" altLang="zh-CN" dirty="0" smtClean="0">
+            <a:endParaRPr lang="en-US" altLang="zh-CN" dirty="0">
               <a:latin typeface="+mj-ea"/>
               <a:ea typeface="+mj-ea"/>
             </a:endParaRPr>
@@ -7357,7 +6141,7 @@
               <a:defRPr/>
             </a:pPr>
             <a:r>
-              <a:rPr lang="en-US" altLang="zh-CN" dirty="0" smtClean="0">
+              <a:rPr lang="en-US" altLang="zh-CN" dirty="0">
                 <a:latin typeface="+mn-ea"/>
                 <a:ea typeface="+mn-ea"/>
               </a:rPr>
@@ -7372,17 +6156,17 @@
               <a:t> </a:t>
             </a:r>
             <a:r>
-              <a:rPr lang="zh-CN" altLang="en-US" dirty="0" smtClean="0"/>
+              <a:rPr lang="zh-CN" altLang="en-US" dirty="0"/>
               <a:t>设置默认值</a:t>
             </a:r>
             <a:r>
-              <a:rPr lang="en-US" altLang="zh-CN" dirty="0" smtClean="0">
+              <a:rPr lang="en-US" altLang="zh-CN" dirty="0">
                 <a:latin typeface="+mn-ea"/>
                 <a:ea typeface="+mn-ea"/>
               </a:rPr>
               <a:t> </a:t>
             </a:r>
-            <a:endParaRPr lang="zh-CN" altLang="en-US" dirty="0" smtClean="0">
+            <a:endParaRPr lang="zh-CN" altLang="en-US" dirty="0">
               <a:latin typeface="+mn-ea"/>
               <a:ea typeface="+mn-ea"/>
             </a:endParaRPr>
@@ -7426,23 +6210,18 @@
             </a:r>
             <a:r>
               <a:rPr lang="en-US" altLang="zh-CN" sz="2400" dirty="0"/>
-              <a:t> from ‘prop-types</a:t>
-            </a:r>
-            <a:r>
-              <a:rPr lang="en-US" altLang="zh-CN" sz="2400" dirty="0" smtClean="0"/>
-              <a:t>’;</a:t>
-            </a:r>
-          </a:p>
-          <a:p>
-            <a:r>
-              <a:rPr lang="en-US" altLang="zh-CN" sz="2400" dirty="0" smtClean="0"/>
+              <a:t> from ‘prop-types’;</a:t>
+            </a:r>
+          </a:p>
+          <a:p>
+            <a:r>
+              <a:rPr lang="en-US" altLang="zh-CN" sz="2400" dirty="0"/>
               <a:t>……</a:t>
             </a:r>
-            <a:endParaRPr lang="en-US" altLang="zh-CN" sz="2400" dirty="0"/>
-          </a:p>
-          <a:p>
-            <a:r>
-              <a:rPr lang="en-US" altLang="zh-CN" sz="2400" dirty="0" smtClean="0"/>
+          </a:p>
+          <a:p>
+            <a:r>
+              <a:rPr lang="en-US" altLang="zh-CN" sz="2400" dirty="0"/>
               <a:t>class Hello </a:t>
             </a:r>
             <a:r>
@@ -7469,15 +6248,14 @@
               <a:rPr lang="en-US" altLang="zh-CN" sz="2400" dirty="0"/>
               <a:t> { </a:t>
             </a:r>
-            <a:endParaRPr lang="en-US" altLang="zh-CN" sz="2400" dirty="0" smtClean="0"/>
-          </a:p>
-          <a:p>
-            <a:r>
-              <a:rPr lang="en-US" altLang="zh-CN" sz="2400" dirty="0" smtClean="0"/>
+          </a:p>
+          <a:p>
+            <a:r>
+              <a:rPr lang="en-US" altLang="zh-CN" sz="2400" dirty="0"/>
               <a:t>	</a:t>
             </a:r>
             <a:r>
-              <a:rPr lang="en-US" altLang="zh-CN" sz="2400" dirty="0" smtClean="0">
+              <a:rPr lang="en-US" altLang="zh-CN" sz="2400" dirty="0">
                 <a:solidFill>
                   <a:srgbClr val="FF0000"/>
                 </a:solidFill>
@@ -7485,22 +6263,17 @@
               <a:t>render</a:t>
             </a:r>
             <a:r>
-              <a:rPr lang="en-US" altLang="zh-CN" sz="2400" dirty="0" smtClean="0"/>
-              <a:t>( ) </a:t>
-            </a:r>
-            <a:r>
               <a:rPr lang="en-US" altLang="zh-CN" sz="2400" dirty="0"/>
-              <a:t>{ </a:t>
-            </a:r>
-            <a:endParaRPr lang="en-US" altLang="zh-CN" sz="2400" dirty="0" smtClean="0"/>
-          </a:p>
-          <a:p>
-            <a:r>
-              <a:rPr lang="en-US" altLang="zh-CN" sz="2400" dirty="0" smtClean="0"/>
+              <a:t>( ) { </a:t>
+            </a:r>
+          </a:p>
+          <a:p>
+            <a:r>
+              <a:rPr lang="en-US" altLang="zh-CN" sz="2400" dirty="0"/>
               <a:t>		</a:t>
             </a:r>
             <a:r>
-              <a:rPr lang="en-US" altLang="zh-CN" sz="2400" dirty="0" smtClean="0">
+              <a:rPr lang="en-US" altLang="zh-CN" sz="2400" dirty="0">
                 <a:solidFill>
                   <a:srgbClr val="FF0000"/>
                 </a:solidFill>
@@ -7508,70 +6281,61 @@
               <a:t>return</a:t>
             </a:r>
             <a:r>
-              <a:rPr lang="en-US" altLang="zh-CN" sz="2400" dirty="0" smtClean="0"/>
-              <a:t> </a:t>
-            </a:r>
-            <a:r>
               <a:rPr lang="en-US" altLang="zh-CN" sz="2400" dirty="0"/>
-              <a:t>&lt;h1&gt;Hello, {this.props.name}&lt;/h1&gt;; </a:t>
-            </a:r>
-            <a:endParaRPr lang="en-US" altLang="zh-CN" sz="2400" dirty="0" smtClean="0"/>
-          </a:p>
-          <a:p>
-            <a:r>
-              <a:rPr lang="en-US" altLang="zh-CN" sz="2400" dirty="0" smtClean="0"/>
+              <a:t> &lt;h1&gt;Hello, {this.props.name}&lt;/h1&gt;; </a:t>
+            </a:r>
+          </a:p>
+          <a:p>
+            <a:r>
+              <a:rPr lang="en-US" altLang="zh-CN" sz="2400" dirty="0"/>
               <a:t>	} </a:t>
             </a:r>
           </a:p>
           <a:p>
             <a:r>
-              <a:rPr lang="en-US" altLang="zh-CN" sz="2400" dirty="0" smtClean="0"/>
+              <a:rPr lang="en-US" altLang="zh-CN" sz="2400" dirty="0"/>
               <a:t>}</a:t>
             </a:r>
           </a:p>
           <a:p>
             <a:r>
-              <a:rPr lang="en-US" altLang="zh-CN" sz="2400" dirty="0" err="1" smtClean="0"/>
+              <a:rPr lang="en-US" altLang="zh-CN" sz="2400" dirty="0" err="1"/>
               <a:t>Hello.defaultProps</a:t>
             </a:r>
             <a:r>
-              <a:rPr lang="en-US" altLang="zh-CN" sz="2400" dirty="0" smtClean="0"/>
+              <a:rPr lang="en-US" altLang="zh-CN" sz="2400" dirty="0"/>
               <a:t> = {</a:t>
             </a:r>
           </a:p>
           <a:p>
             <a:r>
-              <a:rPr lang="en-US" altLang="zh-CN" sz="2400" dirty="0" smtClean="0"/>
+              <a:rPr lang="en-US" altLang="zh-CN" sz="2400" dirty="0"/>
               <a:t>	</a:t>
             </a:r>
             <a:r>
-              <a:rPr lang="en-US" altLang="zh-CN" sz="2400" dirty="0" smtClean="0">
+              <a:rPr lang="en-US" altLang="zh-CN" sz="2400" dirty="0">
                 <a:cs typeface="Arial" pitchFamily="34" charset="0"/>
               </a:rPr>
               <a:t>name : </a:t>
             </a:r>
             <a:r>
-              <a:rPr lang="zh-CN" altLang="en-US" sz="2400" dirty="0" smtClean="0">
+              <a:rPr lang="zh-CN" altLang="en-US" sz="2400" dirty="0">
                 <a:ea typeface="Arial Unicode MS" pitchFamily="34" charset="-122"/>
                 <a:cs typeface="Arial" pitchFamily="34" charset="0"/>
               </a:rPr>
               <a:t>‘</a:t>
             </a:r>
             <a:r>
-              <a:rPr lang="en-US" altLang="zh-CN" sz="2400" dirty="0" smtClean="0">
+              <a:rPr lang="en-US" altLang="zh-CN" sz="2400" dirty="0">
                 <a:ea typeface="Arial Unicode MS" pitchFamily="34" charset="-122"/>
                 <a:cs typeface="Arial" pitchFamily="34" charset="0"/>
               </a:rPr>
               <a:t>Tom’</a:t>
             </a:r>
-            <a:endParaRPr lang="en-US" altLang="zh-CN" sz="2400" dirty="0">
-              <a:ea typeface="Arial Unicode MS" pitchFamily="34" charset="-122"/>
-              <a:cs typeface="Arial" pitchFamily="34" charset="0"/>
-            </a:endParaRPr>
-          </a:p>
-          <a:p>
-            <a:r>
-              <a:rPr lang="en-US" altLang="zh-CN" sz="2400" dirty="0" smtClean="0"/>
+          </a:p>
+          <a:p>
+            <a:r>
+              <a:rPr lang="en-US" altLang="zh-CN" sz="2400" dirty="0"/>
               <a:t>}</a:t>
             </a:r>
           </a:p>
@@ -7676,7 +6440,196 @@
 </p:sld>
 </file>
 
-<file path=ppt/slides/slide5.xml><?xml version="1.0" encoding="utf-8"?>
+<file path=ppt/slides/slide15.xml><?xml version="1.0" encoding="utf-8"?>
+<p:sld xmlns:a="http://schemas.openxmlformats.org/drawingml/2006/main" xmlns:r="http://schemas.openxmlformats.org/officeDocument/2006/relationships" xmlns:p="http://schemas.openxmlformats.org/presentationml/2006/main">
+  <p:cSld>
+    <p:spTree>
+      <p:nvGrpSpPr>
+        <p:cNvPr id="1" name=""/>
+        <p:cNvGrpSpPr/>
+        <p:nvPr/>
+      </p:nvGrpSpPr>
+      <p:grpSpPr>
+        <a:xfrm>
+          <a:off x="0" y="0"/>
+          <a:ext cx="0" cy="0"/>
+          <a:chOff x="0" y="0"/>
+          <a:chExt cx="0" cy="0"/>
+        </a:xfrm>
+      </p:grpSpPr>
+      <p:pic>
+        <p:nvPicPr>
+          <p:cNvPr id="69634" name="Picture 5"/>
+          <p:cNvPicPr>
+            <a:picLocks noChangeAspect="1" noChangeArrowheads="1"/>
+          </p:cNvPicPr>
+          <p:nvPr/>
+        </p:nvPicPr>
+        <p:blipFill>
+          <a:blip r:embed="rId2">
+            <a:extLst>
+              <a:ext uri="{28A0092B-C50C-407E-A947-70E740481C1C}">
+                <a14:useLocalDpi xmlns:a14="http://schemas.microsoft.com/office/drawing/2010/main" val="0"/>
+              </a:ext>
+            </a:extLst>
+          </a:blip>
+          <a:srcRect/>
+          <a:stretch>
+            <a:fillRect/>
+          </a:stretch>
+        </p:blipFill>
+        <p:spPr bwMode="auto">
+          <a:xfrm>
+            <a:off x="0" y="0"/>
+            <a:ext cx="12192000" cy="6858000"/>
+          </a:xfrm>
+          <a:prstGeom prst="rect">
+            <a:avLst/>
+          </a:prstGeom>
+          <a:noFill/>
+          <a:ln>
+            <a:noFill/>
+          </a:ln>
+          <a:extLst>
+            <a:ext uri="{909E8E84-426E-40DD-AFC4-6F175D3DCCD1}">
+              <a14:hiddenFill xmlns:a14="http://schemas.microsoft.com/office/drawing/2010/main">
+                <a:solidFill>
+                  <a:srgbClr val="FFFFFF"/>
+                </a:solidFill>
+              </a14:hiddenFill>
+            </a:ext>
+            <a:ext uri="{91240B29-F687-4F45-9708-019B960494DF}">
+              <a14:hiddenLine xmlns:a14="http://schemas.microsoft.com/office/drawing/2010/main" w="9525">
+                <a:solidFill>
+                  <a:srgbClr val="000000"/>
+                </a:solidFill>
+                <a:miter lim="800000"/>
+                <a:headEnd/>
+                <a:tailEnd/>
+              </a14:hiddenLine>
+            </a:ext>
+          </a:extLst>
+        </p:spPr>
+      </p:pic>
+      <p:sp>
+        <p:nvSpPr>
+          <p:cNvPr id="69635" name="Rectangle 6"/>
+          <p:cNvSpPr>
+            <a:spLocks noGrp="1" noChangeArrowheads="1"/>
+          </p:cNvSpPr>
+          <p:nvPr>
+            <p:ph type="ctrTitle" idx="4294967295"/>
+          </p:nvPr>
+        </p:nvSpPr>
+        <p:spPr bwMode="auto">
+          <a:xfrm>
+            <a:off x="1557338" y="3494088"/>
+            <a:ext cx="7362825" cy="582612"/>
+          </a:xfrm>
+          <a:prstGeom prst="rect">
+            <a:avLst/>
+          </a:prstGeom>
+          <a:noFill/>
+          <a:extLst>
+            <a:ext uri="{909E8E84-426E-40DD-AFC4-6F175D3DCCD1}">
+              <a14:hiddenFill xmlns:a14="http://schemas.microsoft.com/office/drawing/2010/main">
+                <a:solidFill>
+                  <a:srgbClr val="FFFFFF"/>
+                </a:solidFill>
+              </a14:hiddenFill>
+            </a:ext>
+            <a:ext uri="{91240B29-F687-4F45-9708-019B960494DF}">
+              <a14:hiddenLine xmlns:a14="http://schemas.microsoft.com/office/drawing/2010/main" w="9525">
+                <a:solidFill>
+                  <a:srgbClr val="000000"/>
+                </a:solidFill>
+                <a:miter lim="800000"/>
+                <a:headEnd/>
+                <a:tailEnd/>
+              </a14:hiddenLine>
+            </a:ext>
+          </a:extLst>
+        </p:spPr>
+        <p:txBody>
+          <a:bodyPr anchor="b"/>
+          <a:lstStyle/>
+          <a:p>
+            <a:pPr algn="ctr" eaLnBrk="1" hangingPunct="1"/>
+            <a:r>
+              <a:rPr lang="en-US" altLang="zh-CN" sz="5400">
+                <a:ea typeface="宋体" panose="02010600030101010101" pitchFamily="2" charset="-122"/>
+              </a:rPr>
+              <a:t>Thank You</a:t>
+            </a:r>
+            <a:endParaRPr lang="zh-CN" altLang="zh-CN" sz="5400" dirty="0">
+              <a:ea typeface="宋体" panose="02010600030101010101" pitchFamily="2" charset="-122"/>
+            </a:endParaRPr>
+          </a:p>
+        </p:txBody>
+      </p:sp>
+      <p:pic>
+        <p:nvPicPr>
+          <p:cNvPr id="69636" name="图片 3" descr="软院logo横版.png"/>
+          <p:cNvPicPr>
+            <a:picLocks noChangeAspect="1"/>
+          </p:cNvPicPr>
+          <p:nvPr/>
+        </p:nvPicPr>
+        <p:blipFill>
+          <a:blip r:embed="rId3">
+            <a:extLst>
+              <a:ext uri="{28A0092B-C50C-407E-A947-70E740481C1C}">
+                <a14:useLocalDpi xmlns:a14="http://schemas.microsoft.com/office/drawing/2010/main" val="0"/>
+              </a:ext>
+            </a:extLst>
+          </a:blip>
+          <a:srcRect/>
+          <a:stretch>
+            <a:fillRect/>
+          </a:stretch>
+        </p:blipFill>
+        <p:spPr bwMode="auto">
+          <a:xfrm>
+            <a:off x="2062163" y="5927725"/>
+            <a:ext cx="3381375" cy="527050"/>
+          </a:xfrm>
+          <a:prstGeom prst="rect">
+            <a:avLst/>
+          </a:prstGeom>
+          <a:noFill/>
+          <a:ln>
+            <a:noFill/>
+          </a:ln>
+          <a:extLst>
+            <a:ext uri="{909E8E84-426E-40DD-AFC4-6F175D3DCCD1}">
+              <a14:hiddenFill xmlns:a14="http://schemas.microsoft.com/office/drawing/2010/main">
+                <a:solidFill>
+                  <a:srgbClr val="FFFFFF"/>
+                </a:solidFill>
+              </a14:hiddenFill>
+            </a:ext>
+            <a:ext uri="{91240B29-F687-4F45-9708-019B960494DF}">
+              <a14:hiddenLine xmlns:a14="http://schemas.microsoft.com/office/drawing/2010/main" w="9525">
+                <a:solidFill>
+                  <a:srgbClr val="000000"/>
+                </a:solidFill>
+                <a:miter lim="800000"/>
+                <a:headEnd/>
+                <a:tailEnd/>
+              </a14:hiddenLine>
+            </a:ext>
+          </a:extLst>
+        </p:spPr>
+      </p:pic>
+    </p:spTree>
+  </p:cSld>
+  <p:clrMapOvr>
+    <a:masterClrMapping/>
+  </p:clrMapOvr>
+</p:sld>
+</file>
+
+<file path=ppt/slides/slide2.xml><?xml version="1.0" encoding="utf-8"?>
 <p:sld xmlns:a="http://schemas.openxmlformats.org/drawingml/2006/main" xmlns:r="http://schemas.openxmlformats.org/officeDocument/2006/relationships" xmlns:p="http://schemas.openxmlformats.org/presentationml/2006/main">
   <p:cSld>
     <p:spTree>
@@ -7846,7 +6799,7 @@
           </a:lstStyle>
           <a:p>
             <a:r>
-              <a:rPr lang="zh-CN" altLang="en-US" dirty="0" smtClean="0">
+              <a:rPr lang="zh-CN" altLang="en-US" dirty="0">
                 <a:solidFill>
                   <a:srgbClr val="C00000"/>
                 </a:solidFill>
@@ -7855,13 +6808,6 @@
               </a:rPr>
               <a:t>内容提纲</a:t>
             </a:r>
-            <a:endParaRPr lang="zh-CN" altLang="en-US" dirty="0">
-              <a:solidFill>
-                <a:srgbClr val="C00000"/>
-              </a:solidFill>
-              <a:latin typeface="+mj-ea"/>
-              <a:ea typeface="+mj-ea"/>
-            </a:endParaRPr>
           </a:p>
         </p:txBody>
       </p:sp>
@@ -8022,13 +6968,19 @@
               <a:buChar char="Ø"/>
             </a:pPr>
             <a:r>
-              <a:rPr lang="en-US" altLang="zh-CN" sz="2800" b="1" dirty="0" err="1">
+              <a:rPr lang="zh-CN" altLang="en-US" sz="2800" b="1" dirty="0">
+                <a:solidFill>
+                  <a:srgbClr val="C00000"/>
+                </a:solidFill>
                 <a:latin typeface="+mj-ea"/>
                 <a:ea typeface="+mj-ea"/>
               </a:rPr>
-              <a:t>PropTypes</a:t>
+              <a:t>受控组件和非受控组件</a:t>
             </a:r>
             <a:endParaRPr lang="en-US" altLang="zh-CN" sz="2800" b="1" dirty="0">
+              <a:solidFill>
+                <a:srgbClr val="C00000"/>
+              </a:solidFill>
               <a:latin typeface="+mj-ea"/>
               <a:ea typeface="+mj-ea"/>
             </a:endParaRPr>
@@ -8045,32 +6997,12 @@
               <a:buChar char="Ø"/>
             </a:pPr>
             <a:r>
-              <a:rPr lang="zh-CN" altLang="en-US" sz="2800" b="1" dirty="0">
-                <a:solidFill>
-                  <a:srgbClr val="C00000"/>
-                </a:solidFill>
+              <a:rPr lang="en-US" altLang="zh-CN" sz="2800" b="1" dirty="0">
                 <a:latin typeface="+mj-ea"/>
                 <a:ea typeface="+mj-ea"/>
               </a:rPr>
-              <a:t>受</a:t>
-            </a:r>
-            <a:r>
-              <a:rPr lang="zh-CN" altLang="en-US" sz="2800" b="1" dirty="0" smtClean="0">
-                <a:solidFill>
-                  <a:srgbClr val="C00000"/>
-                </a:solidFill>
-                <a:latin typeface="+mj-ea"/>
-                <a:ea typeface="+mj-ea"/>
-              </a:rPr>
-              <a:t>控组件和非受控组件</a:t>
-            </a:r>
-            <a:endParaRPr lang="en-US" altLang="zh-CN" sz="2800" b="1" dirty="0" smtClean="0">
-              <a:solidFill>
-                <a:srgbClr val="C00000"/>
-              </a:solidFill>
-              <a:latin typeface="+mj-ea"/>
-              <a:ea typeface="+mj-ea"/>
-            </a:endParaRPr>
+              <a:t>DOM Elements</a:t>
+            </a:r>
           </a:p>
           <a:p>
             <a:pPr>
@@ -8084,12 +7016,16 @@
               <a:buChar char="Ø"/>
             </a:pPr>
             <a:r>
-              <a:rPr lang="en-US" altLang="zh-CN" sz="2800" b="1" dirty="0" smtClean="0">
+              <a:rPr lang="en-US" altLang="zh-CN" sz="2800" b="1" dirty="0" err="1">
                 <a:latin typeface="+mj-ea"/>
                 <a:ea typeface="+mj-ea"/>
               </a:rPr>
-              <a:t>DOM Elements</a:t>
-            </a:r>
+              <a:t>PropTypes</a:t>
+            </a:r>
+            <a:endParaRPr lang="en-US" altLang="zh-CN" sz="2800" b="1" dirty="0">
+              <a:latin typeface="+mj-ea"/>
+              <a:ea typeface="+mj-ea"/>
+            </a:endParaRPr>
           </a:p>
         </p:txBody>
       </p:sp>
@@ -8104,17 +7040,10 @@
     <a:masterClrMapping/>
   </p:clrMapOvr>
   <p:transition/>
-  <p:timing>
-    <p:tnLst>
-      <p:par>
-        <p:cTn id="1" dur="indefinite" restart="never" nodeType="tmRoot"/>
-      </p:par>
-    </p:tnLst>
-  </p:timing>
 </p:sld>
 </file>
 
-<file path=ppt/slides/slide6.xml><?xml version="1.0" encoding="utf-8"?>
+<file path=ppt/slides/slide3.xml><?xml version="1.0" encoding="utf-8"?>
 <p:sld xmlns:a="http://schemas.openxmlformats.org/drawingml/2006/main" xmlns:r="http://schemas.openxmlformats.org/officeDocument/2006/relationships" xmlns:p="http://schemas.openxmlformats.org/presentationml/2006/main">
   <p:cSld>
     <p:spTree>
@@ -8156,27 +7085,13 @@
           <a:p>
             <a:pPr marL="360045"/>
             <a:r>
-              <a:rPr lang="zh-CN" altLang="en-US" dirty="0" smtClean="0">
-                <a:latin typeface="+mj-ea"/>
-                <a:ea typeface="+mj-ea"/>
-              </a:rPr>
-              <a:t> </a:t>
-            </a:r>
-            <a:r>
               <a:rPr lang="zh-CN" altLang="en-US" dirty="0">
                 <a:latin typeface="+mj-ea"/>
                 <a:ea typeface="+mj-ea"/>
               </a:rPr>
-              <a:t>受</a:t>
-            </a:r>
-            <a:r>
-              <a:rPr lang="zh-CN" altLang="en-US" dirty="0" smtClean="0">
-                <a:latin typeface="+mj-ea"/>
-                <a:ea typeface="+mj-ea"/>
-              </a:rPr>
-              <a:t>控组件</a:t>
-            </a:r>
-            <a:endParaRPr lang="en-US" altLang="zh-CN" dirty="0" smtClean="0">
+              <a:t> 受控组件</a:t>
+            </a:r>
+            <a:endParaRPr lang="en-US" altLang="zh-CN" dirty="0">
               <a:latin typeface="+mj-ea"/>
               <a:ea typeface="+mj-ea"/>
             </a:endParaRPr>
@@ -8184,31 +7099,23 @@
           <a:p>
             <a:pPr marL="591820" lvl="1"/>
             <a:r>
-              <a:rPr lang="zh-CN" altLang="en-US" dirty="0" smtClean="0"/>
+              <a:rPr lang="zh-CN" altLang="en-US" dirty="0"/>
               <a:t> 输入的值由 </a:t>
             </a:r>
             <a:r>
-              <a:rPr lang="en-US" altLang="zh-CN" dirty="0" smtClean="0"/>
+              <a:rPr lang="en-US" altLang="zh-CN" dirty="0"/>
               <a:t>React </a:t>
             </a:r>
             <a:r>
-              <a:rPr lang="zh-CN" altLang="en-US" dirty="0" smtClean="0"/>
-              <a:t>控制的表</a:t>
-            </a:r>
-            <a:r>
               <a:rPr lang="zh-CN" altLang="en-US" dirty="0"/>
-              <a:t>单元素称为</a:t>
-            </a:r>
-            <a:r>
-              <a:rPr lang="zh-CN" altLang="en-US" dirty="0" smtClean="0"/>
-              <a:t>“受控组件”</a:t>
-            </a:r>
-            <a:endParaRPr lang="en-US" altLang="zh-CN" dirty="0" smtClean="0"/>
+              <a:t>控制的表单元素称为“受控组件”</a:t>
+            </a:r>
+            <a:endParaRPr lang="en-US" altLang="zh-CN" dirty="0"/>
           </a:p>
           <a:p>
             <a:pPr marL="591820" lvl="1"/>
             <a:r>
-              <a:rPr lang="zh-CN" altLang="en-US" dirty="0" smtClean="0"/>
+              <a:rPr lang="zh-CN" altLang="en-US" dirty="0"/>
               <a:t> 在</a:t>
             </a:r>
             <a:r>
@@ -8241,13 +7148,9 @@
             </a:r>
             <a:r>
               <a:rPr lang="zh-CN" altLang="en-US" dirty="0"/>
-              <a:t>这类表单元素会维持自身状态，并根据用户输入进行</a:t>
-            </a:r>
-            <a:r>
-              <a:rPr lang="zh-CN" altLang="en-US" dirty="0" smtClean="0"/>
-              <a:t>更新</a:t>
-            </a:r>
-            <a:endParaRPr lang="en-US" altLang="zh-CN" dirty="0" smtClean="0"/>
+              <a:t>这类表单元素会维持自身状态，并根据用户输入进行更新</a:t>
+            </a:r>
+            <a:endParaRPr lang="en-US" altLang="zh-CN" dirty="0"/>
           </a:p>
           <a:p>
             <a:pPr marL="591820" lvl="1"/>
@@ -8256,7 +7159,7 @@
               <a:t> </a:t>
             </a:r>
             <a:r>
-              <a:rPr lang="zh-CN" altLang="en-US" dirty="0" smtClean="0"/>
+              <a:rPr lang="zh-CN" altLang="en-US" dirty="0"/>
               <a:t>在</a:t>
             </a:r>
             <a:r>
@@ -8268,22 +7171,18 @@
               <a:t>中，可变的状态通常保存在组件的状态属性中，并且只能用 </a:t>
             </a:r>
             <a:r>
-              <a:rPr lang="en-US" altLang="zh-CN" dirty="0" err="1" smtClean="0"/>
+              <a:rPr lang="en-US" altLang="zh-CN" dirty="0" err="1"/>
               <a:t>setState</a:t>
             </a:r>
             <a:r>
-              <a:rPr lang="en-US" altLang="zh-CN" dirty="0" smtClean="0"/>
+              <a:rPr lang="en-US" altLang="zh-CN" dirty="0"/>
               <a:t>( )</a:t>
             </a:r>
             <a:r>
-              <a:rPr lang="zh-CN" altLang="en-US" dirty="0" smtClean="0"/>
-              <a:t>方法</a:t>
-            </a:r>
-            <a:r>
               <a:rPr lang="zh-CN" altLang="en-US" dirty="0"/>
-              <a:t>进行更新</a:t>
-            </a:r>
-            <a:endParaRPr lang="en-US" altLang="zh-CN" dirty="0" smtClean="0">
+              <a:t>方法进行更新</a:t>
+            </a:r>
+            <a:endParaRPr lang="en-US" altLang="zh-CN" dirty="0">
               <a:latin typeface="+mj-ea"/>
               <a:ea typeface="+mj-ea"/>
             </a:endParaRPr>
@@ -8337,23 +7236,16 @@
                 <a:latin typeface="+mn-ea"/>
                 <a:ea typeface="+mn-ea"/>
               </a:rPr>
-              <a:t>受</a:t>
-            </a:r>
-            <a:r>
-              <a:rPr lang="zh-CN" altLang="en-US" dirty="0" smtClean="0">
+              <a:t>受控组件</a:t>
+            </a:r>
+            <a:r>
+              <a:rPr lang="en-US" altLang="zh-CN" dirty="0">
                 <a:latin typeface="+mn-ea"/>
                 <a:ea typeface="+mn-ea"/>
               </a:rPr>
-              <a:t>控组件</a:t>
-            </a:r>
-            <a:r>
-              <a:rPr lang="en-US" altLang="zh-CN" dirty="0" smtClean="0">
-                <a:latin typeface="+mn-ea"/>
-                <a:ea typeface="+mn-ea"/>
-              </a:rPr>
               <a:t> </a:t>
             </a:r>
-            <a:endParaRPr lang="zh-CN" altLang="en-US" dirty="0" smtClean="0">
+            <a:endParaRPr lang="zh-CN" altLang="en-US" dirty="0">
               <a:latin typeface="+mn-ea"/>
               <a:ea typeface="+mn-ea"/>
             </a:endParaRPr>
@@ -8382,7 +7274,7 @@
           <a:lstStyle/>
           <a:p>
             <a:r>
-              <a:rPr lang="en-US" altLang="zh-CN" sz="2400" dirty="0" smtClean="0"/>
+              <a:rPr lang="en-US" altLang="zh-CN" sz="2400" dirty="0"/>
               <a:t>demo02</a:t>
             </a:r>
             <a:endParaRPr lang="zh-CN" altLang="en-US" sz="2400" dirty="0"/>
@@ -8777,7 +7669,7 @@
 </p:sld>
 </file>
 
-<file path=ppt/slides/slide7.xml><?xml version="1.0" encoding="utf-8"?>
+<file path=ppt/slides/slide4.xml><?xml version="1.0" encoding="utf-8"?>
 <p:sld xmlns:a="http://schemas.openxmlformats.org/drawingml/2006/main" xmlns:r="http://schemas.openxmlformats.org/officeDocument/2006/relationships" xmlns:p="http://schemas.openxmlformats.org/presentationml/2006/main">
   <p:cSld>
     <p:spTree>
@@ -8819,13 +7711,13 @@
           <a:p>
             <a:pPr marL="360045"/>
             <a:r>
-              <a:rPr lang="zh-CN" altLang="en-US" dirty="0" smtClean="0">
+              <a:rPr lang="zh-CN" altLang="en-US" dirty="0">
                 <a:latin typeface="+mj-ea"/>
                 <a:ea typeface="+mj-ea"/>
               </a:rPr>
               <a:t> 非受控组件</a:t>
             </a:r>
-            <a:endParaRPr lang="en-US" altLang="zh-CN" dirty="0" smtClean="0">
+            <a:endParaRPr lang="en-US" altLang="zh-CN" dirty="0">
               <a:latin typeface="+mj-ea"/>
               <a:ea typeface="+mj-ea"/>
             </a:endParaRPr>
@@ -8833,12 +7725,8 @@
           <a:p>
             <a:pPr marL="591820" lvl="1"/>
             <a:r>
-              <a:rPr lang="zh-CN" altLang="en-US" dirty="0" smtClean="0"/>
-              <a:t> 非</a:t>
-            </a:r>
-            <a:r>
               <a:rPr lang="zh-CN" altLang="en-US" dirty="0"/>
-              <a:t>受控组件将真实数据保存在 </a:t>
+              <a:t> 非受控组件将真实数据保存在 </a:t>
             </a:r>
             <a:r>
               <a:rPr lang="en-US" altLang="zh-CN" dirty="0"/>
@@ -8848,17 +7736,13 @@
               <a:rPr lang="zh-CN" altLang="en-US" dirty="0"/>
               <a:t>中</a:t>
             </a:r>
-            <a:endParaRPr lang="en-US" altLang="zh-CN" dirty="0" smtClean="0"/>
+            <a:endParaRPr lang="en-US" altLang="zh-CN" dirty="0"/>
           </a:p>
           <a:p>
             <a:pPr marL="591820" lvl="1"/>
             <a:r>
-              <a:rPr lang="zh-CN" altLang="en-US" dirty="0" smtClean="0"/>
-              <a:t> 容易</a:t>
-            </a:r>
-            <a:r>
               <a:rPr lang="zh-CN" altLang="en-US" dirty="0"/>
-              <a:t>同时集成 </a:t>
+              <a:t> 容易同时集成 </a:t>
             </a:r>
             <a:r>
               <a:rPr lang="en-US" altLang="zh-CN" dirty="0"/>
@@ -8873,27 +7757,15 @@
               <a:t>React </a:t>
             </a:r>
             <a:r>
-              <a:rPr lang="zh-CN" altLang="en-US" dirty="0" smtClean="0"/>
-              <a:t>代码</a:t>
-            </a:r>
-            <a:r>
               <a:rPr lang="zh-CN" altLang="en-US" dirty="0"/>
-              <a:t>，</a:t>
-            </a:r>
-            <a:r>
-              <a:rPr lang="zh-CN" altLang="en-US" dirty="0" smtClean="0"/>
-              <a:t>减小</a:t>
-            </a:r>
+              <a:t>代码，减小代码量</a:t>
+            </a:r>
+            <a:endParaRPr lang="en-US" altLang="zh-CN" dirty="0"/>
+          </a:p>
+          <a:p>
+            <a:pPr marL="591820" lvl="1"/>
             <a:r>
               <a:rPr lang="zh-CN" altLang="en-US" dirty="0"/>
-              <a:t>代码量</a:t>
-            </a:r>
-            <a:endParaRPr lang="en-US" altLang="zh-CN" dirty="0" smtClean="0"/>
-          </a:p>
-          <a:p>
-            <a:pPr marL="591820" lvl="1"/>
-            <a:r>
-              <a:rPr lang="zh-CN" altLang="en-US" dirty="0" smtClean="0"/>
               <a:t> 使用 </a:t>
             </a:r>
             <a:r>
@@ -8902,17 +7774,13 @@
             </a:r>
             <a:r>
               <a:rPr lang="en-US" altLang="zh-CN" dirty="0"/>
-              <a:t> </a:t>
-            </a:r>
-            <a:r>
-              <a:rPr lang="en-US" altLang="zh-CN" dirty="0" smtClean="0"/>
-              <a:t> </a:t>
-            </a:r>
-            <a:r>
-              <a:rPr lang="zh-CN" altLang="en-US" dirty="0" smtClean="0"/>
+              <a:t>  </a:t>
+            </a:r>
+            <a:r>
+              <a:rPr lang="zh-CN" altLang="en-US" dirty="0"/>
               <a:t>为表单元素指定初始值</a:t>
             </a:r>
-            <a:endParaRPr lang="en-US" altLang="zh-CN" dirty="0" smtClean="0"/>
+            <a:endParaRPr lang="en-US" altLang="zh-CN" dirty="0"/>
           </a:p>
           <a:p>
             <a:pPr marL="591820" lvl="1"/>
@@ -8924,27 +7792,27 @@
               <a:t> </a:t>
             </a:r>
             <a:r>
-              <a:rPr lang="zh-CN" altLang="en-US" dirty="0" smtClean="0">
+              <a:rPr lang="zh-CN" altLang="en-US" dirty="0">
                 <a:latin typeface="+mj-ea"/>
                 <a:ea typeface="+mj-ea"/>
               </a:rPr>
               <a:t>使用 </a:t>
             </a:r>
             <a:r>
-              <a:rPr lang="en-US" altLang="zh-CN" dirty="0" smtClean="0">
+              <a:rPr lang="en-US" altLang="zh-CN" dirty="0">
                 <a:latin typeface="+mj-ea"/>
                 <a:ea typeface="+mj-ea"/>
               </a:rPr>
               <a:t>refs </a:t>
             </a:r>
             <a:r>
-              <a:rPr lang="zh-CN" altLang="en-US" dirty="0" smtClean="0">
+              <a:rPr lang="zh-CN" altLang="en-US" dirty="0">
                 <a:latin typeface="+mj-ea"/>
                 <a:ea typeface="+mj-ea"/>
               </a:rPr>
               <a:t>获取表单的值</a:t>
             </a:r>
-            <a:endParaRPr lang="en-US" altLang="zh-CN" dirty="0" smtClean="0">
+            <a:endParaRPr lang="en-US" altLang="zh-CN" dirty="0">
               <a:latin typeface="+mj-ea"/>
               <a:ea typeface="+mj-ea"/>
             </a:endParaRPr>
@@ -8998,23 +7866,16 @@
                 <a:latin typeface="+mn-ea"/>
                 <a:ea typeface="+mn-ea"/>
               </a:rPr>
-              <a:t>非</a:t>
-            </a:r>
-            <a:r>
-              <a:rPr lang="zh-CN" altLang="en-US" dirty="0" smtClean="0">
+              <a:t>非受控组件</a:t>
+            </a:r>
+            <a:r>
+              <a:rPr lang="en-US" altLang="zh-CN" dirty="0">
                 <a:latin typeface="+mn-ea"/>
                 <a:ea typeface="+mn-ea"/>
               </a:rPr>
-              <a:t>受控组件</a:t>
-            </a:r>
-            <a:r>
-              <a:rPr lang="en-US" altLang="zh-CN" dirty="0" smtClean="0">
-                <a:latin typeface="+mn-ea"/>
-                <a:ea typeface="+mn-ea"/>
-              </a:rPr>
               <a:t> </a:t>
             </a:r>
-            <a:endParaRPr lang="zh-CN" altLang="en-US" dirty="0" smtClean="0">
+            <a:endParaRPr lang="zh-CN" altLang="en-US" dirty="0">
               <a:latin typeface="+mn-ea"/>
               <a:ea typeface="+mn-ea"/>
             </a:endParaRPr>
@@ -9031,17 +7892,10 @@
   <p:clrMapOvr>
     <a:masterClrMapping/>
   </p:clrMapOvr>
-  <p:timing>
-    <p:tnLst>
-      <p:par>
-        <p:cTn id="1" dur="indefinite" restart="never" nodeType="tmRoot"/>
-      </p:par>
-    </p:tnLst>
-  </p:timing>
 </p:sld>
 </file>
 
-<file path=ppt/slides/slide8.xml><?xml version="1.0" encoding="utf-8"?>
+<file path=ppt/slides/slide5.xml><?xml version="1.0" encoding="utf-8"?>
 <p:sld xmlns:a="http://schemas.openxmlformats.org/drawingml/2006/main" xmlns:r="http://schemas.openxmlformats.org/officeDocument/2006/relationships" xmlns:p="http://schemas.openxmlformats.org/presentationml/2006/main">
   <p:cSld>
     <p:spTree>
@@ -9083,14 +7937,14 @@
           <a:p>
             <a:pPr marL="360045"/>
             <a:r>
-              <a:rPr lang="zh-CN" altLang="en-US" dirty="0" smtClean="0">
+              <a:rPr lang="zh-CN" altLang="en-US" dirty="0">
                 <a:latin typeface="+mj-ea"/>
                 <a:ea typeface="+mj-ea"/>
               </a:rPr>
               <a:t> </a:t>
             </a:r>
             <a:r>
-              <a:rPr lang="en-US" altLang="zh-CN" dirty="0" smtClean="0">
+              <a:rPr lang="en-US" altLang="zh-CN" dirty="0">
                 <a:latin typeface="+mj-ea"/>
                 <a:ea typeface="+mj-ea"/>
               </a:rPr>
@@ -9100,12 +7954,8 @@
           <a:p>
             <a:pPr marL="591820" lvl="1"/>
             <a:r>
-              <a:rPr lang="zh-CN" altLang="en-US" dirty="0" smtClean="0"/>
-              <a:t> 用于</a:t>
-            </a:r>
-            <a:r>
               <a:rPr lang="zh-CN" altLang="en-US" dirty="0"/>
-              <a:t>访问在 </a:t>
+              <a:t> 用于访问在 </a:t>
             </a:r>
             <a:r>
               <a:rPr lang="en-US" altLang="zh-CN" dirty="0"/>
@@ -9131,7 +7981,7 @@
               <a:rPr lang="zh-CN" altLang="en-US" dirty="0"/>
               <a:t>元素</a:t>
             </a:r>
-            <a:endParaRPr lang="en-US" altLang="zh-CN" dirty="0" smtClean="0">
+            <a:endParaRPr lang="en-US" altLang="zh-CN" dirty="0">
               <a:latin typeface="+mj-ea"/>
               <a:ea typeface="+mj-ea"/>
             </a:endParaRPr>
@@ -9139,13 +7989,13 @@
           <a:p>
             <a:pPr marL="591820" lvl="1"/>
             <a:r>
-              <a:rPr lang="zh-CN" altLang="en-US" dirty="0" smtClean="0">
+              <a:rPr lang="zh-CN" altLang="en-US" dirty="0">
                 <a:latin typeface="+mj-ea"/>
                 <a:ea typeface="+mj-ea"/>
               </a:rPr>
               <a:t> 适用情况</a:t>
             </a:r>
-            <a:endParaRPr lang="en-US" altLang="zh-CN" dirty="0" smtClean="0">
+            <a:endParaRPr lang="en-US" altLang="zh-CN" dirty="0">
               <a:latin typeface="+mj-ea"/>
               <a:ea typeface="+mj-ea"/>
             </a:endParaRPr>
@@ -9153,109 +8003,62 @@
           <a:p>
             <a:pPr marL="593090" lvl="2"/>
             <a:r>
-              <a:rPr lang="zh-CN" altLang="en-US" dirty="0" smtClean="0">
-                <a:latin typeface="+mj-ea"/>
-                <a:ea typeface="+mj-ea"/>
-              </a:rPr>
-              <a:t> 处理</a:t>
-            </a:r>
-            <a:r>
               <a:rPr lang="zh-CN" altLang="en-US" dirty="0">
                 <a:latin typeface="+mj-ea"/>
                 <a:ea typeface="+mj-ea"/>
               </a:rPr>
-              <a:t>焦点、文本选择或媒体</a:t>
-            </a:r>
-            <a:r>
-              <a:rPr lang="zh-CN" altLang="en-US" dirty="0" smtClean="0">
+              <a:t> 处理焦点、文本选择或媒体控制</a:t>
+            </a:r>
+          </a:p>
+          <a:p>
+            <a:pPr marL="593090" lvl="2"/>
+            <a:r>
+              <a:rPr lang="zh-CN" altLang="en-US" dirty="0">
                 <a:latin typeface="+mj-ea"/>
                 <a:ea typeface="+mj-ea"/>
               </a:rPr>
-              <a:t>控制</a:t>
-            </a:r>
-            <a:endParaRPr lang="zh-CN" altLang="en-US" dirty="0">
+              <a:t> 触发强制动画</a:t>
+            </a:r>
+          </a:p>
+          <a:p>
+            <a:pPr marL="593090" lvl="2"/>
+            <a:r>
+              <a:rPr lang="zh-CN" altLang="en-US" dirty="0">
+                <a:latin typeface="+mj-ea"/>
+                <a:ea typeface="+mj-ea"/>
+              </a:rPr>
+              <a:t> 集成第三方 </a:t>
+            </a:r>
+            <a:r>
+              <a:rPr lang="en-US" altLang="zh-CN" dirty="0">
+                <a:latin typeface="+mj-ea"/>
+                <a:ea typeface="+mj-ea"/>
+              </a:rPr>
+              <a:t>DOM </a:t>
+            </a:r>
+            <a:r>
+              <a:rPr lang="zh-CN" altLang="en-US" dirty="0">
+                <a:latin typeface="+mj-ea"/>
+                <a:ea typeface="+mj-ea"/>
+              </a:rPr>
+              <a:t>库</a:t>
+            </a:r>
+            <a:endParaRPr lang="en-US" altLang="zh-CN" dirty="0">
               <a:latin typeface="+mj-ea"/>
               <a:ea typeface="+mj-ea"/>
             </a:endParaRPr>
           </a:p>
           <a:p>
-            <a:pPr marL="593090" lvl="2"/>
-            <a:r>
-              <a:rPr lang="zh-CN" altLang="en-US" dirty="0" smtClean="0">
-                <a:latin typeface="+mj-ea"/>
-                <a:ea typeface="+mj-ea"/>
-              </a:rPr>
-              <a:t> 触发</a:t>
-            </a:r>
-            <a:r>
-              <a:rPr lang="zh-CN" altLang="en-US" dirty="0">
-                <a:latin typeface="+mj-ea"/>
-                <a:ea typeface="+mj-ea"/>
-              </a:rPr>
-              <a:t>强制</a:t>
-            </a:r>
-            <a:r>
-              <a:rPr lang="zh-CN" altLang="en-US" dirty="0" smtClean="0">
-                <a:latin typeface="+mj-ea"/>
-                <a:ea typeface="+mj-ea"/>
-              </a:rPr>
-              <a:t>动画</a:t>
-            </a:r>
-            <a:endParaRPr lang="zh-CN" altLang="en-US" dirty="0">
-              <a:latin typeface="+mj-ea"/>
-              <a:ea typeface="+mj-ea"/>
-            </a:endParaRPr>
-          </a:p>
-          <a:p>
-            <a:pPr marL="593090" lvl="2"/>
-            <a:r>
-              <a:rPr lang="zh-CN" altLang="en-US" dirty="0" smtClean="0">
-                <a:latin typeface="+mj-ea"/>
-                <a:ea typeface="+mj-ea"/>
-              </a:rPr>
-              <a:t> 集成</a:t>
-            </a:r>
-            <a:r>
-              <a:rPr lang="zh-CN" altLang="en-US" dirty="0">
-                <a:latin typeface="+mj-ea"/>
-                <a:ea typeface="+mj-ea"/>
-              </a:rPr>
-              <a:t>第三方 </a:t>
-            </a:r>
-            <a:r>
-              <a:rPr lang="en-US" altLang="zh-CN" dirty="0">
-                <a:latin typeface="+mj-ea"/>
-                <a:ea typeface="+mj-ea"/>
-              </a:rPr>
-              <a:t>DOM </a:t>
-            </a:r>
-            <a:r>
-              <a:rPr lang="zh-CN" altLang="en-US" dirty="0" smtClean="0">
-                <a:latin typeface="+mj-ea"/>
-                <a:ea typeface="+mj-ea"/>
-              </a:rPr>
-              <a:t>库</a:t>
-            </a:r>
-            <a:endParaRPr lang="en-US" altLang="zh-CN" dirty="0" smtClean="0">
-              <a:latin typeface="+mj-ea"/>
-              <a:ea typeface="+mj-ea"/>
-            </a:endParaRPr>
-          </a:p>
-          <a:p>
             <a:pPr marL="591820" lvl="1"/>
             <a:r>
-              <a:rPr lang="zh-CN" altLang="en-US" dirty="0" smtClean="0"/>
-              <a:t> 如果可以</a:t>
-            </a:r>
-            <a:r>
               <a:rPr lang="zh-CN" altLang="en-US" dirty="0"/>
-              <a:t>通过声明式实现，则尽量避免使用 </a:t>
+              <a:t> 如果可以通过声明式实现，则尽量避免使用 </a:t>
             </a:r>
             <a:r>
               <a:rPr lang="en-US" altLang="zh-CN" dirty="0"/>
               <a:t>refs</a:t>
             </a:r>
-            <a:endParaRPr lang="en-US" altLang="zh-CN" dirty="0" smtClean="0">
+            <a:endParaRPr lang="en-US" altLang="zh-CN" dirty="0">
               <a:latin typeface="+mj-ea"/>
               <a:ea typeface="+mj-ea"/>
             </a:endParaRPr>
@@ -9305,13 +8108,13 @@
               <a:defRPr/>
             </a:pPr>
             <a:r>
-              <a:rPr lang="en-US" altLang="zh-CN" dirty="0" smtClean="0">
+              <a:rPr lang="en-US" altLang="zh-CN" dirty="0">
                 <a:latin typeface="+mn-ea"/>
                 <a:ea typeface="+mn-ea"/>
               </a:rPr>
               <a:t>refs </a:t>
             </a:r>
-            <a:endParaRPr lang="zh-CN" altLang="en-US" dirty="0" smtClean="0">
+            <a:endParaRPr lang="zh-CN" altLang="en-US" dirty="0">
               <a:latin typeface="+mn-ea"/>
               <a:ea typeface="+mn-ea"/>
             </a:endParaRPr>
@@ -9340,7 +8143,7 @@
           <a:lstStyle/>
           <a:p>
             <a:r>
-              <a:rPr lang="en-US" altLang="zh-CN" sz="2400" dirty="0" smtClean="0"/>
+              <a:rPr lang="en-US" altLang="zh-CN" sz="2400" dirty="0"/>
               <a:t>demo03</a:t>
             </a:r>
             <a:endParaRPr lang="zh-CN" altLang="en-US" sz="2400" dirty="0"/>
@@ -10113,7 +8916,7 @@
 </p:sld>
 </file>
 
-<file path=ppt/slides/slide9.xml><?xml version="1.0" encoding="utf-8"?>
+<file path=ppt/slides/slide6.xml><?xml version="1.0" encoding="utf-8"?>
 <p:sld xmlns:a="http://schemas.openxmlformats.org/drawingml/2006/main" xmlns:r="http://schemas.openxmlformats.org/officeDocument/2006/relationships" xmlns:p="http://schemas.openxmlformats.org/presentationml/2006/main">
   <p:cSld>
     <p:spTree>
@@ -10155,14 +8958,14 @@
           <a:p>
             <a:pPr marL="360045"/>
             <a:r>
-              <a:rPr lang="zh-CN" altLang="en-US" dirty="0" smtClean="0">
+              <a:rPr lang="zh-CN" altLang="en-US" dirty="0">
                 <a:latin typeface="+mj-ea"/>
                 <a:ea typeface="+mj-ea"/>
               </a:rPr>
               <a:t> 创建 </a:t>
             </a:r>
             <a:r>
-              <a:rPr lang="en-US" altLang="zh-CN" dirty="0" smtClean="0">
+              <a:rPr lang="en-US" altLang="zh-CN" dirty="0">
                 <a:latin typeface="+mj-ea"/>
                 <a:ea typeface="+mj-ea"/>
               </a:rPr>
@@ -10173,7 +8976,7 @@
             <a:pPr marL="361315" lvl="1" indent="0">
               <a:buNone/>
             </a:pPr>
-            <a:endParaRPr lang="en-US" altLang="zh-CN" dirty="0" smtClean="0">
+            <a:endParaRPr lang="en-US" altLang="zh-CN" dirty="0">
               <a:latin typeface="+mj-ea"/>
               <a:ea typeface="+mj-ea"/>
             </a:endParaRPr>
@@ -10223,13 +9026,13 @@
               <a:defRPr/>
             </a:pPr>
             <a:r>
-              <a:rPr lang="en-US" altLang="zh-CN" dirty="0" smtClean="0">
+              <a:rPr lang="en-US" altLang="zh-CN" dirty="0">
                 <a:latin typeface="+mn-ea"/>
                 <a:ea typeface="+mn-ea"/>
               </a:rPr>
               <a:t>refs </a:t>
             </a:r>
-            <a:endParaRPr lang="zh-CN" altLang="en-US" dirty="0" smtClean="0">
+            <a:endParaRPr lang="zh-CN" altLang="en-US" dirty="0">
               <a:latin typeface="+mn-ea"/>
               <a:ea typeface="+mn-ea"/>
             </a:endParaRPr>
@@ -10258,7 +9061,7 @@
           <a:lstStyle/>
           <a:p>
             <a:r>
-              <a:rPr lang="en-US" altLang="zh-CN" sz="2400" dirty="0" smtClean="0"/>
+              <a:rPr lang="en-US" altLang="zh-CN" sz="2400" dirty="0"/>
               <a:t>demo03</a:t>
             </a:r>
             <a:endParaRPr lang="zh-CN" altLang="en-US" sz="2400" dirty="0"/>
@@ -10293,7 +9096,7 @@
           <a:lstStyle/>
           <a:p>
             <a:r>
-              <a:rPr lang="en-US" altLang="zh-CN" sz="2400" dirty="0" smtClean="0"/>
+              <a:rPr lang="en-US" altLang="zh-CN" sz="2400" dirty="0"/>
               <a:t>class Hello </a:t>
             </a:r>
             <a:r>
@@ -10320,7 +9123,6 @@
               <a:rPr lang="en-US" altLang="zh-CN" sz="2400" dirty="0"/>
               <a:t> { </a:t>
             </a:r>
-            <a:endParaRPr lang="en-US" altLang="zh-CN" sz="2400" dirty="0" smtClean="0"/>
           </a:p>
           <a:p>
             <a:r>
@@ -10328,12 +9130,40 @@
               <a:t>	</a:t>
             </a:r>
             <a:r>
-              <a:rPr lang="en-US" altLang="zh-CN" sz="2400" dirty="0" err="1" smtClean="0"/>
+              <a:rPr lang="en-US" altLang="zh-CN" sz="2400" dirty="0" err="1"/>
               <a:t>componentDidMount</a:t>
             </a:r>
             <a:r>
-              <a:rPr lang="en-US" altLang="zh-CN" sz="2400" dirty="0" smtClean="0"/>
+              <a:rPr lang="en-US" altLang="zh-CN" sz="2400" dirty="0"/>
               <a:t>( ){</a:t>
+            </a:r>
+          </a:p>
+          <a:p>
+            <a:r>
+              <a:rPr lang="en-US" altLang="zh-CN" sz="2400" dirty="0"/>
+              <a:t>		</a:t>
+            </a:r>
+            <a:r>
+              <a:rPr lang="en-US" altLang="zh-CN" sz="2400" dirty="0" err="1">
+                <a:solidFill>
+                  <a:srgbClr val="FF0000"/>
+                </a:solidFill>
+              </a:rPr>
+              <a:t>this.input</a:t>
+            </a:r>
+            <a:r>
+              <a:rPr lang="en-US" altLang="zh-CN" sz="2400" dirty="0" err="1"/>
+              <a:t>.focus</a:t>
+            </a:r>
+            <a:r>
+              <a:rPr lang="en-US" altLang="zh-CN" sz="2400" dirty="0"/>
+              <a:t>( );</a:t>
+            </a:r>
+          </a:p>
+          <a:p>
+            <a:r>
+              <a:rPr lang="en-US" altLang="zh-CN" sz="2400" dirty="0"/>
+              <a:t>	}</a:t>
             </a:r>
           </a:p>
           <a:p>
@@ -10342,131 +9172,81 @@
               <a:t>	</a:t>
             </a:r>
             <a:r>
-              <a:rPr lang="en-US" altLang="zh-CN" sz="2400" dirty="0" smtClean="0"/>
-              <a:t>	</a:t>
-            </a:r>
-            <a:r>
-              <a:rPr lang="en-US" altLang="zh-CN" sz="2400" dirty="0" err="1" smtClean="0">
+              <a:rPr lang="en-US" altLang="zh-CN" sz="2400" dirty="0">
                 <a:solidFill>
                   <a:srgbClr val="FF0000"/>
                 </a:solidFill>
               </a:rPr>
+              <a:t>render</a:t>
+            </a:r>
+            <a:r>
+              <a:rPr lang="en-US" altLang="zh-CN" sz="2400" dirty="0"/>
+              <a:t>( ) { </a:t>
+            </a:r>
+          </a:p>
+          <a:p>
+            <a:r>
+              <a:rPr lang="en-US" altLang="zh-CN" sz="2400" dirty="0"/>
+              <a:t>		</a:t>
+            </a:r>
+            <a:r>
+              <a:rPr lang="en-US" altLang="zh-CN" sz="2400" dirty="0">
+                <a:solidFill>
+                  <a:srgbClr val="FF0000"/>
+                </a:solidFill>
+              </a:rPr>
+              <a:t>return </a:t>
+            </a:r>
+            <a:r>
+              <a:rPr lang="en-US" altLang="zh-CN" sz="2400" dirty="0"/>
+              <a:t>&lt;input type=“text’ </a:t>
+            </a:r>
+            <a:r>
+              <a:rPr lang="en-US" altLang="zh-CN" sz="2400" dirty="0">
+                <a:solidFill>
+                  <a:srgbClr val="FF0000"/>
+                </a:solidFill>
+              </a:rPr>
+              <a:t>ref={</a:t>
+            </a:r>
+            <a:r>
+              <a:rPr lang="en-US" altLang="zh-CN" sz="2400" i="1" dirty="0">
+                <a:solidFill>
+                  <a:srgbClr val="FF0000"/>
+                </a:solidFill>
+              </a:rPr>
+              <a:t>input=&gt;</a:t>
+            </a:r>
+            <a:r>
+              <a:rPr lang="en-US" altLang="zh-CN" sz="2400" dirty="0" err="1">
+                <a:solidFill>
+                  <a:srgbClr val="FF0000"/>
+                </a:solidFill>
+              </a:rPr>
               <a:t>this.input</a:t>
             </a:r>
             <a:r>
-              <a:rPr lang="en-US" altLang="zh-CN" sz="2400" dirty="0" err="1" smtClean="0"/>
-              <a:t>.focus</a:t>
-            </a:r>
-            <a:r>
-              <a:rPr lang="en-US" altLang="zh-CN" sz="2400" dirty="0" smtClean="0"/>
-              <a:t>( );</a:t>
-            </a:r>
-          </a:p>
-          <a:p>
-            <a:r>
-              <a:rPr lang="en-US" altLang="zh-CN" sz="2400" dirty="0"/>
-              <a:t>	</a:t>
-            </a:r>
-            <a:r>
-              <a:rPr lang="en-US" altLang="zh-CN" sz="2400" dirty="0" smtClean="0"/>
-              <a:t>}</a:t>
-            </a:r>
-          </a:p>
-          <a:p>
-            <a:r>
-              <a:rPr lang="en-US" altLang="zh-CN" sz="2400" dirty="0" smtClean="0"/>
-              <a:t>	</a:t>
-            </a:r>
-            <a:r>
-              <a:rPr lang="en-US" altLang="zh-CN" sz="2400" dirty="0" smtClean="0">
+              <a:rPr lang="en-US" altLang="zh-CN" sz="2400" dirty="0">
                 <a:solidFill>
                   <a:srgbClr val="FF0000"/>
                 </a:solidFill>
               </a:rPr>
-              <a:t>render</a:t>
-            </a:r>
-            <a:r>
-              <a:rPr lang="en-US" altLang="zh-CN" sz="2400" dirty="0" smtClean="0"/>
-              <a:t>( ) </a:t>
-            </a:r>
-            <a:r>
-              <a:rPr lang="en-US" altLang="zh-CN" sz="2400" dirty="0"/>
-              <a:t>{ </a:t>
-            </a:r>
-            <a:endParaRPr lang="en-US" altLang="zh-CN" sz="2400" dirty="0" smtClean="0"/>
-          </a:p>
-          <a:p>
-            <a:r>
-              <a:rPr lang="en-US" altLang="zh-CN" sz="2400" dirty="0" smtClean="0"/>
-              <a:t>		</a:t>
-            </a:r>
-            <a:r>
-              <a:rPr lang="en-US" altLang="zh-CN" sz="2400" dirty="0" smtClean="0">
-                <a:solidFill>
-                  <a:srgbClr val="FF0000"/>
-                </a:solidFill>
-              </a:rPr>
-              <a:t>return </a:t>
-            </a:r>
-            <a:r>
-              <a:rPr lang="en-US" altLang="zh-CN" sz="2400" dirty="0" smtClean="0"/>
-              <a:t>&lt;input type=“text’ </a:t>
-            </a:r>
-            <a:r>
-              <a:rPr lang="en-US" altLang="zh-CN" sz="2400" dirty="0">
-                <a:solidFill>
-                  <a:srgbClr val="FF0000"/>
-                </a:solidFill>
-              </a:rPr>
-              <a:t>ref={</a:t>
-            </a:r>
-            <a:r>
-              <a:rPr lang="en-US" altLang="zh-CN" sz="2400" i="1" dirty="0">
-                <a:solidFill>
-                  <a:srgbClr val="FF0000"/>
-                </a:solidFill>
-              </a:rPr>
-              <a:t>input=&gt;</a:t>
-            </a:r>
-            <a:r>
-              <a:rPr lang="en-US" altLang="zh-CN" sz="2400" dirty="0" err="1">
-                <a:solidFill>
-                  <a:srgbClr val="FF0000"/>
-                </a:solidFill>
-              </a:rPr>
-              <a:t>this.input</a:t>
-            </a:r>
-            <a:r>
-              <a:rPr lang="en-US" altLang="zh-CN" sz="2400" dirty="0">
-                <a:solidFill>
-                  <a:srgbClr val="FF0000"/>
-                </a:solidFill>
-              </a:rPr>
-              <a:t> = input</a:t>
-            </a:r>
-            <a:r>
-              <a:rPr lang="en-US" altLang="zh-CN" sz="2400" dirty="0" smtClean="0">
-                <a:solidFill>
-                  <a:srgbClr val="FF0000"/>
-                </a:solidFill>
-              </a:rPr>
-              <a:t>}</a:t>
+              <a:t> = input}</a:t>
             </a:r>
             <a:r>
               <a:rPr lang="en-US" altLang="zh-CN" sz="2400" dirty="0"/>
               <a:t>&gt;</a:t>
             </a:r>
-            <a:endParaRPr lang="en-US" altLang="zh-CN" sz="2400" dirty="0" smtClean="0"/>
-          </a:p>
-          <a:p>
-            <a:r>
-              <a:rPr lang="en-US" altLang="zh-CN" sz="2400" dirty="0" smtClean="0"/>
+          </a:p>
+          <a:p>
+            <a:r>
+              <a:rPr lang="en-US" altLang="zh-CN" sz="2400" dirty="0"/>
               <a:t>	} </a:t>
             </a:r>
           </a:p>
           <a:p>
             <a:r>
-              <a:rPr lang="en-US" altLang="zh-CN" sz="2400" dirty="0" smtClean="0"/>
+              <a:rPr lang="en-US" altLang="zh-CN" sz="2400" dirty="0"/>
               <a:t>}</a:t>
             </a:r>
           </a:p>
@@ -10568,6 +9348,863 @@
       <p:bldP spid="7" grpId="0" animBg="1"/>
     </p:bldLst>
   </p:timing>
+</p:sld>
+</file>
+
+<file path=ppt/slides/slide7.xml><?xml version="1.0" encoding="utf-8"?>
+<p:sld xmlns:a="http://schemas.openxmlformats.org/drawingml/2006/main" xmlns:r="http://schemas.openxmlformats.org/officeDocument/2006/relationships" xmlns:p="http://schemas.openxmlformats.org/presentationml/2006/main">
+  <p:cSld>
+    <p:spTree>
+      <p:nvGrpSpPr>
+        <p:cNvPr id="1" name=""/>
+        <p:cNvGrpSpPr/>
+        <p:nvPr/>
+      </p:nvGrpSpPr>
+      <p:grpSpPr>
+        <a:xfrm>
+          <a:off x="0" y="0"/>
+          <a:ext cx="0" cy="0"/>
+          <a:chOff x="0" y="0"/>
+          <a:chExt cx="0" cy="0"/>
+        </a:xfrm>
+      </p:grpSpPr>
+      <p:sp>
+        <p:nvSpPr>
+          <p:cNvPr id="30722" name="内容占位符 3"/>
+          <p:cNvSpPr>
+            <a:spLocks noGrp="1"/>
+          </p:cNvSpPr>
+          <p:nvPr>
+            <p:ph sz="quarter" idx="10"/>
+          </p:nvPr>
+        </p:nvSpPr>
+        <p:spPr bwMode="auto">
+          <a:xfrm>
+            <a:off x="693526" y="907845"/>
+            <a:ext cx="8788025" cy="4898244"/>
+          </a:xfrm>
+          <a:solidFill>
+            <a:schemeClr val="bg1"/>
+          </a:solidFill>
+        </p:spPr>
+        <p:txBody>
+          <a:bodyPr vert="horz" wrap="square" lIns="91440" tIns="45720" rIns="91440" bIns="45720" numCol="1" anchor="t" anchorCtr="0" compatLnSpc="1"/>
+          <a:lstStyle/>
+          <a:p>
+            <a:pPr marL="360045"/>
+            <a:r>
+              <a:rPr lang="zh-CN" altLang="en-US" dirty="0">
+                <a:latin typeface="+mj-ea"/>
+                <a:ea typeface="+mj-ea"/>
+              </a:rPr>
+              <a:t> 利用受控组件实现 </a:t>
+            </a:r>
+            <a:r>
+              <a:rPr lang="en-US" altLang="zh-CN" dirty="0">
+                <a:latin typeface="+mj-ea"/>
+                <a:ea typeface="+mj-ea"/>
+              </a:rPr>
+              <a:t> </a:t>
+            </a:r>
+            <a:r>
+              <a:rPr lang="en-US" altLang="zh-CN" dirty="0" err="1">
+                <a:latin typeface="+mj-ea"/>
+                <a:ea typeface="+mj-ea"/>
+              </a:rPr>
+              <a:t>TodoList</a:t>
+            </a:r>
+            <a:endParaRPr lang="en-US" altLang="zh-CN" dirty="0">
+              <a:latin typeface="+mj-ea"/>
+              <a:ea typeface="+mj-ea"/>
+            </a:endParaRPr>
+          </a:p>
+          <a:p>
+            <a:pPr marL="361315" lvl="1" indent="0">
+              <a:buNone/>
+            </a:pPr>
+            <a:endParaRPr lang="en-US" altLang="zh-CN" dirty="0">
+              <a:latin typeface="+mj-ea"/>
+              <a:ea typeface="+mj-ea"/>
+            </a:endParaRPr>
+          </a:p>
+        </p:txBody>
+      </p:sp>
+      <p:sp>
+        <p:nvSpPr>
+          <p:cNvPr id="25603" name="内容占位符 4"/>
+          <p:cNvSpPr>
+            <a:spLocks noGrp="1"/>
+          </p:cNvSpPr>
+          <p:nvPr>
+            <p:ph sz="quarter" idx="11"/>
+          </p:nvPr>
+        </p:nvSpPr>
+        <p:spPr bwMode="auto">
+          <a:xfrm>
+            <a:off x="909638" y="236538"/>
+            <a:ext cx="7575550" cy="490537"/>
+          </a:xfrm>
+          <a:extLst>
+            <a:ext uri="{909E8E84-426E-40DD-AFC4-6F175D3DCCD1}">
+              <a14:hiddenFill xmlns:a14="http://schemas.microsoft.com/office/drawing/2010/main">
+                <a:solidFill>
+                  <a:srgbClr val="FFFFFF"/>
+                </a:solidFill>
+              </a14:hiddenFill>
+            </a:ext>
+            <a:ext uri="{91240B29-F687-4F45-9708-019B960494DF}">
+              <a14:hiddenLine xmlns:a14="http://schemas.microsoft.com/office/drawing/2010/main" w="9525">
+                <a:solidFill>
+                  <a:srgbClr val="000000"/>
+                </a:solidFill>
+                <a:miter lim="800000"/>
+                <a:headEnd/>
+                <a:tailEnd/>
+              </a14:hiddenLine>
+            </a:ext>
+          </a:extLst>
+        </p:spPr>
+        <p:txBody>
+          <a:bodyPr vert="horz" wrap="square" lIns="91440" tIns="45720" rIns="91440" bIns="45720" numCol="1" anchor="t" anchorCtr="0" compatLnSpc="1"/>
+          <a:lstStyle/>
+          <a:p>
+            <a:pPr>
+              <a:defRPr/>
+            </a:pPr>
+            <a:r>
+              <a:rPr lang="en-US" altLang="zh-CN" dirty="0" err="1">
+                <a:latin typeface="+mn-ea"/>
+                <a:ea typeface="+mn-ea"/>
+              </a:rPr>
+              <a:t>TodoList</a:t>
+            </a:r>
+            <a:endParaRPr lang="zh-CN" altLang="en-US" dirty="0">
+              <a:latin typeface="+mn-ea"/>
+              <a:ea typeface="+mn-ea"/>
+            </a:endParaRPr>
+          </a:p>
+        </p:txBody>
+      </p:sp>
+      <p:sp>
+        <p:nvSpPr>
+          <p:cNvPr id="6" name="矩形 5"/>
+          <p:cNvSpPr/>
+          <p:nvPr/>
+        </p:nvSpPr>
+        <p:spPr>
+          <a:xfrm>
+            <a:off x="10201881" y="5724591"/>
+            <a:ext cx="1440660" cy="461665"/>
+          </a:xfrm>
+          <a:prstGeom prst="rect">
+            <a:avLst/>
+          </a:prstGeom>
+        </p:spPr>
+        <p:txBody>
+          <a:bodyPr wrap="square">
+            <a:spAutoFit/>
+          </a:bodyPr>
+          <a:lstStyle/>
+          <a:p>
+            <a:r>
+              <a:rPr lang="en-US" altLang="zh-CN" sz="2400" dirty="0"/>
+              <a:t>demo04</a:t>
+            </a:r>
+            <a:endParaRPr lang="zh-CN" altLang="en-US" sz="2400" dirty="0"/>
+          </a:p>
+        </p:txBody>
+      </p:sp>
+    </p:spTree>
+    <p:extLst>
+      <p:ext uri="{BB962C8B-B14F-4D97-AF65-F5344CB8AC3E}">
+        <p14:creationId xmlns:p14="http://schemas.microsoft.com/office/powerpoint/2010/main" val="1423032434"/>
+      </p:ext>
+    </p:extLst>
+  </p:cSld>
+  <p:clrMapOvr>
+    <a:masterClrMapping/>
+  </p:clrMapOvr>
+</p:sld>
+</file>
+
+<file path=ppt/slides/slide8.xml><?xml version="1.0" encoding="utf-8"?>
+<p:sld xmlns:a="http://schemas.openxmlformats.org/drawingml/2006/main" xmlns:r="http://schemas.openxmlformats.org/officeDocument/2006/relationships" xmlns:p="http://schemas.openxmlformats.org/presentationml/2006/main">
+  <p:cSld>
+    <p:spTree>
+      <p:nvGrpSpPr>
+        <p:cNvPr id="1" name=""/>
+        <p:cNvGrpSpPr/>
+        <p:nvPr/>
+      </p:nvGrpSpPr>
+      <p:grpSpPr>
+        <a:xfrm>
+          <a:off x="0" y="0"/>
+          <a:ext cx="0" cy="0"/>
+          <a:chOff x="0" y="0"/>
+          <a:chExt cx="0" cy="0"/>
+        </a:xfrm>
+      </p:grpSpPr>
+      <p:sp>
+        <p:nvSpPr>
+          <p:cNvPr id="21506" name="矩形 2"/>
+          <p:cNvSpPr>
+            <a:spLocks noChangeArrowheads="1"/>
+          </p:cNvSpPr>
+          <p:nvPr/>
+        </p:nvSpPr>
+        <p:spPr bwMode="auto">
+          <a:xfrm>
+            <a:off x="1053690" y="258763"/>
+            <a:ext cx="3186523" cy="585787"/>
+          </a:xfrm>
+          <a:prstGeom prst="rect">
+            <a:avLst/>
+          </a:prstGeom>
+          <a:noFill/>
+          <a:ln>
+            <a:noFill/>
+          </a:ln>
+          <a:extLst>
+            <a:ext uri="{909E8E84-426E-40DD-AFC4-6F175D3DCCD1}">
+              <a14:hiddenFill xmlns:a14="http://schemas.microsoft.com/office/drawing/2010/main">
+                <a:solidFill>
+                  <a:srgbClr val="FFFFFF"/>
+                </a:solidFill>
+              </a14:hiddenFill>
+            </a:ext>
+            <a:ext uri="{91240B29-F687-4F45-9708-019B960494DF}">
+              <a14:hiddenLine xmlns:a14="http://schemas.microsoft.com/office/drawing/2010/main" w="9525">
+                <a:solidFill>
+                  <a:srgbClr val="000000"/>
+                </a:solidFill>
+                <a:miter lim="800000"/>
+                <a:headEnd/>
+                <a:tailEnd/>
+              </a14:hiddenLine>
+            </a:ext>
+          </a:extLst>
+        </p:spPr>
+        <p:txBody>
+          <a:bodyPr wrap="square">
+            <a:spAutoFit/>
+          </a:bodyPr>
+          <a:lstStyle>
+            <a:lvl1pPr>
+              <a:defRPr sz="3200">
+                <a:solidFill>
+                  <a:schemeClr val="tx1"/>
+                </a:solidFill>
+                <a:latin typeface="Arial" panose="020B0604020202020204" pitchFamily="34" charset="0"/>
+                <a:ea typeface="微软雅黑" panose="020B0503020204020204" pitchFamily="34" charset="-122"/>
+              </a:defRPr>
+            </a:lvl1pPr>
+            <a:lvl2pPr marL="742950" indent="-285750">
+              <a:defRPr sz="3200">
+                <a:solidFill>
+                  <a:schemeClr val="tx1"/>
+                </a:solidFill>
+                <a:latin typeface="Arial" panose="020B0604020202020204" pitchFamily="34" charset="0"/>
+                <a:ea typeface="微软雅黑" panose="020B0503020204020204" pitchFamily="34" charset="-122"/>
+              </a:defRPr>
+            </a:lvl2pPr>
+            <a:lvl3pPr marL="1143000" indent="-228600">
+              <a:defRPr sz="3200">
+                <a:solidFill>
+                  <a:schemeClr val="tx1"/>
+                </a:solidFill>
+                <a:latin typeface="Arial" panose="020B0604020202020204" pitchFamily="34" charset="0"/>
+                <a:ea typeface="微软雅黑" panose="020B0503020204020204" pitchFamily="34" charset="-122"/>
+              </a:defRPr>
+            </a:lvl3pPr>
+            <a:lvl4pPr marL="1600200" indent="-228600">
+              <a:defRPr sz="3200">
+                <a:solidFill>
+                  <a:schemeClr val="tx1"/>
+                </a:solidFill>
+                <a:latin typeface="Arial" panose="020B0604020202020204" pitchFamily="34" charset="0"/>
+                <a:ea typeface="微软雅黑" panose="020B0503020204020204" pitchFamily="34" charset="-122"/>
+              </a:defRPr>
+            </a:lvl4pPr>
+            <a:lvl5pPr marL="2057400" indent="-228600">
+              <a:defRPr sz="3200">
+                <a:solidFill>
+                  <a:schemeClr val="tx1"/>
+                </a:solidFill>
+                <a:latin typeface="Arial" panose="020B0604020202020204" pitchFamily="34" charset="0"/>
+                <a:ea typeface="微软雅黑" panose="020B0503020204020204" pitchFamily="34" charset="-122"/>
+              </a:defRPr>
+            </a:lvl5pPr>
+            <a:lvl6pPr marL="2514600" indent="-228600" eaLnBrk="0" fontAlgn="base" hangingPunct="0">
+              <a:spcBef>
+                <a:spcPct val="0"/>
+              </a:spcBef>
+              <a:spcAft>
+                <a:spcPct val="0"/>
+              </a:spcAft>
+              <a:defRPr sz="3200">
+                <a:solidFill>
+                  <a:schemeClr val="tx1"/>
+                </a:solidFill>
+                <a:latin typeface="Arial" panose="020B0604020202020204" pitchFamily="34" charset="0"/>
+                <a:ea typeface="微软雅黑" panose="020B0503020204020204" pitchFamily="34" charset="-122"/>
+              </a:defRPr>
+            </a:lvl6pPr>
+            <a:lvl7pPr marL="2971800" indent="-228600" eaLnBrk="0" fontAlgn="base" hangingPunct="0">
+              <a:spcBef>
+                <a:spcPct val="0"/>
+              </a:spcBef>
+              <a:spcAft>
+                <a:spcPct val="0"/>
+              </a:spcAft>
+              <a:defRPr sz="3200">
+                <a:solidFill>
+                  <a:schemeClr val="tx1"/>
+                </a:solidFill>
+                <a:latin typeface="Arial" panose="020B0604020202020204" pitchFamily="34" charset="0"/>
+                <a:ea typeface="微软雅黑" panose="020B0503020204020204" pitchFamily="34" charset="-122"/>
+              </a:defRPr>
+            </a:lvl7pPr>
+            <a:lvl8pPr marL="3429000" indent="-228600" eaLnBrk="0" fontAlgn="base" hangingPunct="0">
+              <a:spcBef>
+                <a:spcPct val="0"/>
+              </a:spcBef>
+              <a:spcAft>
+                <a:spcPct val="0"/>
+              </a:spcAft>
+              <a:defRPr sz="3200">
+                <a:solidFill>
+                  <a:schemeClr val="tx1"/>
+                </a:solidFill>
+                <a:latin typeface="Arial" panose="020B0604020202020204" pitchFamily="34" charset="0"/>
+                <a:ea typeface="微软雅黑" panose="020B0503020204020204" pitchFamily="34" charset="-122"/>
+              </a:defRPr>
+            </a:lvl8pPr>
+            <a:lvl9pPr marL="3886200" indent="-228600" eaLnBrk="0" fontAlgn="base" hangingPunct="0">
+              <a:spcBef>
+                <a:spcPct val="0"/>
+              </a:spcBef>
+              <a:spcAft>
+                <a:spcPct val="0"/>
+              </a:spcAft>
+              <a:defRPr sz="3200">
+                <a:solidFill>
+                  <a:schemeClr val="tx1"/>
+                </a:solidFill>
+                <a:latin typeface="Arial" panose="020B0604020202020204" pitchFamily="34" charset="0"/>
+                <a:ea typeface="微软雅黑" panose="020B0503020204020204" pitchFamily="34" charset="-122"/>
+              </a:defRPr>
+            </a:lvl9pPr>
+          </a:lstStyle>
+          <a:p>
+            <a:r>
+              <a:rPr lang="zh-CN" altLang="en-US" dirty="0">
+                <a:solidFill>
+                  <a:srgbClr val="C00000"/>
+                </a:solidFill>
+                <a:latin typeface="+mj-ea"/>
+                <a:ea typeface="+mj-ea"/>
+              </a:rPr>
+              <a:t>内容提纲</a:t>
+            </a:r>
+          </a:p>
+        </p:txBody>
+      </p:sp>
+      <p:sp>
+        <p:nvSpPr>
+          <p:cNvPr id="21507" name="AutoShape 6"/>
+          <p:cNvSpPr>
+            <a:spLocks noChangeArrowheads="1"/>
+          </p:cNvSpPr>
+          <p:nvPr/>
+        </p:nvSpPr>
+        <p:spPr bwMode="auto">
+          <a:xfrm>
+            <a:off x="2309813" y="1428750"/>
+            <a:ext cx="6532562" cy="3943350"/>
+          </a:xfrm>
+          <a:prstGeom prst="roundRect">
+            <a:avLst>
+              <a:gd name="adj" fmla="val 16667"/>
+            </a:avLst>
+          </a:prstGeom>
+          <a:noFill/>
+          <a:ln w="28575">
+            <a:solidFill>
+              <a:srgbClr val="C0C0C0"/>
+            </a:solidFill>
+            <a:prstDash val="sysDot"/>
+            <a:round/>
+          </a:ln>
+          <a:extLst>
+            <a:ext uri="{909E8E84-426E-40DD-AFC4-6F175D3DCCD1}">
+              <a14:hiddenFill xmlns:a14="http://schemas.microsoft.com/office/drawing/2010/main">
+                <a:solidFill>
+                  <a:srgbClr val="FFFFFF"/>
+                </a:solidFill>
+              </a14:hiddenFill>
+            </a:ext>
+          </a:extLst>
+        </p:spPr>
+        <p:txBody>
+          <a:bodyPr wrap="none" anchor="ctr"/>
+          <a:lstStyle>
+            <a:lvl1pPr marL="457200" indent="-457200">
+              <a:defRPr sz="3200">
+                <a:solidFill>
+                  <a:schemeClr val="tx1"/>
+                </a:solidFill>
+                <a:latin typeface="Arial" panose="020B0604020202020204" pitchFamily="34" charset="0"/>
+                <a:ea typeface="微软雅黑" panose="020B0503020204020204" pitchFamily="34" charset="-122"/>
+              </a:defRPr>
+            </a:lvl1pPr>
+            <a:lvl2pPr marL="742950" indent="-285750">
+              <a:defRPr sz="3200">
+                <a:solidFill>
+                  <a:schemeClr val="tx1"/>
+                </a:solidFill>
+                <a:latin typeface="Arial" panose="020B0604020202020204" pitchFamily="34" charset="0"/>
+                <a:ea typeface="微软雅黑" panose="020B0503020204020204" pitchFamily="34" charset="-122"/>
+              </a:defRPr>
+            </a:lvl2pPr>
+            <a:lvl3pPr marL="1143000" indent="-228600">
+              <a:defRPr sz="3200">
+                <a:solidFill>
+                  <a:schemeClr val="tx1"/>
+                </a:solidFill>
+                <a:latin typeface="Arial" panose="020B0604020202020204" pitchFamily="34" charset="0"/>
+                <a:ea typeface="微软雅黑" panose="020B0503020204020204" pitchFamily="34" charset="-122"/>
+              </a:defRPr>
+            </a:lvl3pPr>
+            <a:lvl4pPr marL="1600200" indent="-228600">
+              <a:defRPr sz="3200">
+                <a:solidFill>
+                  <a:schemeClr val="tx1"/>
+                </a:solidFill>
+                <a:latin typeface="Arial" panose="020B0604020202020204" pitchFamily="34" charset="0"/>
+                <a:ea typeface="微软雅黑" panose="020B0503020204020204" pitchFamily="34" charset="-122"/>
+              </a:defRPr>
+            </a:lvl4pPr>
+            <a:lvl5pPr marL="2057400" indent="-228600">
+              <a:defRPr sz="3200">
+                <a:solidFill>
+                  <a:schemeClr val="tx1"/>
+                </a:solidFill>
+                <a:latin typeface="Arial" panose="020B0604020202020204" pitchFamily="34" charset="0"/>
+                <a:ea typeface="微软雅黑" panose="020B0503020204020204" pitchFamily="34" charset="-122"/>
+              </a:defRPr>
+            </a:lvl5pPr>
+            <a:lvl6pPr marL="2514600" indent="-228600" eaLnBrk="0" fontAlgn="base" hangingPunct="0">
+              <a:spcBef>
+                <a:spcPct val="0"/>
+              </a:spcBef>
+              <a:spcAft>
+                <a:spcPct val="0"/>
+              </a:spcAft>
+              <a:defRPr sz="3200">
+                <a:solidFill>
+                  <a:schemeClr val="tx1"/>
+                </a:solidFill>
+                <a:latin typeface="Arial" panose="020B0604020202020204" pitchFamily="34" charset="0"/>
+                <a:ea typeface="微软雅黑" panose="020B0503020204020204" pitchFamily="34" charset="-122"/>
+              </a:defRPr>
+            </a:lvl6pPr>
+            <a:lvl7pPr marL="2971800" indent="-228600" eaLnBrk="0" fontAlgn="base" hangingPunct="0">
+              <a:spcBef>
+                <a:spcPct val="0"/>
+              </a:spcBef>
+              <a:spcAft>
+                <a:spcPct val="0"/>
+              </a:spcAft>
+              <a:defRPr sz="3200">
+                <a:solidFill>
+                  <a:schemeClr val="tx1"/>
+                </a:solidFill>
+                <a:latin typeface="Arial" panose="020B0604020202020204" pitchFamily="34" charset="0"/>
+                <a:ea typeface="微软雅黑" panose="020B0503020204020204" pitchFamily="34" charset="-122"/>
+              </a:defRPr>
+            </a:lvl7pPr>
+            <a:lvl8pPr marL="3429000" indent="-228600" eaLnBrk="0" fontAlgn="base" hangingPunct="0">
+              <a:spcBef>
+                <a:spcPct val="0"/>
+              </a:spcBef>
+              <a:spcAft>
+                <a:spcPct val="0"/>
+              </a:spcAft>
+              <a:defRPr sz="3200">
+                <a:solidFill>
+                  <a:schemeClr val="tx1"/>
+                </a:solidFill>
+                <a:latin typeface="Arial" panose="020B0604020202020204" pitchFamily="34" charset="0"/>
+                <a:ea typeface="微软雅黑" panose="020B0503020204020204" pitchFamily="34" charset="-122"/>
+              </a:defRPr>
+            </a:lvl8pPr>
+            <a:lvl9pPr marL="3886200" indent="-228600" eaLnBrk="0" fontAlgn="base" hangingPunct="0">
+              <a:spcBef>
+                <a:spcPct val="0"/>
+              </a:spcBef>
+              <a:spcAft>
+                <a:spcPct val="0"/>
+              </a:spcAft>
+              <a:defRPr sz="3200">
+                <a:solidFill>
+                  <a:schemeClr val="tx1"/>
+                </a:solidFill>
+                <a:latin typeface="Arial" panose="020B0604020202020204" pitchFamily="34" charset="0"/>
+                <a:ea typeface="微软雅黑" panose="020B0503020204020204" pitchFamily="34" charset="-122"/>
+              </a:defRPr>
+            </a:lvl9pPr>
+          </a:lstStyle>
+          <a:p>
+            <a:pPr>
+              <a:lnSpc>
+                <a:spcPct val="200000"/>
+              </a:lnSpc>
+              <a:buClr>
+                <a:srgbClr val="92D050"/>
+              </a:buClr>
+              <a:buFont typeface="Wingdings" panose="05000000000000000000" pitchFamily="2" charset="2"/>
+              <a:buChar char="Ø"/>
+            </a:pPr>
+            <a:r>
+              <a:rPr lang="zh-CN" altLang="en-US" sz="2800" b="1" dirty="0">
+                <a:latin typeface="+mj-ea"/>
+                <a:ea typeface="+mj-ea"/>
+              </a:rPr>
+              <a:t>受控组件和非受控组件</a:t>
+            </a:r>
+            <a:endParaRPr lang="en-US" altLang="zh-CN" sz="2800" b="1" dirty="0">
+              <a:latin typeface="+mj-ea"/>
+              <a:ea typeface="+mj-ea"/>
+            </a:endParaRPr>
+          </a:p>
+          <a:p>
+            <a:pPr>
+              <a:lnSpc>
+                <a:spcPct val="200000"/>
+              </a:lnSpc>
+              <a:buClr>
+                <a:srgbClr val="92D050"/>
+              </a:buClr>
+              <a:buFont typeface="Wingdings" panose="05000000000000000000" pitchFamily="2" charset="2"/>
+              <a:buChar char="Ø"/>
+            </a:pPr>
+            <a:r>
+              <a:rPr lang="en-US" altLang="zh-CN" sz="2800" b="1" dirty="0">
+                <a:solidFill>
+                  <a:srgbClr val="C00000"/>
+                </a:solidFill>
+                <a:latin typeface="+mj-ea"/>
+                <a:ea typeface="+mj-ea"/>
+              </a:rPr>
+              <a:t>DOM Elements</a:t>
+            </a:r>
+          </a:p>
+          <a:p>
+            <a:pPr>
+              <a:lnSpc>
+                <a:spcPct val="200000"/>
+              </a:lnSpc>
+              <a:buClr>
+                <a:srgbClr val="92D050"/>
+              </a:buClr>
+              <a:buFont typeface="Wingdings" panose="05000000000000000000" pitchFamily="2" charset="2"/>
+              <a:buChar char="Ø"/>
+            </a:pPr>
+            <a:r>
+              <a:rPr lang="en-US" altLang="zh-CN" sz="2800" b="1" dirty="0" err="1">
+                <a:latin typeface="+mj-ea"/>
+                <a:ea typeface="+mj-ea"/>
+              </a:rPr>
+              <a:t>PropTypes</a:t>
+            </a:r>
+            <a:endParaRPr lang="en-US" altLang="zh-CN" sz="2800" b="1" dirty="0">
+              <a:latin typeface="+mj-ea"/>
+              <a:ea typeface="+mj-ea"/>
+            </a:endParaRPr>
+          </a:p>
+        </p:txBody>
+      </p:sp>
+    </p:spTree>
+    <p:extLst>
+      <p:ext uri="{BB962C8B-B14F-4D97-AF65-F5344CB8AC3E}">
+        <p14:creationId xmlns:p14="http://schemas.microsoft.com/office/powerpoint/2010/main" val="1330492191"/>
+      </p:ext>
+    </p:extLst>
+  </p:cSld>
+  <p:clrMapOvr>
+    <a:masterClrMapping/>
+  </p:clrMapOvr>
+  <p:transition/>
+</p:sld>
+</file>
+
+<file path=ppt/slides/slide9.xml><?xml version="1.0" encoding="utf-8"?>
+<p:sld xmlns:a="http://schemas.openxmlformats.org/drawingml/2006/main" xmlns:r="http://schemas.openxmlformats.org/officeDocument/2006/relationships" xmlns:p="http://schemas.openxmlformats.org/presentationml/2006/main">
+  <p:cSld>
+    <p:spTree>
+      <p:nvGrpSpPr>
+        <p:cNvPr id="1" name=""/>
+        <p:cNvGrpSpPr/>
+        <p:nvPr/>
+      </p:nvGrpSpPr>
+      <p:grpSpPr>
+        <a:xfrm>
+          <a:off x="0" y="0"/>
+          <a:ext cx="0" cy="0"/>
+          <a:chOff x="0" y="0"/>
+          <a:chExt cx="0" cy="0"/>
+        </a:xfrm>
+      </p:grpSpPr>
+      <p:sp>
+        <p:nvSpPr>
+          <p:cNvPr id="30722" name="内容占位符 3"/>
+          <p:cNvSpPr>
+            <a:spLocks noGrp="1"/>
+          </p:cNvSpPr>
+          <p:nvPr>
+            <p:ph sz="quarter" idx="10"/>
+          </p:nvPr>
+        </p:nvSpPr>
+        <p:spPr bwMode="auto">
+          <a:xfrm>
+            <a:off x="693526" y="907845"/>
+            <a:ext cx="8788025" cy="4898244"/>
+          </a:xfrm>
+          <a:solidFill>
+            <a:schemeClr val="bg1"/>
+          </a:solidFill>
+        </p:spPr>
+        <p:txBody>
+          <a:bodyPr vert="horz" wrap="square" lIns="91440" tIns="45720" rIns="91440" bIns="45720" numCol="1" anchor="t" anchorCtr="0" compatLnSpc="1"/>
+          <a:lstStyle/>
+          <a:p>
+            <a:pPr marL="360045"/>
+            <a:r>
+              <a:rPr lang="en-US" altLang="zh-CN" dirty="0">
+                <a:latin typeface="+mj-ea"/>
+                <a:ea typeface="+mj-ea"/>
+              </a:rPr>
+              <a:t> </a:t>
+            </a:r>
+            <a:r>
+              <a:rPr lang="en-US" altLang="zh-CN" dirty="0"/>
+              <a:t>React</a:t>
+            </a:r>
+            <a:r>
+              <a:rPr lang="zh-CN" altLang="en-US" dirty="0"/>
+              <a:t>实现了一套与浏览器无关的 </a:t>
+            </a:r>
+            <a:r>
+              <a:rPr lang="en-US" altLang="zh-CN" dirty="0"/>
+              <a:t>DOM 	</a:t>
+            </a:r>
+            <a:r>
+              <a:rPr lang="zh-CN" altLang="en-US" dirty="0"/>
+              <a:t>系统</a:t>
+            </a:r>
+            <a:endParaRPr lang="en-US" altLang="zh-CN" dirty="0"/>
+          </a:p>
+          <a:p>
+            <a:pPr marL="360045"/>
+            <a:r>
+              <a:rPr lang="en-US" altLang="zh-CN" dirty="0">
+                <a:latin typeface="+mj-ea"/>
+                <a:ea typeface="+mj-ea"/>
+              </a:rPr>
+              <a:t> </a:t>
+            </a:r>
+            <a:r>
+              <a:rPr lang="en-US" altLang="zh-CN" b="1" dirty="0" err="1"/>
+              <a:t>className</a:t>
+            </a:r>
+            <a:endParaRPr lang="en-US" altLang="zh-CN" b="1" dirty="0"/>
+          </a:p>
+          <a:p>
+            <a:pPr marL="591820" lvl="1"/>
+            <a:r>
+              <a:rPr lang="zh-CN" altLang="en-US" dirty="0"/>
+              <a:t> 使用 </a:t>
+            </a:r>
+            <a:r>
+              <a:rPr lang="en-US" altLang="zh-CN" dirty="0" err="1"/>
+              <a:t>className</a:t>
+            </a:r>
+            <a:r>
+              <a:rPr lang="en-US" altLang="zh-CN"/>
+              <a:t> </a:t>
+            </a:r>
+            <a:r>
+              <a:rPr lang="zh-CN" altLang="en-US"/>
+              <a:t>属性</a:t>
+            </a:r>
+            <a:r>
+              <a:rPr lang="zh-CN" altLang="en-US" dirty="0"/>
+              <a:t>指定一个</a:t>
+            </a:r>
+            <a:r>
+              <a:rPr lang="en-US" altLang="zh-CN" dirty="0"/>
+              <a:t>CSS</a:t>
+            </a:r>
+            <a:r>
+              <a:rPr lang="zh-CN" altLang="en-US" dirty="0"/>
+              <a:t>类</a:t>
+            </a:r>
+            <a:endParaRPr lang="en-US" altLang="zh-CN" dirty="0"/>
+          </a:p>
+          <a:p>
+            <a:pPr marL="360045"/>
+            <a:r>
+              <a:rPr lang="en-US" altLang="zh-CN" b="1" dirty="0"/>
+              <a:t> </a:t>
+            </a:r>
+            <a:r>
+              <a:rPr lang="en-US" altLang="zh-CN" b="1" dirty="0" err="1"/>
+              <a:t>onChange</a:t>
+            </a:r>
+            <a:endParaRPr lang="en-US" altLang="zh-CN" b="1" dirty="0"/>
+          </a:p>
+          <a:p>
+            <a:pPr marL="591820" lvl="1"/>
+            <a:r>
+              <a:rPr lang="zh-CN" altLang="en-US" dirty="0"/>
+              <a:t> 实时处理用户输入</a:t>
+            </a:r>
+            <a:endParaRPr lang="en-US" altLang="zh-CN" b="1" dirty="0"/>
+          </a:p>
+          <a:p>
+            <a:pPr marL="360045"/>
+            <a:r>
+              <a:rPr lang="en-US" altLang="zh-CN" dirty="0">
+                <a:latin typeface="+mj-ea"/>
+                <a:ea typeface="+mj-ea"/>
+              </a:rPr>
+              <a:t> </a:t>
+            </a:r>
+            <a:r>
+              <a:rPr lang="en-US" altLang="zh-CN" b="1" dirty="0" err="1"/>
+              <a:t>htmlFor</a:t>
+            </a:r>
+            <a:endParaRPr lang="en-US" altLang="zh-CN" b="1" dirty="0"/>
+          </a:p>
+          <a:p>
+            <a:pPr marL="591820" lvl="1"/>
+            <a:r>
+              <a:rPr lang="zh-CN" altLang="en-US" dirty="0"/>
+              <a:t> 因为 </a:t>
+            </a:r>
+            <a:r>
+              <a:rPr lang="en-US" altLang="zh-CN" dirty="0"/>
+              <a:t>for </a:t>
+            </a:r>
+            <a:r>
+              <a:rPr lang="zh-CN" altLang="en-US" dirty="0"/>
+              <a:t>是在 </a:t>
+            </a:r>
+            <a:r>
+              <a:rPr lang="en-US" altLang="zh-CN" dirty="0"/>
+              <a:t>JavaScript </a:t>
+            </a:r>
+            <a:r>
+              <a:rPr lang="zh-CN" altLang="en-US" dirty="0"/>
+              <a:t>中的一个保留字，</a:t>
+            </a:r>
+            <a:r>
+              <a:rPr lang="en-US" altLang="zh-CN" dirty="0"/>
+              <a:t>React </a:t>
+            </a:r>
+            <a:r>
+              <a:rPr lang="zh-CN" altLang="en-US" dirty="0"/>
+              <a:t>元素使用 </a:t>
+            </a:r>
+            <a:r>
+              <a:rPr lang="en-US" altLang="zh-CN" dirty="0" err="1"/>
+              <a:t>htmlFor</a:t>
+            </a:r>
+            <a:r>
+              <a:rPr lang="en-US" altLang="zh-CN" dirty="0"/>
+              <a:t> </a:t>
+            </a:r>
+            <a:r>
+              <a:rPr lang="zh-CN" altLang="en-US" dirty="0"/>
+              <a:t>代替</a:t>
+            </a:r>
+            <a:endParaRPr lang="en-US" altLang="zh-CN" b="1" dirty="0"/>
+          </a:p>
+          <a:p>
+            <a:pPr marL="360045"/>
+            <a:endParaRPr lang="en-US" altLang="zh-CN" dirty="0">
+              <a:latin typeface="+mj-ea"/>
+              <a:ea typeface="+mj-ea"/>
+            </a:endParaRPr>
+          </a:p>
+        </p:txBody>
+      </p:sp>
+      <p:sp>
+        <p:nvSpPr>
+          <p:cNvPr id="25603" name="内容占位符 4"/>
+          <p:cNvSpPr>
+            <a:spLocks noGrp="1"/>
+          </p:cNvSpPr>
+          <p:nvPr>
+            <p:ph sz="quarter" idx="11"/>
+          </p:nvPr>
+        </p:nvSpPr>
+        <p:spPr bwMode="auto">
+          <a:xfrm>
+            <a:off x="909638" y="236538"/>
+            <a:ext cx="7575550" cy="490537"/>
+          </a:xfrm>
+          <a:extLst>
+            <a:ext uri="{909E8E84-426E-40DD-AFC4-6F175D3DCCD1}">
+              <a14:hiddenFill xmlns:a14="http://schemas.microsoft.com/office/drawing/2010/main">
+                <a:solidFill>
+                  <a:srgbClr val="FFFFFF"/>
+                </a:solidFill>
+              </a14:hiddenFill>
+            </a:ext>
+            <a:ext uri="{91240B29-F687-4F45-9708-019B960494DF}">
+              <a14:hiddenLine xmlns:a14="http://schemas.microsoft.com/office/drawing/2010/main" w="9525">
+                <a:solidFill>
+                  <a:srgbClr val="000000"/>
+                </a:solidFill>
+                <a:miter lim="800000"/>
+                <a:headEnd/>
+                <a:tailEnd/>
+              </a14:hiddenLine>
+            </a:ext>
+          </a:extLst>
+        </p:spPr>
+        <p:txBody>
+          <a:bodyPr vert="horz" wrap="square" lIns="91440" tIns="45720" rIns="91440" bIns="45720" numCol="1" anchor="t" anchorCtr="0" compatLnSpc="1"/>
+          <a:lstStyle/>
+          <a:p>
+            <a:pPr>
+              <a:defRPr/>
+            </a:pPr>
+            <a:r>
+              <a:rPr lang="en-US" altLang="zh-CN" dirty="0">
+                <a:latin typeface="+mn-ea"/>
+                <a:ea typeface="+mn-ea"/>
+              </a:rPr>
+              <a:t>DOM Elements </a:t>
+            </a:r>
+            <a:endParaRPr lang="zh-CN" altLang="en-US" dirty="0">
+              <a:latin typeface="+mn-ea"/>
+              <a:ea typeface="+mn-ea"/>
+            </a:endParaRPr>
+          </a:p>
+        </p:txBody>
+      </p:sp>
+    </p:spTree>
+    <p:extLst>
+      <p:ext uri="{BB962C8B-B14F-4D97-AF65-F5344CB8AC3E}">
+        <p14:creationId xmlns:p14="http://schemas.microsoft.com/office/powerpoint/2010/main" val="3363939410"/>
+      </p:ext>
+    </p:extLst>
+  </p:cSld>
+  <p:clrMapOvr>
+    <a:masterClrMapping/>
+  </p:clrMapOvr>
 </p:sld>
 </file>
 
@@ -10908,7 +10545,7 @@
   <a:extraClrSchemeLst/>
   <a:extLst>
     <a:ext uri="{05A4C25C-085E-4340-85A3-A5531E510DB2}">
-      <thm15:themeFamily xmlns:thm15="http://schemas.microsoft.com/office/thememl/2012/main" xmlns="" name="Office Theme" id="{62F939B6-93AF-4DB8-9C6B-D6C7DFDC589F}" vid="{4A3C46E8-61CC-4603-A589-7422A47A8E4A}"/>
+      <thm15:themeFamily xmlns:thm15="http://schemas.microsoft.com/office/thememl/2012/main" name="Office Theme" id="{62F939B6-93AF-4DB8-9C6B-D6C7DFDC589F}" vid="{4A3C46E8-61CC-4603-A589-7422A47A8E4A}"/>
     </a:ext>
   </a:extLst>
 </a:theme>
@@ -11196,7 +10833,7 @@
   <a:extraClrSchemeLst/>
   <a:extLst>
     <a:ext uri="{05A4C25C-085E-4340-85A3-A5531E510DB2}">
-      <thm15:themeFamily xmlns:thm15="http://schemas.microsoft.com/office/thememl/2012/main" xmlns="" name="Office Theme" id="{62F939B6-93AF-4DB8-9C6B-D6C7DFDC589F}" vid="{4A3C46E8-61CC-4603-A589-7422A47A8E4A}"/>
+      <thm15:themeFamily xmlns:thm15="http://schemas.microsoft.com/office/thememl/2012/main" name="Office Theme" id="{62F939B6-93AF-4DB8-9C6B-D6C7DFDC589F}" vid="{4A3C46E8-61CC-4603-A589-7422A47A8E4A}"/>
     </a:ext>
   </a:extLst>
 </a:theme>
